--- a/hw02.pptx
+++ b/hw02.pptx
@@ -4,8 +4,18 @@
   <p:sldMasterIdLst>
     <p:sldMasterId id="2147483648" r:id="rId1"/>
   </p:sldMasterIdLst>
+  <p:notesMasterIdLst>
+    <p:notesMasterId r:id="rId10"/>
+  </p:notesMasterIdLst>
   <p:sldIdLst>
-    <p:sldId id="256" r:id="rId2"/>
+    <p:sldId id="268" r:id="rId2"/>
+    <p:sldId id="269" r:id="rId3"/>
+    <p:sldId id="270" r:id="rId4"/>
+    <p:sldId id="274" r:id="rId5"/>
+    <p:sldId id="272" r:id="rId6"/>
+    <p:sldId id="273" r:id="rId7"/>
+    <p:sldId id="275" r:id="rId8"/>
+    <p:sldId id="265" r:id="rId9"/>
   </p:sldIdLst>
   <p:sldSz cx="12192000" cy="6858000"/>
   <p:notesSz cx="6858000" cy="9144000"/>
@@ -104,7 +114,1020 @@
       </a:defRPr>
     </a:lvl9pPr>
   </p:defaultTextStyle>
+  <p:extLst>
+    <p:ext uri="{EFAFB233-063F-42B5-8137-9DF3F51BA10A}">
+      <p15:sldGuideLst xmlns:p15="http://schemas.microsoft.com/office/powerpoint/2012/main"/>
+    </p:ext>
+  </p:extLst>
 </p:presentation>
+</file>
+
+<file path=ppt/notesMasters/notesMaster1.xml><?xml version="1.0" encoding="utf-8"?>
+<p:notesMaster xmlns:a="http://schemas.openxmlformats.org/drawingml/2006/main" xmlns:r="http://schemas.openxmlformats.org/officeDocument/2006/relationships" xmlns:p="http://schemas.openxmlformats.org/presentationml/2006/main">
+  <p:cSld>
+    <p:bg>
+      <p:bgRef idx="1001">
+        <a:schemeClr val="bg1"/>
+      </p:bgRef>
+    </p:bg>
+    <p:spTree>
+      <p:nvGrpSpPr>
+        <p:cNvPr id="1" name=""/>
+        <p:cNvGrpSpPr/>
+        <p:nvPr/>
+      </p:nvGrpSpPr>
+      <p:grpSpPr>
+        <a:xfrm>
+          <a:off x="0" y="0"/>
+          <a:ext cx="0" cy="0"/>
+          <a:chOff x="0" y="0"/>
+          <a:chExt cx="0" cy="0"/>
+        </a:xfrm>
+      </p:grpSpPr>
+      <p:sp>
+        <p:nvSpPr>
+          <p:cNvPr id="2" name="頁首版面配置區 1"/>
+          <p:cNvSpPr>
+            <a:spLocks noGrp="1"/>
+          </p:cNvSpPr>
+          <p:nvPr>
+            <p:ph type="hdr" sz="quarter"/>
+          </p:nvPr>
+        </p:nvSpPr>
+        <p:spPr>
+          <a:xfrm>
+            <a:off x="0" y="0"/>
+            <a:ext cx="2971800" cy="458788"/>
+          </a:xfrm>
+          <a:prstGeom prst="rect">
+            <a:avLst/>
+          </a:prstGeom>
+        </p:spPr>
+        <p:txBody>
+          <a:bodyPr vert="horz" lIns="91440" tIns="45720" rIns="91440" bIns="45720" rtlCol="0"/>
+          <a:lstStyle>
+            <a:lvl1pPr algn="l">
+              <a:defRPr sz="1200"/>
+            </a:lvl1pPr>
+          </a:lstStyle>
+          <a:p>
+            <a:endParaRPr lang="zh-TW" altLang="en-US"/>
+          </a:p>
+        </p:txBody>
+      </p:sp>
+      <p:sp>
+        <p:nvSpPr>
+          <p:cNvPr id="3" name="日期版面配置區 2"/>
+          <p:cNvSpPr>
+            <a:spLocks noGrp="1"/>
+          </p:cNvSpPr>
+          <p:nvPr>
+            <p:ph type="dt" idx="1"/>
+          </p:nvPr>
+        </p:nvSpPr>
+        <p:spPr>
+          <a:xfrm>
+            <a:off x="3884613" y="0"/>
+            <a:ext cx="2971800" cy="458788"/>
+          </a:xfrm>
+          <a:prstGeom prst="rect">
+            <a:avLst/>
+          </a:prstGeom>
+        </p:spPr>
+        <p:txBody>
+          <a:bodyPr vert="horz" lIns="91440" tIns="45720" rIns="91440" bIns="45720" rtlCol="0"/>
+          <a:lstStyle>
+            <a:lvl1pPr algn="r">
+              <a:defRPr sz="1200"/>
+            </a:lvl1pPr>
+          </a:lstStyle>
+          <a:p>
+            <a:fld id="{99648F26-1C2F-4F8E-AD26-414A5E23BFC6}" type="datetimeFigureOut">
+              <a:rPr lang="zh-TW" altLang="en-US" smtClean="0"/>
+              <a:t>2024/10/30</a:t>
+            </a:fld>
+            <a:endParaRPr lang="zh-TW" altLang="en-US"/>
+          </a:p>
+        </p:txBody>
+      </p:sp>
+      <p:sp>
+        <p:nvSpPr>
+          <p:cNvPr id="4" name="投影片影像版面配置區 3"/>
+          <p:cNvSpPr>
+            <a:spLocks noGrp="1" noRot="1" noChangeAspect="1"/>
+          </p:cNvSpPr>
+          <p:nvPr>
+            <p:ph type="sldImg" idx="2"/>
+          </p:nvPr>
+        </p:nvSpPr>
+        <p:spPr>
+          <a:xfrm>
+            <a:off x="685800" y="1143000"/>
+            <a:ext cx="5486400" cy="3086100"/>
+          </a:xfrm>
+          <a:prstGeom prst="rect">
+            <a:avLst/>
+          </a:prstGeom>
+          <a:noFill/>
+          <a:ln w="12700">
+            <a:solidFill>
+              <a:prstClr val="black"/>
+            </a:solidFill>
+          </a:ln>
+        </p:spPr>
+        <p:txBody>
+          <a:bodyPr vert="horz" lIns="91440" tIns="45720" rIns="91440" bIns="45720" rtlCol="0" anchor="ctr"/>
+          <a:lstStyle/>
+          <a:p>
+            <a:endParaRPr lang="zh-TW" altLang="en-US"/>
+          </a:p>
+        </p:txBody>
+      </p:sp>
+      <p:sp>
+        <p:nvSpPr>
+          <p:cNvPr id="5" name="備忘稿版面配置區 4"/>
+          <p:cNvSpPr>
+            <a:spLocks noGrp="1"/>
+          </p:cNvSpPr>
+          <p:nvPr>
+            <p:ph type="body" sz="quarter" idx="3"/>
+          </p:nvPr>
+        </p:nvSpPr>
+        <p:spPr>
+          <a:xfrm>
+            <a:off x="685800" y="4400550"/>
+            <a:ext cx="5486400" cy="3600450"/>
+          </a:xfrm>
+          <a:prstGeom prst="rect">
+            <a:avLst/>
+          </a:prstGeom>
+        </p:spPr>
+        <p:txBody>
+          <a:bodyPr vert="horz" lIns="91440" tIns="45720" rIns="91440" bIns="45720" rtlCol="0"/>
+          <a:lstStyle/>
+          <a:p>
+            <a:pPr lvl="0"/>
+            <a:r>
+              <a:rPr lang="zh-TW" altLang="en-US"/>
+              <a:t>按一下以編輯母片文字樣式</a:t>
+            </a:r>
+          </a:p>
+          <a:p>
+            <a:pPr lvl="1"/>
+            <a:r>
+              <a:rPr lang="zh-TW" altLang="en-US"/>
+              <a:t>第二層</a:t>
+            </a:r>
+          </a:p>
+          <a:p>
+            <a:pPr lvl="2"/>
+            <a:r>
+              <a:rPr lang="zh-TW" altLang="en-US"/>
+              <a:t>第三層</a:t>
+            </a:r>
+          </a:p>
+          <a:p>
+            <a:pPr lvl="3"/>
+            <a:r>
+              <a:rPr lang="zh-TW" altLang="en-US"/>
+              <a:t>第四層</a:t>
+            </a:r>
+          </a:p>
+          <a:p>
+            <a:pPr lvl="4"/>
+            <a:r>
+              <a:rPr lang="zh-TW" altLang="en-US"/>
+              <a:t>第五層</a:t>
+            </a:r>
+          </a:p>
+        </p:txBody>
+      </p:sp>
+      <p:sp>
+        <p:nvSpPr>
+          <p:cNvPr id="6" name="頁尾版面配置區 5"/>
+          <p:cNvSpPr>
+            <a:spLocks noGrp="1"/>
+          </p:cNvSpPr>
+          <p:nvPr>
+            <p:ph type="ftr" sz="quarter" idx="4"/>
+          </p:nvPr>
+        </p:nvSpPr>
+        <p:spPr>
+          <a:xfrm>
+            <a:off x="0" y="8685213"/>
+            <a:ext cx="2971800" cy="458787"/>
+          </a:xfrm>
+          <a:prstGeom prst="rect">
+            <a:avLst/>
+          </a:prstGeom>
+        </p:spPr>
+        <p:txBody>
+          <a:bodyPr vert="horz" lIns="91440" tIns="45720" rIns="91440" bIns="45720" rtlCol="0" anchor="b"/>
+          <a:lstStyle>
+            <a:lvl1pPr algn="l">
+              <a:defRPr sz="1200"/>
+            </a:lvl1pPr>
+          </a:lstStyle>
+          <a:p>
+            <a:endParaRPr lang="zh-TW" altLang="en-US"/>
+          </a:p>
+        </p:txBody>
+      </p:sp>
+      <p:sp>
+        <p:nvSpPr>
+          <p:cNvPr id="7" name="投影片編號版面配置區 6"/>
+          <p:cNvSpPr>
+            <a:spLocks noGrp="1"/>
+          </p:cNvSpPr>
+          <p:nvPr>
+            <p:ph type="sldNum" sz="quarter" idx="5"/>
+          </p:nvPr>
+        </p:nvSpPr>
+        <p:spPr>
+          <a:xfrm>
+            <a:off x="3884613" y="8685213"/>
+            <a:ext cx="2971800" cy="458787"/>
+          </a:xfrm>
+          <a:prstGeom prst="rect">
+            <a:avLst/>
+          </a:prstGeom>
+        </p:spPr>
+        <p:txBody>
+          <a:bodyPr vert="horz" lIns="91440" tIns="45720" rIns="91440" bIns="45720" rtlCol="0" anchor="b"/>
+          <a:lstStyle>
+            <a:lvl1pPr algn="r">
+              <a:defRPr sz="1200"/>
+            </a:lvl1pPr>
+          </a:lstStyle>
+          <a:p>
+            <a:fld id="{F2EA3465-2683-43E9-A158-DBA7A119C190}" type="slidenum">
+              <a:rPr lang="zh-TW" altLang="en-US" smtClean="0"/>
+              <a:t>‹#›</a:t>
+            </a:fld>
+            <a:endParaRPr lang="zh-TW" altLang="en-US"/>
+          </a:p>
+        </p:txBody>
+      </p:sp>
+    </p:spTree>
+    <p:extLst>
+      <p:ext uri="{BB962C8B-B14F-4D97-AF65-F5344CB8AC3E}">
+        <p14:creationId xmlns:p14="http://schemas.microsoft.com/office/powerpoint/2010/main" val="3304945560"/>
+      </p:ext>
+    </p:extLst>
+  </p:cSld>
+  <p:clrMap bg1="lt1" tx1="dk1" bg2="lt2" tx2="dk2" accent1="accent1" accent2="accent2" accent3="accent3" accent4="accent4" accent5="accent5" accent6="accent6" hlink="hlink" folHlink="folHlink"/>
+  <p:notesStyle>
+    <a:lvl1pPr marL="0" algn="l" defTabSz="914400" rtl="0" eaLnBrk="1" latinLnBrk="0" hangingPunct="1">
+      <a:defRPr sz="1200" kern="1200">
+        <a:solidFill>
+          <a:schemeClr val="tx1"/>
+        </a:solidFill>
+        <a:latin typeface="+mn-lt"/>
+        <a:ea typeface="+mn-ea"/>
+        <a:cs typeface="+mn-cs"/>
+      </a:defRPr>
+    </a:lvl1pPr>
+    <a:lvl2pPr marL="457200" algn="l" defTabSz="914400" rtl="0" eaLnBrk="1" latinLnBrk="0" hangingPunct="1">
+      <a:defRPr sz="1200" kern="1200">
+        <a:solidFill>
+          <a:schemeClr val="tx1"/>
+        </a:solidFill>
+        <a:latin typeface="+mn-lt"/>
+        <a:ea typeface="+mn-ea"/>
+        <a:cs typeface="+mn-cs"/>
+      </a:defRPr>
+    </a:lvl2pPr>
+    <a:lvl3pPr marL="914400" algn="l" defTabSz="914400" rtl="0" eaLnBrk="1" latinLnBrk="0" hangingPunct="1">
+      <a:defRPr sz="1200" kern="1200">
+        <a:solidFill>
+          <a:schemeClr val="tx1"/>
+        </a:solidFill>
+        <a:latin typeface="+mn-lt"/>
+        <a:ea typeface="+mn-ea"/>
+        <a:cs typeface="+mn-cs"/>
+      </a:defRPr>
+    </a:lvl3pPr>
+    <a:lvl4pPr marL="1371600" algn="l" defTabSz="914400" rtl="0" eaLnBrk="1" latinLnBrk="0" hangingPunct="1">
+      <a:defRPr sz="1200" kern="1200">
+        <a:solidFill>
+          <a:schemeClr val="tx1"/>
+        </a:solidFill>
+        <a:latin typeface="+mn-lt"/>
+        <a:ea typeface="+mn-ea"/>
+        <a:cs typeface="+mn-cs"/>
+      </a:defRPr>
+    </a:lvl4pPr>
+    <a:lvl5pPr marL="1828800" algn="l" defTabSz="914400" rtl="0" eaLnBrk="1" latinLnBrk="0" hangingPunct="1">
+      <a:defRPr sz="1200" kern="1200">
+        <a:solidFill>
+          <a:schemeClr val="tx1"/>
+        </a:solidFill>
+        <a:latin typeface="+mn-lt"/>
+        <a:ea typeface="+mn-ea"/>
+        <a:cs typeface="+mn-cs"/>
+      </a:defRPr>
+    </a:lvl5pPr>
+    <a:lvl6pPr marL="2286000" algn="l" defTabSz="914400" rtl="0" eaLnBrk="1" latinLnBrk="0" hangingPunct="1">
+      <a:defRPr sz="1200" kern="1200">
+        <a:solidFill>
+          <a:schemeClr val="tx1"/>
+        </a:solidFill>
+        <a:latin typeface="+mn-lt"/>
+        <a:ea typeface="+mn-ea"/>
+        <a:cs typeface="+mn-cs"/>
+      </a:defRPr>
+    </a:lvl6pPr>
+    <a:lvl7pPr marL="2743200" algn="l" defTabSz="914400" rtl="0" eaLnBrk="1" latinLnBrk="0" hangingPunct="1">
+      <a:defRPr sz="1200" kern="1200">
+        <a:solidFill>
+          <a:schemeClr val="tx1"/>
+        </a:solidFill>
+        <a:latin typeface="+mn-lt"/>
+        <a:ea typeface="+mn-ea"/>
+        <a:cs typeface="+mn-cs"/>
+      </a:defRPr>
+    </a:lvl7pPr>
+    <a:lvl8pPr marL="3200400" algn="l" defTabSz="914400" rtl="0" eaLnBrk="1" latinLnBrk="0" hangingPunct="1">
+      <a:defRPr sz="1200" kern="1200">
+        <a:solidFill>
+          <a:schemeClr val="tx1"/>
+        </a:solidFill>
+        <a:latin typeface="+mn-lt"/>
+        <a:ea typeface="+mn-ea"/>
+        <a:cs typeface="+mn-cs"/>
+      </a:defRPr>
+    </a:lvl8pPr>
+    <a:lvl9pPr marL="3657600" algn="l" defTabSz="914400" rtl="0" eaLnBrk="1" latinLnBrk="0" hangingPunct="1">
+      <a:defRPr sz="1200" kern="1200">
+        <a:solidFill>
+          <a:schemeClr val="tx1"/>
+        </a:solidFill>
+        <a:latin typeface="+mn-lt"/>
+        <a:ea typeface="+mn-ea"/>
+        <a:cs typeface="+mn-cs"/>
+      </a:defRPr>
+    </a:lvl9pPr>
+  </p:notesStyle>
+</p:notesMaster>
+</file>
+
+<file path=ppt/notesSlides/notesSlide1.xml><?xml version="1.0" encoding="utf-8"?>
+<p:notes xmlns:a="http://schemas.openxmlformats.org/drawingml/2006/main" xmlns:r="http://schemas.openxmlformats.org/officeDocument/2006/relationships" xmlns:p="http://schemas.openxmlformats.org/presentationml/2006/main">
+  <p:cSld>
+    <p:spTree>
+      <p:nvGrpSpPr>
+        <p:cNvPr id="1" name=""/>
+        <p:cNvGrpSpPr/>
+        <p:nvPr/>
+      </p:nvGrpSpPr>
+      <p:grpSpPr>
+        <a:xfrm>
+          <a:off x="0" y="0"/>
+          <a:ext cx="0" cy="0"/>
+          <a:chOff x="0" y="0"/>
+          <a:chExt cx="0" cy="0"/>
+        </a:xfrm>
+      </p:grpSpPr>
+      <p:sp>
+        <p:nvSpPr>
+          <p:cNvPr id="2" name="投影片影像版面配置區 1"/>
+          <p:cNvSpPr>
+            <a:spLocks noGrp="1" noRot="1" noChangeAspect="1"/>
+          </p:cNvSpPr>
+          <p:nvPr>
+            <p:ph type="sldImg"/>
+          </p:nvPr>
+        </p:nvSpPr>
+        <p:spPr/>
+      </p:sp>
+      <p:sp>
+        <p:nvSpPr>
+          <p:cNvPr id="3" name="備忘稿版面配置區 2"/>
+          <p:cNvSpPr>
+            <a:spLocks noGrp="1"/>
+          </p:cNvSpPr>
+          <p:nvPr>
+            <p:ph type="body" idx="1"/>
+          </p:nvPr>
+        </p:nvSpPr>
+        <p:spPr/>
+        <p:txBody>
+          <a:bodyPr/>
+          <a:lstStyle/>
+          <a:p>
+            <a:r>
+              <a:rPr lang="en-US" altLang="zh-TW" dirty="0"/>
+              <a:t>Please draw this picture: A dark blue-eyed 16 year-old girl with low-pigtails brown hair, wearing a black top hat, and wearing a dark blue high collar long sleeve thick sweater and black pants, standing in a white room with two black sofa, there are many pipes in the </a:t>
+            </a:r>
+            <a:r>
+              <a:rPr lang="en-US" altLang="zh-TW" dirty="0" err="1"/>
+              <a:t>wall.The</a:t>
+            </a:r>
+            <a:r>
+              <a:rPr lang="en-US" altLang="zh-TW" dirty="0"/>
+              <a:t> scene is in a Japanese anime style.</a:t>
+            </a:r>
+            <a:endParaRPr lang="zh-TW" altLang="en-US" dirty="0"/>
+          </a:p>
+        </p:txBody>
+      </p:sp>
+      <p:sp>
+        <p:nvSpPr>
+          <p:cNvPr id="4" name="投影片編號版面配置區 3"/>
+          <p:cNvSpPr>
+            <a:spLocks noGrp="1"/>
+          </p:cNvSpPr>
+          <p:nvPr>
+            <p:ph type="sldNum" sz="quarter" idx="5"/>
+          </p:nvPr>
+        </p:nvSpPr>
+        <p:spPr/>
+        <p:txBody>
+          <a:bodyPr/>
+          <a:lstStyle/>
+          <a:p>
+            <a:fld id="{F2EA3465-2683-43E9-A158-DBA7A119C190}" type="slidenum">
+              <a:rPr lang="zh-TW" altLang="en-US" smtClean="0"/>
+              <a:t>1</a:t>
+            </a:fld>
+            <a:endParaRPr lang="zh-TW" altLang="en-US"/>
+          </a:p>
+        </p:txBody>
+      </p:sp>
+    </p:spTree>
+    <p:extLst>
+      <p:ext uri="{BB962C8B-B14F-4D97-AF65-F5344CB8AC3E}">
+        <p14:creationId xmlns:p14="http://schemas.microsoft.com/office/powerpoint/2010/main" val="20937344"/>
+      </p:ext>
+    </p:extLst>
+  </p:cSld>
+  <p:clrMapOvr>
+    <a:masterClrMapping/>
+  </p:clrMapOvr>
+</p:notes>
+</file>
+
+<file path=ppt/notesSlides/notesSlide2.xml><?xml version="1.0" encoding="utf-8"?>
+<p:notes xmlns:a="http://schemas.openxmlformats.org/drawingml/2006/main" xmlns:r="http://schemas.openxmlformats.org/officeDocument/2006/relationships" xmlns:p="http://schemas.openxmlformats.org/presentationml/2006/main">
+  <p:cSld>
+    <p:spTree>
+      <p:nvGrpSpPr>
+        <p:cNvPr id="1" name=""/>
+        <p:cNvGrpSpPr/>
+        <p:nvPr/>
+      </p:nvGrpSpPr>
+      <p:grpSpPr>
+        <a:xfrm>
+          <a:off x="0" y="0"/>
+          <a:ext cx="0" cy="0"/>
+          <a:chOff x="0" y="0"/>
+          <a:chExt cx="0" cy="0"/>
+        </a:xfrm>
+      </p:grpSpPr>
+      <p:sp>
+        <p:nvSpPr>
+          <p:cNvPr id="2" name="投影片影像版面配置區 1"/>
+          <p:cNvSpPr>
+            <a:spLocks noGrp="1" noRot="1" noChangeAspect="1"/>
+          </p:cNvSpPr>
+          <p:nvPr>
+            <p:ph type="sldImg"/>
+          </p:nvPr>
+        </p:nvSpPr>
+        <p:spPr/>
+      </p:sp>
+      <p:sp>
+        <p:nvSpPr>
+          <p:cNvPr id="3" name="備忘稿版面配置區 2"/>
+          <p:cNvSpPr>
+            <a:spLocks noGrp="1"/>
+          </p:cNvSpPr>
+          <p:nvPr>
+            <p:ph type="body" idx="1"/>
+          </p:nvPr>
+        </p:nvSpPr>
+        <p:spPr/>
+        <p:txBody>
+          <a:bodyPr/>
+          <a:lstStyle/>
+          <a:p>
+            <a:r>
+              <a:rPr lang="en-GB" altLang="zh-TW" dirty="0"/>
+              <a:t>Please draw this picture: A dark blue-eyed 16 year-old girl with low-pigtails brown hair, wearing a black top hat, and wearing a dark blue high collar long sleeve thick sweater and black pants, looking bored, sitting in the sofa in a white room with two black sofa, there are many large pipes in the </a:t>
+            </a:r>
+            <a:r>
+              <a:rPr lang="en-GB" altLang="zh-TW" dirty="0" err="1"/>
+              <a:t>wall.The</a:t>
+            </a:r>
+            <a:r>
+              <a:rPr lang="en-GB" altLang="zh-TW" dirty="0"/>
+              <a:t> scene is in a Japanese anime style.</a:t>
+            </a:r>
+          </a:p>
+          <a:p>
+            <a:endParaRPr lang="zh-TW" altLang="en-US" dirty="0"/>
+          </a:p>
+        </p:txBody>
+      </p:sp>
+      <p:sp>
+        <p:nvSpPr>
+          <p:cNvPr id="4" name="投影片編號版面配置區 3"/>
+          <p:cNvSpPr>
+            <a:spLocks noGrp="1"/>
+          </p:cNvSpPr>
+          <p:nvPr>
+            <p:ph type="sldNum" sz="quarter" idx="5"/>
+          </p:nvPr>
+        </p:nvSpPr>
+        <p:spPr/>
+        <p:txBody>
+          <a:bodyPr/>
+          <a:lstStyle/>
+          <a:p>
+            <a:fld id="{F2EA3465-2683-43E9-A158-DBA7A119C190}" type="slidenum">
+              <a:rPr lang="zh-TW" altLang="en-US" smtClean="0"/>
+              <a:t>2</a:t>
+            </a:fld>
+            <a:endParaRPr lang="zh-TW" altLang="en-US"/>
+          </a:p>
+        </p:txBody>
+      </p:sp>
+    </p:spTree>
+    <p:extLst>
+      <p:ext uri="{BB962C8B-B14F-4D97-AF65-F5344CB8AC3E}">
+        <p14:creationId xmlns:p14="http://schemas.microsoft.com/office/powerpoint/2010/main" val="3084433002"/>
+      </p:ext>
+    </p:extLst>
+  </p:cSld>
+  <p:clrMapOvr>
+    <a:masterClrMapping/>
+  </p:clrMapOvr>
+</p:notes>
+</file>
+
+<file path=ppt/notesSlides/notesSlide3.xml><?xml version="1.0" encoding="utf-8"?>
+<p:notes xmlns:a="http://schemas.openxmlformats.org/drawingml/2006/main" xmlns:r="http://schemas.openxmlformats.org/officeDocument/2006/relationships" xmlns:p="http://schemas.openxmlformats.org/presentationml/2006/main">
+  <p:cSld>
+    <p:spTree>
+      <p:nvGrpSpPr>
+        <p:cNvPr id="1" name=""/>
+        <p:cNvGrpSpPr/>
+        <p:nvPr/>
+      </p:nvGrpSpPr>
+      <p:grpSpPr>
+        <a:xfrm>
+          <a:off x="0" y="0"/>
+          <a:ext cx="0" cy="0"/>
+          <a:chOff x="0" y="0"/>
+          <a:chExt cx="0" cy="0"/>
+        </a:xfrm>
+      </p:grpSpPr>
+      <p:sp>
+        <p:nvSpPr>
+          <p:cNvPr id="2" name="投影片影像版面配置區 1"/>
+          <p:cNvSpPr>
+            <a:spLocks noGrp="1" noRot="1" noChangeAspect="1"/>
+          </p:cNvSpPr>
+          <p:nvPr>
+            <p:ph type="sldImg"/>
+          </p:nvPr>
+        </p:nvSpPr>
+        <p:spPr/>
+      </p:sp>
+      <p:sp>
+        <p:nvSpPr>
+          <p:cNvPr id="3" name="備忘稿版面配置區 2"/>
+          <p:cNvSpPr>
+            <a:spLocks noGrp="1"/>
+          </p:cNvSpPr>
+          <p:nvPr>
+            <p:ph type="body" idx="1"/>
+          </p:nvPr>
+        </p:nvSpPr>
+        <p:spPr/>
+        <p:txBody>
+          <a:bodyPr/>
+          <a:lstStyle/>
+          <a:p>
+            <a:r>
+              <a:rPr lang="en-US" altLang="zh-TW" dirty="0"/>
+              <a:t>Please draw this picture: A dark blue-eyed 16 year-old girl with low-pigtails brown hair, wearing a black top hat, and wearing a dark blue high collar long sleeve thick sweater and black pants, standing and looking cheerful, in a white room with two black sofa, there are many large pipes in the wall. The scene is in a Japanese anime style.</a:t>
+            </a:r>
+            <a:endParaRPr lang="zh-TW" altLang="en-US" dirty="0"/>
+          </a:p>
+        </p:txBody>
+      </p:sp>
+      <p:sp>
+        <p:nvSpPr>
+          <p:cNvPr id="4" name="投影片編號版面配置區 3"/>
+          <p:cNvSpPr>
+            <a:spLocks noGrp="1"/>
+          </p:cNvSpPr>
+          <p:nvPr>
+            <p:ph type="sldNum" sz="quarter" idx="5"/>
+          </p:nvPr>
+        </p:nvSpPr>
+        <p:spPr/>
+        <p:txBody>
+          <a:bodyPr/>
+          <a:lstStyle/>
+          <a:p>
+            <a:fld id="{F2EA3465-2683-43E9-A158-DBA7A119C190}" type="slidenum">
+              <a:rPr lang="zh-TW" altLang="en-US" smtClean="0"/>
+              <a:t>3</a:t>
+            </a:fld>
+            <a:endParaRPr lang="zh-TW" altLang="en-US"/>
+          </a:p>
+        </p:txBody>
+      </p:sp>
+    </p:spTree>
+    <p:extLst>
+      <p:ext uri="{BB962C8B-B14F-4D97-AF65-F5344CB8AC3E}">
+        <p14:creationId xmlns:p14="http://schemas.microsoft.com/office/powerpoint/2010/main" val="1054998795"/>
+      </p:ext>
+    </p:extLst>
+  </p:cSld>
+  <p:clrMapOvr>
+    <a:masterClrMapping/>
+  </p:clrMapOvr>
+</p:notes>
+</file>
+
+<file path=ppt/notesSlides/notesSlide4.xml><?xml version="1.0" encoding="utf-8"?>
+<p:notes xmlns:a="http://schemas.openxmlformats.org/drawingml/2006/main" xmlns:r="http://schemas.openxmlformats.org/officeDocument/2006/relationships" xmlns:p="http://schemas.openxmlformats.org/presentationml/2006/main">
+  <p:cSld>
+    <p:spTree>
+      <p:nvGrpSpPr>
+        <p:cNvPr id="1" name=""/>
+        <p:cNvGrpSpPr/>
+        <p:nvPr/>
+      </p:nvGrpSpPr>
+      <p:grpSpPr>
+        <a:xfrm>
+          <a:off x="0" y="0"/>
+          <a:ext cx="0" cy="0"/>
+          <a:chOff x="0" y="0"/>
+          <a:chExt cx="0" cy="0"/>
+        </a:xfrm>
+      </p:grpSpPr>
+      <p:sp>
+        <p:nvSpPr>
+          <p:cNvPr id="2" name="投影片影像版面配置區 1"/>
+          <p:cNvSpPr>
+            <a:spLocks noGrp="1" noRot="1" noChangeAspect="1"/>
+          </p:cNvSpPr>
+          <p:nvPr>
+            <p:ph type="sldImg"/>
+          </p:nvPr>
+        </p:nvSpPr>
+        <p:spPr/>
+      </p:sp>
+      <p:sp>
+        <p:nvSpPr>
+          <p:cNvPr id="3" name="備忘稿版面配置區 2"/>
+          <p:cNvSpPr>
+            <a:spLocks noGrp="1"/>
+          </p:cNvSpPr>
+          <p:nvPr>
+            <p:ph type="body" idx="1"/>
+          </p:nvPr>
+        </p:nvSpPr>
+        <p:spPr/>
+        <p:txBody>
+          <a:bodyPr/>
+          <a:lstStyle/>
+          <a:p>
+            <a:r>
+              <a:rPr lang="en-US" altLang="zh-TW" dirty="0"/>
+              <a:t>Please draw this picture: A dark blue-eyed 16 year-old girl with low-pigtails brown hair, wearing a black top hat, and wearing a dark blue high collar long sleeve thick sweater and black pants, dancing and looking scared , in a white room with two black sofa, the sofa is moving, there are many large pipes in the wall. The scene is in a Japanese anime style.</a:t>
+            </a:r>
+            <a:endParaRPr lang="zh-TW" altLang="en-US" dirty="0"/>
+          </a:p>
+        </p:txBody>
+      </p:sp>
+      <p:sp>
+        <p:nvSpPr>
+          <p:cNvPr id="4" name="投影片編號版面配置區 3"/>
+          <p:cNvSpPr>
+            <a:spLocks noGrp="1"/>
+          </p:cNvSpPr>
+          <p:nvPr>
+            <p:ph type="sldNum" sz="quarter" idx="5"/>
+          </p:nvPr>
+        </p:nvSpPr>
+        <p:spPr/>
+        <p:txBody>
+          <a:bodyPr/>
+          <a:lstStyle/>
+          <a:p>
+            <a:fld id="{F2EA3465-2683-43E9-A158-DBA7A119C190}" type="slidenum">
+              <a:rPr lang="zh-TW" altLang="en-US" smtClean="0"/>
+              <a:t>4</a:t>
+            </a:fld>
+            <a:endParaRPr lang="zh-TW" altLang="en-US"/>
+          </a:p>
+        </p:txBody>
+      </p:sp>
+    </p:spTree>
+    <p:extLst>
+      <p:ext uri="{BB962C8B-B14F-4D97-AF65-F5344CB8AC3E}">
+        <p14:creationId xmlns:p14="http://schemas.microsoft.com/office/powerpoint/2010/main" val="3378817486"/>
+      </p:ext>
+    </p:extLst>
+  </p:cSld>
+  <p:clrMapOvr>
+    <a:masterClrMapping/>
+  </p:clrMapOvr>
+</p:notes>
+</file>
+
+<file path=ppt/notesSlides/notesSlide5.xml><?xml version="1.0" encoding="utf-8"?>
+<p:notes xmlns:a="http://schemas.openxmlformats.org/drawingml/2006/main" xmlns:r="http://schemas.openxmlformats.org/officeDocument/2006/relationships" xmlns:p="http://schemas.openxmlformats.org/presentationml/2006/main">
+  <p:cSld>
+    <p:spTree>
+      <p:nvGrpSpPr>
+        <p:cNvPr id="1" name=""/>
+        <p:cNvGrpSpPr/>
+        <p:nvPr/>
+      </p:nvGrpSpPr>
+      <p:grpSpPr>
+        <a:xfrm>
+          <a:off x="0" y="0"/>
+          <a:ext cx="0" cy="0"/>
+          <a:chOff x="0" y="0"/>
+          <a:chExt cx="0" cy="0"/>
+        </a:xfrm>
+      </p:grpSpPr>
+      <p:sp>
+        <p:nvSpPr>
+          <p:cNvPr id="2" name="投影片影像版面配置區 1"/>
+          <p:cNvSpPr>
+            <a:spLocks noGrp="1" noRot="1" noChangeAspect="1"/>
+          </p:cNvSpPr>
+          <p:nvPr>
+            <p:ph type="sldImg"/>
+          </p:nvPr>
+        </p:nvSpPr>
+        <p:spPr/>
+      </p:sp>
+      <p:sp>
+        <p:nvSpPr>
+          <p:cNvPr id="3" name="備忘稿版面配置區 2"/>
+          <p:cNvSpPr>
+            <a:spLocks noGrp="1"/>
+          </p:cNvSpPr>
+          <p:nvPr>
+            <p:ph type="body" idx="1"/>
+          </p:nvPr>
+        </p:nvSpPr>
+        <p:spPr/>
+        <p:txBody>
+          <a:bodyPr/>
+          <a:lstStyle/>
+          <a:p>
+            <a:r>
+              <a:rPr lang="en-GB" altLang="zh-TW" dirty="0"/>
+              <a:t>Please draw this picture: A dark blue-eyed 16 year-old girl with low-pigtails brown hair, wearing a black top hat, and wearing a dark blue high collar long sleeve thick sweater and loose black pants, looking surprised. Behind her are four men wearing experiment goggles and white shirt and white pants. in a white room with two black sofa, there are many large pipes in the wall. The scene is in a Japanese anime style.</a:t>
+            </a:r>
+          </a:p>
+        </p:txBody>
+      </p:sp>
+      <p:sp>
+        <p:nvSpPr>
+          <p:cNvPr id="4" name="投影片編號版面配置區 3"/>
+          <p:cNvSpPr>
+            <a:spLocks noGrp="1"/>
+          </p:cNvSpPr>
+          <p:nvPr>
+            <p:ph type="sldNum" sz="quarter" idx="5"/>
+          </p:nvPr>
+        </p:nvSpPr>
+        <p:spPr/>
+        <p:txBody>
+          <a:bodyPr/>
+          <a:lstStyle/>
+          <a:p>
+            <a:fld id="{F2EA3465-2683-43E9-A158-DBA7A119C190}" type="slidenum">
+              <a:rPr lang="zh-TW" altLang="en-US" smtClean="0"/>
+              <a:t>5</a:t>
+            </a:fld>
+            <a:endParaRPr lang="zh-TW" altLang="en-US"/>
+          </a:p>
+        </p:txBody>
+      </p:sp>
+    </p:spTree>
+    <p:extLst>
+      <p:ext uri="{BB962C8B-B14F-4D97-AF65-F5344CB8AC3E}">
+        <p14:creationId xmlns:p14="http://schemas.microsoft.com/office/powerpoint/2010/main" val="3082862393"/>
+      </p:ext>
+    </p:extLst>
+  </p:cSld>
+  <p:clrMapOvr>
+    <a:masterClrMapping/>
+  </p:clrMapOvr>
+</p:notes>
+</file>
+
+<file path=ppt/notesSlides/notesSlide6.xml><?xml version="1.0" encoding="utf-8"?>
+<p:notes xmlns:a="http://schemas.openxmlformats.org/drawingml/2006/main" xmlns:r="http://schemas.openxmlformats.org/officeDocument/2006/relationships" xmlns:p="http://schemas.openxmlformats.org/presentationml/2006/main">
+  <p:cSld>
+    <p:spTree>
+      <p:nvGrpSpPr>
+        <p:cNvPr id="1" name=""/>
+        <p:cNvGrpSpPr/>
+        <p:nvPr/>
+      </p:nvGrpSpPr>
+      <p:grpSpPr>
+        <a:xfrm>
+          <a:off x="0" y="0"/>
+          <a:ext cx="0" cy="0"/>
+          <a:chOff x="0" y="0"/>
+          <a:chExt cx="0" cy="0"/>
+        </a:xfrm>
+      </p:grpSpPr>
+      <p:sp>
+        <p:nvSpPr>
+          <p:cNvPr id="2" name="投影片影像版面配置區 1"/>
+          <p:cNvSpPr>
+            <a:spLocks noGrp="1" noRot="1" noChangeAspect="1"/>
+          </p:cNvSpPr>
+          <p:nvPr>
+            <p:ph type="sldImg"/>
+          </p:nvPr>
+        </p:nvSpPr>
+        <p:spPr/>
+      </p:sp>
+      <p:sp>
+        <p:nvSpPr>
+          <p:cNvPr id="3" name="備忘稿版面配置區 2"/>
+          <p:cNvSpPr>
+            <a:spLocks noGrp="1"/>
+          </p:cNvSpPr>
+          <p:nvPr>
+            <p:ph type="body" idx="1"/>
+          </p:nvPr>
+        </p:nvSpPr>
+        <p:spPr/>
+        <p:txBody>
+          <a:bodyPr/>
+          <a:lstStyle/>
+          <a:p>
+            <a:pPr marL="0" marR="0" lvl="0" indent="0" algn="l" defTabSz="914400" rtl="0" eaLnBrk="1" fontAlgn="auto" latinLnBrk="0" hangingPunct="1">
+              <a:lnSpc>
+                <a:spcPct val="100000"/>
+              </a:lnSpc>
+              <a:spcBef>
+                <a:spcPts val="0"/>
+              </a:spcBef>
+              <a:spcAft>
+                <a:spcPts val="0"/>
+              </a:spcAft>
+              <a:buClrTx/>
+              <a:buSzTx/>
+              <a:buFontTx/>
+              <a:buNone/>
+              <a:tabLst/>
+              <a:defRPr/>
+            </a:pPr>
+            <a:r>
+              <a:rPr lang="en-US" altLang="zh-TW" sz="1800" kern="100" dirty="0">
+                <a:effectLst/>
+                <a:latin typeface="Calibri" panose="020F0502020204030204" pitchFamily="34" charset="0"/>
+                <a:ea typeface="新細明體" panose="02020500000000000000" pitchFamily="18" charset="-120"/>
+                <a:cs typeface="Times New Roman" panose="02020603050405020304" pitchFamily="18" charset="0"/>
+              </a:rPr>
+              <a:t>Please draw this picture: A dark blue-eyed 16 year-old girl with low-pigtails brown hair, wearing a black top hat, and wearing a dark blue high collar long sleeve thick sweater and loose black pants, running, looking scared. Behind her are four men wearing experiment goggles in eyes and white shirt and white pants, looking serious, chasing behind the girl. in a hotel lobby with many large pipes and many tv in the wall. Some tv are playing advertisement some tv are black. The scene is in a Japanese anime style.</a:t>
+            </a:r>
+            <a:endParaRPr lang="zh-TW" altLang="zh-TW" sz="1800" kern="100" dirty="0">
+              <a:effectLst/>
+              <a:latin typeface="Calibri" panose="020F0502020204030204" pitchFamily="34" charset="0"/>
+              <a:ea typeface="新細明體" panose="02020500000000000000" pitchFamily="18" charset="-120"/>
+              <a:cs typeface="Times New Roman" panose="02020603050405020304" pitchFamily="18" charset="0"/>
+            </a:endParaRPr>
+          </a:p>
+        </p:txBody>
+      </p:sp>
+      <p:sp>
+        <p:nvSpPr>
+          <p:cNvPr id="4" name="投影片編號版面配置區 3"/>
+          <p:cNvSpPr>
+            <a:spLocks noGrp="1"/>
+          </p:cNvSpPr>
+          <p:nvPr>
+            <p:ph type="sldNum" sz="quarter" idx="5"/>
+          </p:nvPr>
+        </p:nvSpPr>
+        <p:spPr/>
+        <p:txBody>
+          <a:bodyPr/>
+          <a:lstStyle/>
+          <a:p>
+            <a:fld id="{F2EA3465-2683-43E9-A158-DBA7A119C190}" type="slidenum">
+              <a:rPr lang="zh-TW" altLang="en-US" smtClean="0"/>
+              <a:t>6</a:t>
+            </a:fld>
+            <a:endParaRPr lang="zh-TW" altLang="en-US"/>
+          </a:p>
+        </p:txBody>
+      </p:sp>
+    </p:spTree>
+    <p:extLst>
+      <p:ext uri="{BB962C8B-B14F-4D97-AF65-F5344CB8AC3E}">
+        <p14:creationId xmlns:p14="http://schemas.microsoft.com/office/powerpoint/2010/main" val="232567867"/>
+      </p:ext>
+    </p:extLst>
+  </p:cSld>
+  <p:clrMapOvr>
+    <a:masterClrMapping/>
+  </p:clrMapOvr>
+</p:notes>
+</file>
+
+<file path=ppt/notesSlides/notesSlide7.xml><?xml version="1.0" encoding="utf-8"?>
+<p:notes xmlns:a="http://schemas.openxmlformats.org/drawingml/2006/main" xmlns:r="http://schemas.openxmlformats.org/officeDocument/2006/relationships" xmlns:p="http://schemas.openxmlformats.org/presentationml/2006/main">
+  <p:cSld>
+    <p:spTree>
+      <p:nvGrpSpPr>
+        <p:cNvPr id="1" name=""/>
+        <p:cNvGrpSpPr/>
+        <p:nvPr/>
+      </p:nvGrpSpPr>
+      <p:grpSpPr>
+        <a:xfrm>
+          <a:off x="0" y="0"/>
+          <a:ext cx="0" cy="0"/>
+          <a:chOff x="0" y="0"/>
+          <a:chExt cx="0" cy="0"/>
+        </a:xfrm>
+      </p:grpSpPr>
+      <p:sp>
+        <p:nvSpPr>
+          <p:cNvPr id="2" name="投影片影像版面配置區 1"/>
+          <p:cNvSpPr>
+            <a:spLocks noGrp="1" noRot="1" noChangeAspect="1"/>
+          </p:cNvSpPr>
+          <p:nvPr>
+            <p:ph type="sldImg"/>
+          </p:nvPr>
+        </p:nvSpPr>
+        <p:spPr/>
+      </p:sp>
+      <p:sp>
+        <p:nvSpPr>
+          <p:cNvPr id="3" name="備忘稿版面配置區 2"/>
+          <p:cNvSpPr>
+            <a:spLocks noGrp="1"/>
+          </p:cNvSpPr>
+          <p:nvPr>
+            <p:ph type="body" idx="1"/>
+          </p:nvPr>
+        </p:nvSpPr>
+        <p:spPr/>
+        <p:txBody>
+          <a:bodyPr/>
+          <a:lstStyle/>
+          <a:p>
+            <a:r>
+              <a:rPr lang="en-GB" altLang="zh-TW" dirty="0"/>
+              <a:t>Please draw this picture: A back view of a dark blue-eyed 16 year-old girl with low-pigtails brown hair, wearing a black top hat, and wearing a dark blue high collar long sleeve thick sweater and loose black pants, standing in front of a large beautiful elegant Renaissance style double door. The scene is in a Japanese anime style.</a:t>
+            </a:r>
+          </a:p>
+        </p:txBody>
+      </p:sp>
+      <p:sp>
+        <p:nvSpPr>
+          <p:cNvPr id="4" name="投影片編號版面配置區 3"/>
+          <p:cNvSpPr>
+            <a:spLocks noGrp="1"/>
+          </p:cNvSpPr>
+          <p:nvPr>
+            <p:ph type="sldNum" sz="quarter" idx="5"/>
+          </p:nvPr>
+        </p:nvSpPr>
+        <p:spPr/>
+        <p:txBody>
+          <a:bodyPr/>
+          <a:lstStyle/>
+          <a:p>
+            <a:fld id="{F2EA3465-2683-43E9-A158-DBA7A119C190}" type="slidenum">
+              <a:rPr lang="zh-TW" altLang="en-US" smtClean="0"/>
+              <a:t>7</a:t>
+            </a:fld>
+            <a:endParaRPr lang="zh-TW" altLang="en-US"/>
+          </a:p>
+        </p:txBody>
+      </p:sp>
+    </p:spTree>
+    <p:extLst>
+      <p:ext uri="{BB962C8B-B14F-4D97-AF65-F5344CB8AC3E}">
+        <p14:creationId xmlns:p14="http://schemas.microsoft.com/office/powerpoint/2010/main" val="1369079055"/>
+      </p:ext>
+    </p:extLst>
+  </p:cSld>
+  <p:clrMapOvr>
+    <a:masterClrMapping/>
+  </p:clrMapOvr>
+</p:notes>
 </file>
 
 <file path=ppt/slideLayouts/slideLayout1.xml><?xml version="1.0" encoding="utf-8"?>
@@ -254,7 +1277,7 @@
           <a:p>
             <a:fld id="{C3C90D7E-32D6-4894-AE08-7BBB3E610FC9}" type="datetimeFigureOut">
               <a:rPr lang="zh-TW" altLang="en-US" smtClean="0"/>
-              <a:t>2024/9/16</a:t>
+              <a:t>2024/10/30</a:t>
             </a:fld>
             <a:endParaRPr lang="zh-TW" altLang="en-US"/>
           </a:p>
@@ -452,7 +1475,7 @@
           <a:p>
             <a:fld id="{C3C90D7E-32D6-4894-AE08-7BBB3E610FC9}" type="datetimeFigureOut">
               <a:rPr lang="zh-TW" altLang="en-US" smtClean="0"/>
-              <a:t>2024/9/16</a:t>
+              <a:t>2024/10/30</a:t>
             </a:fld>
             <a:endParaRPr lang="zh-TW" altLang="en-US"/>
           </a:p>
@@ -660,7 +1683,7 @@
           <a:p>
             <a:fld id="{C3C90D7E-32D6-4894-AE08-7BBB3E610FC9}" type="datetimeFigureOut">
               <a:rPr lang="zh-TW" altLang="en-US" smtClean="0"/>
-              <a:t>2024/9/16</a:t>
+              <a:t>2024/10/30</a:t>
             </a:fld>
             <a:endParaRPr lang="zh-TW" altLang="en-US"/>
           </a:p>
@@ -858,7 +1881,7 @@
           <a:p>
             <a:fld id="{C3C90D7E-32D6-4894-AE08-7BBB3E610FC9}" type="datetimeFigureOut">
               <a:rPr lang="zh-TW" altLang="en-US" smtClean="0"/>
-              <a:t>2024/9/16</a:t>
+              <a:t>2024/10/30</a:t>
             </a:fld>
             <a:endParaRPr lang="zh-TW" altLang="en-US"/>
           </a:p>
@@ -1133,7 +2156,7 @@
           <a:p>
             <a:fld id="{C3C90D7E-32D6-4894-AE08-7BBB3E610FC9}" type="datetimeFigureOut">
               <a:rPr lang="zh-TW" altLang="en-US" smtClean="0"/>
-              <a:t>2024/9/16</a:t>
+              <a:t>2024/10/30</a:t>
             </a:fld>
             <a:endParaRPr lang="zh-TW" altLang="en-US"/>
           </a:p>
@@ -1398,7 +2421,7 @@
           <a:p>
             <a:fld id="{C3C90D7E-32D6-4894-AE08-7BBB3E610FC9}" type="datetimeFigureOut">
               <a:rPr lang="zh-TW" altLang="en-US" smtClean="0"/>
-              <a:t>2024/9/16</a:t>
+              <a:t>2024/10/30</a:t>
             </a:fld>
             <a:endParaRPr lang="zh-TW" altLang="en-US"/>
           </a:p>
@@ -1810,7 +2833,7 @@
           <a:p>
             <a:fld id="{C3C90D7E-32D6-4894-AE08-7BBB3E610FC9}" type="datetimeFigureOut">
               <a:rPr lang="zh-TW" altLang="en-US" smtClean="0"/>
-              <a:t>2024/9/16</a:t>
+              <a:t>2024/10/30</a:t>
             </a:fld>
             <a:endParaRPr lang="zh-TW" altLang="en-US"/>
           </a:p>
@@ -1916,13 +2939,25 @@
             <p:ph type="title"/>
           </p:nvPr>
         </p:nvSpPr>
-        <p:spPr/>
+        <p:spPr>
+          <a:xfrm>
+            <a:off x="838200" y="365125"/>
+            <a:ext cx="2014330" cy="1325563"/>
+          </a:xfrm>
+        </p:spPr>
         <p:txBody>
           <a:bodyPr/>
-          <a:lstStyle/>
+          <a:lstStyle>
+            <a:lvl1pPr>
+              <a:defRPr>
+                <a:latin typeface="華文宋體 Regular" panose="02020502040202010101" pitchFamily="18" charset="-122"/>
+                <a:ea typeface="華文宋體 Regular" panose="02020502040202010101" pitchFamily="18" charset="-122"/>
+              </a:defRPr>
+            </a:lvl1pPr>
+          </a:lstStyle>
           <a:p>
             <a:r>
-              <a:rPr lang="zh-TW" altLang="en-US"/>
+              <a:rPr lang="zh-TW" altLang="en-US" dirty="0"/>
               <a:t>按一下以編輯母片標題樣式</a:t>
             </a:r>
           </a:p>
@@ -1951,7 +2986,7 @@
           <a:p>
             <a:fld id="{C3C90D7E-32D6-4894-AE08-7BBB3E610FC9}" type="datetimeFigureOut">
               <a:rPr lang="zh-TW" altLang="en-US" smtClean="0"/>
-              <a:t>2024/9/16</a:t>
+              <a:t>2024/10/30</a:t>
             </a:fld>
             <a:endParaRPr lang="zh-TW" altLang="en-US"/>
           </a:p>
@@ -2064,7 +3099,7 @@
           <a:p>
             <a:fld id="{C3C90D7E-32D6-4894-AE08-7BBB3E610FC9}" type="datetimeFigureOut">
               <a:rPr lang="zh-TW" altLang="en-US" smtClean="0"/>
-              <a:t>2024/9/16</a:t>
+              <a:t>2024/10/30</a:t>
             </a:fld>
             <a:endParaRPr lang="zh-TW" altLang="en-US"/>
           </a:p>
@@ -2375,7 +3410,7 @@
           <a:p>
             <a:fld id="{C3C90D7E-32D6-4894-AE08-7BBB3E610FC9}" type="datetimeFigureOut">
               <a:rPr lang="zh-TW" altLang="en-US" smtClean="0"/>
-              <a:t>2024/9/16</a:t>
+              <a:t>2024/10/30</a:t>
             </a:fld>
             <a:endParaRPr lang="zh-TW" altLang="en-US"/>
           </a:p>
@@ -2663,7 +3698,7 @@
           <a:p>
             <a:fld id="{C3C90D7E-32D6-4894-AE08-7BBB3E610FC9}" type="datetimeFigureOut">
               <a:rPr lang="zh-TW" altLang="en-US" smtClean="0"/>
-              <a:t>2024/9/16</a:t>
+              <a:t>2024/10/30</a:t>
             </a:fld>
             <a:endParaRPr lang="zh-TW" altLang="en-US"/>
           </a:p>
@@ -2740,9 +3775,12 @@
 <p:sldMaster xmlns:a="http://schemas.openxmlformats.org/drawingml/2006/main" xmlns:r="http://schemas.openxmlformats.org/officeDocument/2006/relationships" xmlns:p="http://schemas.openxmlformats.org/presentationml/2006/main">
   <p:cSld>
     <p:bg>
-      <p:bgRef idx="1001">
-        <a:schemeClr val="bg1"/>
-      </p:bgRef>
+      <p:bgPr>
+        <a:solidFill>
+          <a:srgbClr val="A7B5CD"/>
+        </a:solidFill>
+        <a:effectLst/>
+      </p:bgPr>
     </p:bg>
     <p:spTree>
       <p:nvGrpSpPr>
@@ -2904,7 +3942,7 @@
           <a:p>
             <a:fld id="{C3C90D7E-32D6-4894-AE08-7BBB3E610FC9}" type="datetimeFigureOut">
               <a:rPr lang="zh-TW" altLang="en-US" smtClean="0"/>
-              <a:t>2024/9/16</a:t>
+              <a:t>2024/10/30</a:t>
             </a:fld>
             <a:endParaRPr lang="zh-TW" altLang="en-US"/>
           </a:p>
@@ -3321,66 +4359,3977 @@
           <a:chExt cx="0" cy="0"/>
         </a:xfrm>
       </p:grpSpPr>
-      <p:sp>
-        <p:nvSpPr>
-          <p:cNvPr id="2" name="標題 1">
-            <a:extLst>
-              <a:ext uri="{FF2B5EF4-FFF2-40B4-BE49-F238E27FC236}">
-                <a16:creationId xmlns:a16="http://schemas.microsoft.com/office/drawing/2014/main" id="{32532283-9F93-4E44-8138-32796965361F}"/>
-              </a:ext>
-            </a:extLst>
-          </p:cNvPr>
-          <p:cNvSpPr>
-            <a:spLocks noGrp="1"/>
-          </p:cNvSpPr>
-          <p:nvPr>
-            <p:ph type="ctrTitle"/>
-          </p:nvPr>
-        </p:nvSpPr>
-        <p:spPr/>
-        <p:txBody>
-          <a:bodyPr/>
-          <a:lstStyle/>
-          <a:p>
-            <a:endParaRPr lang="zh-TW" altLang="en-US"/>
-          </a:p>
-        </p:txBody>
-      </p:sp>
-      <p:sp>
-        <p:nvSpPr>
-          <p:cNvPr id="3" name="副標題 2">
-            <a:extLst>
-              <a:ext uri="{FF2B5EF4-FFF2-40B4-BE49-F238E27FC236}">
-                <a16:creationId xmlns:a16="http://schemas.microsoft.com/office/drawing/2014/main" id="{8C946F38-524D-4B98-B9CB-80AEE57E455A}"/>
-              </a:ext>
-            </a:extLst>
-          </p:cNvPr>
-          <p:cNvSpPr>
-            <a:spLocks noGrp="1"/>
-          </p:cNvSpPr>
-          <p:nvPr>
-            <p:ph type="subTitle" idx="1"/>
-          </p:nvPr>
-        </p:nvSpPr>
-        <p:spPr/>
-        <p:txBody>
-          <a:bodyPr/>
-          <a:lstStyle/>
-          <a:p>
-            <a:endParaRPr lang="zh-TW" altLang="en-US"/>
-          </a:p>
-        </p:txBody>
-      </p:sp>
+      <p:pic>
+        <p:nvPicPr>
+          <p:cNvPr id="3" name="圖片 2">
+            <a:extLst>
+              <a:ext uri="{FF2B5EF4-FFF2-40B4-BE49-F238E27FC236}">
+                <a16:creationId xmlns:a16="http://schemas.microsoft.com/office/drawing/2014/main" id="{28DE0542-0A26-56FF-C179-D736BE64312B}"/>
+              </a:ext>
+            </a:extLst>
+          </p:cNvPr>
+          <p:cNvPicPr>
+            <a:picLocks noChangeAspect="1"/>
+          </p:cNvPicPr>
+          <p:nvPr/>
+        </p:nvPicPr>
+        <p:blipFill>
+          <a:blip r:embed="rId3"/>
+          <a:stretch>
+            <a:fillRect/>
+          </a:stretch>
+        </p:blipFill>
+        <p:spPr>
+          <a:xfrm>
+            <a:off x="5334000" y="0"/>
+            <a:ext cx="6858000" cy="6858000"/>
+          </a:xfrm>
+          <a:prstGeom prst="rect">
+            <a:avLst/>
+          </a:prstGeom>
+        </p:spPr>
+      </p:pic>
+      <p:pic>
+        <p:nvPicPr>
+          <p:cNvPr id="4" name="圖片 3">
+            <a:extLst>
+              <a:ext uri="{FF2B5EF4-FFF2-40B4-BE49-F238E27FC236}">
+                <a16:creationId xmlns:a16="http://schemas.microsoft.com/office/drawing/2014/main" id="{07D4EF7C-0D4A-FE1A-886F-E7F67E97F37D}"/>
+              </a:ext>
+            </a:extLst>
+          </p:cNvPr>
+          <p:cNvPicPr>
+            <a:picLocks noChangeAspect="1"/>
+          </p:cNvPicPr>
+          <p:nvPr/>
+        </p:nvPicPr>
+        <p:blipFill>
+          <a:blip r:embed="rId4"/>
+          <a:stretch>
+            <a:fillRect/>
+          </a:stretch>
+        </p:blipFill>
+        <p:spPr>
+          <a:xfrm>
+            <a:off x="5334000" y="-10104437"/>
+            <a:ext cx="6858000" cy="6858000"/>
+          </a:xfrm>
+          <a:prstGeom prst="rect">
+            <a:avLst/>
+          </a:prstGeom>
+        </p:spPr>
+      </p:pic>
+      <p:grpSp>
+        <p:nvGrpSpPr>
+          <p:cNvPr id="24" name="群組 23">
+            <a:extLst>
+              <a:ext uri="{FF2B5EF4-FFF2-40B4-BE49-F238E27FC236}">
+                <a16:creationId xmlns:a16="http://schemas.microsoft.com/office/drawing/2014/main" id="{0CE26C85-F5C3-C282-C047-266EC0CF1686}"/>
+              </a:ext>
+            </a:extLst>
+          </p:cNvPr>
+          <p:cNvGrpSpPr/>
+          <p:nvPr/>
+        </p:nvGrpSpPr>
+        <p:grpSpPr>
+          <a:xfrm>
+            <a:off x="-2960755" y="-1605604"/>
+            <a:ext cx="5267020" cy="5267022"/>
+            <a:chOff x="-2960755" y="-1605604"/>
+            <a:chExt cx="5267020" cy="5267022"/>
+          </a:xfrm>
+        </p:grpSpPr>
+        <p:sp>
+          <p:nvSpPr>
+            <p:cNvPr id="25" name="橢圓 24">
+              <a:extLst>
+                <a:ext uri="{FF2B5EF4-FFF2-40B4-BE49-F238E27FC236}">
+                  <a16:creationId xmlns:a16="http://schemas.microsoft.com/office/drawing/2014/main" id="{6F3FB3EB-C10F-CA1A-68D2-8AAF43303B5B}"/>
+                </a:ext>
+              </a:extLst>
+            </p:cNvPr>
+            <p:cNvSpPr/>
+            <p:nvPr/>
+          </p:nvSpPr>
+          <p:spPr>
+            <a:xfrm>
+              <a:off x="-2960755" y="-1605604"/>
+              <a:ext cx="5267020" cy="5267020"/>
+            </a:xfrm>
+            <a:prstGeom prst="ellipse">
+              <a:avLst/>
+            </a:prstGeom>
+            <a:solidFill>
+              <a:srgbClr val="7881B0"/>
+            </a:solidFill>
+            <a:ln>
+              <a:noFill/>
+            </a:ln>
+          </p:spPr>
+          <p:style>
+            <a:lnRef idx="2">
+              <a:schemeClr val="accent1">
+                <a:shade val="15000"/>
+              </a:schemeClr>
+            </a:lnRef>
+            <a:fillRef idx="1">
+              <a:schemeClr val="accent1"/>
+            </a:fillRef>
+            <a:effectRef idx="0">
+              <a:schemeClr val="accent1"/>
+            </a:effectRef>
+            <a:fontRef idx="minor">
+              <a:schemeClr val="lt1"/>
+            </a:fontRef>
+          </p:style>
+          <p:txBody>
+            <a:bodyPr rtlCol="0" anchor="ctr"/>
+            <a:lstStyle/>
+            <a:p>
+              <a:pPr algn="ctr"/>
+              <a:endParaRPr lang="zh-TW" altLang="en-US" dirty="0"/>
+            </a:p>
+          </p:txBody>
+        </p:sp>
+        <p:sp>
+          <p:nvSpPr>
+            <p:cNvPr id="26" name="文字方塊 25">
+              <a:extLst>
+                <a:ext uri="{FF2B5EF4-FFF2-40B4-BE49-F238E27FC236}">
+                  <a16:creationId xmlns:a16="http://schemas.microsoft.com/office/drawing/2014/main" id="{4273980C-AA7A-BF39-7658-FE39E62D619F}"/>
+                </a:ext>
+              </a:extLst>
+            </p:cNvPr>
+            <p:cNvSpPr txBox="1"/>
+            <p:nvPr/>
+          </p:nvSpPr>
+          <p:spPr>
+            <a:xfrm>
+              <a:off x="686265" y="643185"/>
+              <a:ext cx="1620000" cy="769441"/>
+            </a:xfrm>
+            <a:prstGeom prst="rect">
+              <a:avLst/>
+            </a:prstGeom>
+            <a:noFill/>
+          </p:spPr>
+          <p:txBody>
+            <a:bodyPr wrap="square" rtlCol="0">
+              <a:spAutoFit/>
+            </a:bodyPr>
+            <a:lstStyle/>
+            <a:p>
+              <a:r>
+                <a:rPr lang="zh-TW" altLang="en-US" sz="4400" dirty="0">
+                  <a:latin typeface="華文宋體 Regular" panose="02020502040202010101" pitchFamily="18" charset="-122"/>
+                  <a:ea typeface="華文宋體 Regular" panose="02020502040202010101" pitchFamily="18" charset="-122"/>
+                </a:rPr>
+                <a:t>目標</a:t>
+              </a:r>
+            </a:p>
+          </p:txBody>
+        </p:sp>
+        <p:sp>
+          <p:nvSpPr>
+            <p:cNvPr id="27" name="文字方塊 26">
+              <a:extLst>
+                <a:ext uri="{FF2B5EF4-FFF2-40B4-BE49-F238E27FC236}">
+                  <a16:creationId xmlns:a16="http://schemas.microsoft.com/office/drawing/2014/main" id="{1CC9356B-6CE5-6A57-64BD-FC745B249E3F}"/>
+                </a:ext>
+              </a:extLst>
+            </p:cNvPr>
+            <p:cNvSpPr txBox="1"/>
+            <p:nvPr/>
+          </p:nvSpPr>
+          <p:spPr>
+            <a:xfrm rot="16200000">
+              <a:off x="-1137245" y="-1180324"/>
+              <a:ext cx="1620000" cy="769441"/>
+            </a:xfrm>
+            <a:prstGeom prst="rect">
+              <a:avLst/>
+            </a:prstGeom>
+            <a:noFill/>
+          </p:spPr>
+          <p:txBody>
+            <a:bodyPr wrap="square" rtlCol="0">
+              <a:spAutoFit/>
+            </a:bodyPr>
+            <a:lstStyle/>
+            <a:p>
+              <a:r>
+                <a:rPr lang="zh-TW" altLang="en-US" sz="4400" dirty="0">
+                  <a:latin typeface="華文宋體 Regular" panose="02020502040202010101" pitchFamily="18" charset="-122"/>
+                  <a:ea typeface="華文宋體 Regular" panose="02020502040202010101" pitchFamily="18" charset="-122"/>
+                </a:rPr>
+                <a:t>阻礙</a:t>
+              </a:r>
+            </a:p>
+          </p:txBody>
+        </p:sp>
+        <p:sp>
+          <p:nvSpPr>
+            <p:cNvPr id="28" name="文字方塊 27">
+              <a:extLst>
+                <a:ext uri="{FF2B5EF4-FFF2-40B4-BE49-F238E27FC236}">
+                  <a16:creationId xmlns:a16="http://schemas.microsoft.com/office/drawing/2014/main" id="{096FCCC5-753F-7896-BBF0-90F98BE17EE5}"/>
+                </a:ext>
+              </a:extLst>
+            </p:cNvPr>
+            <p:cNvSpPr txBox="1"/>
+            <p:nvPr/>
+          </p:nvSpPr>
+          <p:spPr>
+            <a:xfrm rot="10800000">
+              <a:off x="-2960755" y="643184"/>
+              <a:ext cx="1620000" cy="769441"/>
+            </a:xfrm>
+            <a:prstGeom prst="rect">
+              <a:avLst/>
+            </a:prstGeom>
+            <a:noFill/>
+          </p:spPr>
+          <p:txBody>
+            <a:bodyPr wrap="square" rtlCol="0">
+              <a:spAutoFit/>
+            </a:bodyPr>
+            <a:lstStyle/>
+            <a:p>
+              <a:r>
+                <a:rPr lang="zh-TW" altLang="en-US" sz="4400" dirty="0">
+                  <a:latin typeface="華文宋體 Regular" panose="02020502040202010101" pitchFamily="18" charset="-122"/>
+                  <a:ea typeface="華文宋體 Regular" panose="02020502040202010101" pitchFamily="18" charset="-122"/>
+                </a:rPr>
+                <a:t>努力</a:t>
+              </a:r>
+            </a:p>
+          </p:txBody>
+        </p:sp>
+        <p:sp>
+          <p:nvSpPr>
+            <p:cNvPr id="29" name="文字方塊 28">
+              <a:extLst>
+                <a:ext uri="{FF2B5EF4-FFF2-40B4-BE49-F238E27FC236}">
+                  <a16:creationId xmlns:a16="http://schemas.microsoft.com/office/drawing/2014/main" id="{3F47E6D9-F52E-BE4E-4085-67391BD03EA1}"/>
+                </a:ext>
+              </a:extLst>
+            </p:cNvPr>
+            <p:cNvSpPr txBox="1"/>
+            <p:nvPr/>
+          </p:nvSpPr>
+          <p:spPr>
+            <a:xfrm rot="5400000">
+              <a:off x="-1137245" y="2466697"/>
+              <a:ext cx="1620000" cy="769441"/>
+            </a:xfrm>
+            <a:prstGeom prst="rect">
+              <a:avLst/>
+            </a:prstGeom>
+            <a:noFill/>
+          </p:spPr>
+          <p:txBody>
+            <a:bodyPr wrap="square" rtlCol="0">
+              <a:spAutoFit/>
+            </a:bodyPr>
+            <a:lstStyle/>
+            <a:p>
+              <a:r>
+                <a:rPr lang="zh-TW" altLang="en-US" sz="4400" dirty="0">
+                  <a:latin typeface="華文宋體 Regular" panose="02020502040202010101" pitchFamily="18" charset="-122"/>
+                  <a:ea typeface="華文宋體 Regular" panose="02020502040202010101" pitchFamily="18" charset="-122"/>
+                </a:rPr>
+                <a:t>結果</a:t>
+              </a:r>
+            </a:p>
+          </p:txBody>
+        </p:sp>
+      </p:grpSp>
     </p:spTree>
     <p:extLst>
       <p:ext uri="{BB962C8B-B14F-4D97-AF65-F5344CB8AC3E}">
-        <p14:creationId xmlns:p14="http://schemas.microsoft.com/office/powerpoint/2010/main" val="1328321055"/>
+        <p14:creationId xmlns:p14="http://schemas.microsoft.com/office/powerpoint/2010/main" val="2206496113"/>
       </p:ext>
     </p:extLst>
   </p:cSld>
   <p:clrMapOvr>
     <a:masterClrMapping/>
   </p:clrMapOvr>
+  <p:transition spd="slow"/>
+</p:sld>
+</file>
+
+<file path=ppt/slides/slide2.xml><?xml version="1.0" encoding="utf-8"?>
+<p:sld xmlns:a="http://schemas.openxmlformats.org/drawingml/2006/main" xmlns:r="http://schemas.openxmlformats.org/officeDocument/2006/relationships" xmlns:p="http://schemas.openxmlformats.org/presentationml/2006/main">
+  <p:cSld>
+    <p:spTree>
+      <p:nvGrpSpPr>
+        <p:cNvPr id="1" name=""/>
+        <p:cNvGrpSpPr/>
+        <p:nvPr/>
+      </p:nvGrpSpPr>
+      <p:grpSpPr>
+        <a:xfrm>
+          <a:off x="0" y="0"/>
+          <a:ext cx="0" cy="0"/>
+          <a:chOff x="0" y="0"/>
+          <a:chExt cx="0" cy="0"/>
+        </a:xfrm>
+      </p:grpSpPr>
+      <p:pic>
+        <p:nvPicPr>
+          <p:cNvPr id="4" name="圖片 3">
+            <a:extLst>
+              <a:ext uri="{FF2B5EF4-FFF2-40B4-BE49-F238E27FC236}">
+                <a16:creationId xmlns:a16="http://schemas.microsoft.com/office/drawing/2014/main" id="{6E832423-B104-D382-CBB8-97B1AE1BD755}"/>
+              </a:ext>
+            </a:extLst>
+          </p:cNvPr>
+          <p:cNvPicPr>
+            <a:picLocks noChangeAspect="1"/>
+          </p:cNvPicPr>
+          <p:nvPr/>
+        </p:nvPicPr>
+        <p:blipFill>
+          <a:blip r:embed="rId3"/>
+          <a:stretch>
+            <a:fillRect/>
+          </a:stretch>
+        </p:blipFill>
+        <p:spPr>
+          <a:xfrm>
+            <a:off x="5334000" y="0"/>
+            <a:ext cx="6858000" cy="6858000"/>
+          </a:xfrm>
+          <a:prstGeom prst="rect">
+            <a:avLst/>
+          </a:prstGeom>
+        </p:spPr>
+      </p:pic>
+      <p:pic>
+        <p:nvPicPr>
+          <p:cNvPr id="5" name="圖片 4">
+            <a:extLst>
+              <a:ext uri="{FF2B5EF4-FFF2-40B4-BE49-F238E27FC236}">
+                <a16:creationId xmlns:a16="http://schemas.microsoft.com/office/drawing/2014/main" id="{DF25F61F-7E2A-B829-1638-1228CE9B68B3}"/>
+              </a:ext>
+            </a:extLst>
+          </p:cNvPr>
+          <p:cNvPicPr>
+            <a:picLocks noChangeAspect="1"/>
+          </p:cNvPicPr>
+          <p:nvPr/>
+        </p:nvPicPr>
+        <p:blipFill>
+          <a:blip r:embed="rId4"/>
+          <a:stretch>
+            <a:fillRect/>
+          </a:stretch>
+        </p:blipFill>
+        <p:spPr>
+          <a:xfrm>
+            <a:off x="5334000" y="9734458"/>
+            <a:ext cx="6858000" cy="6858000"/>
+          </a:xfrm>
+          <a:prstGeom prst="rect">
+            <a:avLst/>
+          </a:prstGeom>
+        </p:spPr>
+      </p:pic>
+      <p:pic>
+        <p:nvPicPr>
+          <p:cNvPr id="6" name="圖片 5">
+            <a:extLst>
+              <a:ext uri="{FF2B5EF4-FFF2-40B4-BE49-F238E27FC236}">
+                <a16:creationId xmlns:a16="http://schemas.microsoft.com/office/drawing/2014/main" id="{D1BEA84D-C3F7-663E-97B8-AC5F4D2AE586}"/>
+              </a:ext>
+            </a:extLst>
+          </p:cNvPr>
+          <p:cNvPicPr>
+            <a:picLocks noChangeAspect="1"/>
+          </p:cNvPicPr>
+          <p:nvPr/>
+        </p:nvPicPr>
+        <p:blipFill>
+          <a:blip r:embed="rId5"/>
+          <a:stretch>
+            <a:fillRect/>
+          </a:stretch>
+        </p:blipFill>
+        <p:spPr>
+          <a:xfrm>
+            <a:off x="5334000" y="-9734458"/>
+            <a:ext cx="6858000" cy="6858000"/>
+          </a:xfrm>
+          <a:prstGeom prst="rect">
+            <a:avLst/>
+          </a:prstGeom>
+        </p:spPr>
+      </p:pic>
+      <p:grpSp>
+        <p:nvGrpSpPr>
+          <p:cNvPr id="27" name="群組 26">
+            <a:extLst>
+              <a:ext uri="{FF2B5EF4-FFF2-40B4-BE49-F238E27FC236}">
+                <a16:creationId xmlns:a16="http://schemas.microsoft.com/office/drawing/2014/main" id="{4F14C8D0-23A8-1F12-14C8-854083DE702B}"/>
+              </a:ext>
+            </a:extLst>
+          </p:cNvPr>
+          <p:cNvGrpSpPr/>
+          <p:nvPr/>
+        </p:nvGrpSpPr>
+        <p:grpSpPr>
+          <a:xfrm rot="5400000">
+            <a:off x="-2960755" y="-1605604"/>
+            <a:ext cx="5267020" cy="5267022"/>
+            <a:chOff x="-2960755" y="-1605604"/>
+            <a:chExt cx="5267020" cy="5267022"/>
+          </a:xfrm>
+        </p:grpSpPr>
+        <p:sp>
+          <p:nvSpPr>
+            <p:cNvPr id="28" name="橢圓 27">
+              <a:extLst>
+                <a:ext uri="{FF2B5EF4-FFF2-40B4-BE49-F238E27FC236}">
+                  <a16:creationId xmlns:a16="http://schemas.microsoft.com/office/drawing/2014/main" id="{35C00CC5-2CCA-AB81-BDFD-43CB31BE6E0B}"/>
+                </a:ext>
+              </a:extLst>
+            </p:cNvPr>
+            <p:cNvSpPr/>
+            <p:nvPr/>
+          </p:nvSpPr>
+          <p:spPr>
+            <a:xfrm>
+              <a:off x="-2960755" y="-1605604"/>
+              <a:ext cx="5267020" cy="5267020"/>
+            </a:xfrm>
+            <a:prstGeom prst="ellipse">
+              <a:avLst/>
+            </a:prstGeom>
+            <a:solidFill>
+              <a:srgbClr val="7881B0"/>
+            </a:solidFill>
+            <a:ln>
+              <a:noFill/>
+            </a:ln>
+          </p:spPr>
+          <p:style>
+            <a:lnRef idx="2">
+              <a:schemeClr val="accent1">
+                <a:shade val="15000"/>
+              </a:schemeClr>
+            </a:lnRef>
+            <a:fillRef idx="1">
+              <a:schemeClr val="accent1"/>
+            </a:fillRef>
+            <a:effectRef idx="0">
+              <a:schemeClr val="accent1"/>
+            </a:effectRef>
+            <a:fontRef idx="minor">
+              <a:schemeClr val="lt1"/>
+            </a:fontRef>
+          </p:style>
+          <p:txBody>
+            <a:bodyPr rtlCol="0" anchor="ctr"/>
+            <a:lstStyle/>
+            <a:p>
+              <a:pPr algn="ctr"/>
+              <a:endParaRPr lang="zh-TW" altLang="en-US" dirty="0"/>
+            </a:p>
+          </p:txBody>
+        </p:sp>
+        <p:sp>
+          <p:nvSpPr>
+            <p:cNvPr id="29" name="文字方塊 28">
+              <a:extLst>
+                <a:ext uri="{FF2B5EF4-FFF2-40B4-BE49-F238E27FC236}">
+                  <a16:creationId xmlns:a16="http://schemas.microsoft.com/office/drawing/2014/main" id="{1CAC82B7-9575-6CF4-4A3D-0B7DB472E571}"/>
+                </a:ext>
+              </a:extLst>
+            </p:cNvPr>
+            <p:cNvSpPr txBox="1"/>
+            <p:nvPr/>
+          </p:nvSpPr>
+          <p:spPr>
+            <a:xfrm>
+              <a:off x="686265" y="643185"/>
+              <a:ext cx="1620000" cy="769441"/>
+            </a:xfrm>
+            <a:prstGeom prst="rect">
+              <a:avLst/>
+            </a:prstGeom>
+            <a:noFill/>
+          </p:spPr>
+          <p:txBody>
+            <a:bodyPr wrap="square" rtlCol="0">
+              <a:spAutoFit/>
+            </a:bodyPr>
+            <a:lstStyle/>
+            <a:p>
+              <a:r>
+                <a:rPr lang="zh-TW" altLang="en-US" sz="4400" dirty="0">
+                  <a:latin typeface="華文宋體 Regular" panose="02020502040202010101" pitchFamily="18" charset="-122"/>
+                  <a:ea typeface="華文宋體 Regular" panose="02020502040202010101" pitchFamily="18" charset="-122"/>
+                </a:rPr>
+                <a:t>目標</a:t>
+              </a:r>
+            </a:p>
+          </p:txBody>
+        </p:sp>
+        <p:sp>
+          <p:nvSpPr>
+            <p:cNvPr id="30" name="文字方塊 29">
+              <a:extLst>
+                <a:ext uri="{FF2B5EF4-FFF2-40B4-BE49-F238E27FC236}">
+                  <a16:creationId xmlns:a16="http://schemas.microsoft.com/office/drawing/2014/main" id="{2707A750-7D3B-7233-0396-2F196DB2ADF7}"/>
+                </a:ext>
+              </a:extLst>
+            </p:cNvPr>
+            <p:cNvSpPr txBox="1"/>
+            <p:nvPr/>
+          </p:nvSpPr>
+          <p:spPr>
+            <a:xfrm rot="16200000">
+              <a:off x="-1137245" y="-1180324"/>
+              <a:ext cx="1620000" cy="769441"/>
+            </a:xfrm>
+            <a:prstGeom prst="rect">
+              <a:avLst/>
+            </a:prstGeom>
+            <a:noFill/>
+          </p:spPr>
+          <p:txBody>
+            <a:bodyPr wrap="square" rtlCol="0">
+              <a:spAutoFit/>
+            </a:bodyPr>
+            <a:lstStyle/>
+            <a:p>
+              <a:r>
+                <a:rPr lang="zh-TW" altLang="en-US" sz="4400" dirty="0">
+                  <a:latin typeface="華文宋體 Regular" panose="02020502040202010101" pitchFamily="18" charset="-122"/>
+                  <a:ea typeface="華文宋體 Regular" panose="02020502040202010101" pitchFamily="18" charset="-122"/>
+                </a:rPr>
+                <a:t>阻礙</a:t>
+              </a:r>
+            </a:p>
+          </p:txBody>
+        </p:sp>
+        <p:sp>
+          <p:nvSpPr>
+            <p:cNvPr id="31" name="文字方塊 30">
+              <a:extLst>
+                <a:ext uri="{FF2B5EF4-FFF2-40B4-BE49-F238E27FC236}">
+                  <a16:creationId xmlns:a16="http://schemas.microsoft.com/office/drawing/2014/main" id="{25343222-E137-7B22-991D-6AD1CF620D27}"/>
+                </a:ext>
+              </a:extLst>
+            </p:cNvPr>
+            <p:cNvSpPr txBox="1"/>
+            <p:nvPr/>
+          </p:nvSpPr>
+          <p:spPr>
+            <a:xfrm rot="10800000">
+              <a:off x="-2960755" y="643184"/>
+              <a:ext cx="1620000" cy="769441"/>
+            </a:xfrm>
+            <a:prstGeom prst="rect">
+              <a:avLst/>
+            </a:prstGeom>
+            <a:noFill/>
+          </p:spPr>
+          <p:txBody>
+            <a:bodyPr wrap="square" rtlCol="0">
+              <a:spAutoFit/>
+            </a:bodyPr>
+            <a:lstStyle/>
+            <a:p>
+              <a:r>
+                <a:rPr lang="zh-TW" altLang="en-US" sz="4400" dirty="0">
+                  <a:latin typeface="華文宋體 Regular" panose="02020502040202010101" pitchFamily="18" charset="-122"/>
+                  <a:ea typeface="華文宋體 Regular" panose="02020502040202010101" pitchFamily="18" charset="-122"/>
+                </a:rPr>
+                <a:t>努力</a:t>
+              </a:r>
+            </a:p>
+          </p:txBody>
+        </p:sp>
+        <p:sp>
+          <p:nvSpPr>
+            <p:cNvPr id="32" name="文字方塊 31">
+              <a:extLst>
+                <a:ext uri="{FF2B5EF4-FFF2-40B4-BE49-F238E27FC236}">
+                  <a16:creationId xmlns:a16="http://schemas.microsoft.com/office/drawing/2014/main" id="{063B257F-F252-A5FE-7CC6-F7360BF178A0}"/>
+                </a:ext>
+              </a:extLst>
+            </p:cNvPr>
+            <p:cNvSpPr txBox="1"/>
+            <p:nvPr/>
+          </p:nvSpPr>
+          <p:spPr>
+            <a:xfrm rot="5400000">
+              <a:off x="-1137245" y="2466697"/>
+              <a:ext cx="1620000" cy="769441"/>
+            </a:xfrm>
+            <a:prstGeom prst="rect">
+              <a:avLst/>
+            </a:prstGeom>
+            <a:noFill/>
+          </p:spPr>
+          <p:txBody>
+            <a:bodyPr wrap="square" rtlCol="0">
+              <a:spAutoFit/>
+            </a:bodyPr>
+            <a:lstStyle/>
+            <a:p>
+              <a:r>
+                <a:rPr lang="zh-TW" altLang="en-US" sz="4400" dirty="0">
+                  <a:latin typeface="華文宋體 Regular" panose="02020502040202010101" pitchFamily="18" charset="-122"/>
+                  <a:ea typeface="華文宋體 Regular" panose="02020502040202010101" pitchFamily="18" charset="-122"/>
+                </a:rPr>
+                <a:t>結果</a:t>
+              </a:r>
+            </a:p>
+          </p:txBody>
+        </p:sp>
+      </p:grpSp>
+    </p:spTree>
+    <p:extLst>
+      <p:ext uri="{BB962C8B-B14F-4D97-AF65-F5344CB8AC3E}">
+        <p14:creationId xmlns:p14="http://schemas.microsoft.com/office/powerpoint/2010/main" val="1376436387"/>
+      </p:ext>
+    </p:extLst>
+  </p:cSld>
+  <p:clrMapOvr>
+    <a:masterClrMapping/>
+  </p:clrMapOvr>
+  <mc:AlternateContent xmlns:mc="http://schemas.openxmlformats.org/markup-compatibility/2006" xmlns:p159="http://schemas.microsoft.com/office/powerpoint/2015/09/main">
+    <mc:Choice Requires="p159">
+      <p:transition spd="slow">
+        <p159:morph option="byWord"/>
+      </p:transition>
+    </mc:Choice>
+    <mc:Fallback xmlns="">
+      <p:transition spd="slow">
+        <p:fade/>
+      </p:transition>
+    </mc:Fallback>
+  </mc:AlternateContent>
+</p:sld>
+</file>
+
+<file path=ppt/slides/slide3.xml><?xml version="1.0" encoding="utf-8"?>
+<p:sld xmlns:a="http://schemas.openxmlformats.org/drawingml/2006/main" xmlns:r="http://schemas.openxmlformats.org/officeDocument/2006/relationships" xmlns:p="http://schemas.openxmlformats.org/presentationml/2006/main">
+  <p:cSld>
+    <p:spTree>
+      <p:nvGrpSpPr>
+        <p:cNvPr id="1" name="">
+          <a:extLst>
+            <a:ext uri="{FF2B5EF4-FFF2-40B4-BE49-F238E27FC236}">
+              <a16:creationId xmlns:a16="http://schemas.microsoft.com/office/drawing/2014/main" id="{13FDD3A6-259A-E58D-0255-01F8F5CD1BEF}"/>
+            </a:ext>
+          </a:extLst>
+        </p:cNvPr>
+        <p:cNvGrpSpPr/>
+        <p:nvPr/>
+      </p:nvGrpSpPr>
+      <p:grpSpPr>
+        <a:xfrm>
+          <a:off x="0" y="0"/>
+          <a:ext cx="0" cy="0"/>
+          <a:chOff x="0" y="0"/>
+          <a:chExt cx="0" cy="0"/>
+        </a:xfrm>
+      </p:grpSpPr>
+      <p:pic>
+        <p:nvPicPr>
+          <p:cNvPr id="4" name="圖片 3">
+            <a:extLst>
+              <a:ext uri="{FF2B5EF4-FFF2-40B4-BE49-F238E27FC236}">
+                <a16:creationId xmlns:a16="http://schemas.microsoft.com/office/drawing/2014/main" id="{A4A61D84-C696-37DD-CB7B-03926B508EC8}"/>
+              </a:ext>
+            </a:extLst>
+          </p:cNvPr>
+          <p:cNvPicPr>
+            <a:picLocks noChangeAspect="1"/>
+          </p:cNvPicPr>
+          <p:nvPr/>
+        </p:nvPicPr>
+        <p:blipFill>
+          <a:blip r:embed="rId3"/>
+          <a:stretch>
+            <a:fillRect/>
+          </a:stretch>
+        </p:blipFill>
+        <p:spPr>
+          <a:xfrm>
+            <a:off x="5334000" y="0"/>
+            <a:ext cx="6858000" cy="6858000"/>
+          </a:xfrm>
+          <a:prstGeom prst="rect">
+            <a:avLst/>
+          </a:prstGeom>
+        </p:spPr>
+      </p:pic>
+      <p:pic>
+        <p:nvPicPr>
+          <p:cNvPr id="5" name="圖片 4">
+            <a:extLst>
+              <a:ext uri="{FF2B5EF4-FFF2-40B4-BE49-F238E27FC236}">
+                <a16:creationId xmlns:a16="http://schemas.microsoft.com/office/drawing/2014/main" id="{8D117C4F-F419-2809-8868-4B52EEC51ED5}"/>
+              </a:ext>
+            </a:extLst>
+          </p:cNvPr>
+          <p:cNvPicPr>
+            <a:picLocks noChangeAspect="1"/>
+          </p:cNvPicPr>
+          <p:nvPr/>
+        </p:nvPicPr>
+        <p:blipFill>
+          <a:blip r:embed="rId4"/>
+          <a:stretch>
+            <a:fillRect/>
+          </a:stretch>
+        </p:blipFill>
+        <p:spPr>
+          <a:xfrm>
+            <a:off x="5334000" y="9557657"/>
+            <a:ext cx="6858000" cy="6858000"/>
+          </a:xfrm>
+          <a:prstGeom prst="rect">
+            <a:avLst/>
+          </a:prstGeom>
+        </p:spPr>
+      </p:pic>
+      <p:pic>
+        <p:nvPicPr>
+          <p:cNvPr id="6" name="圖片 5">
+            <a:extLst>
+              <a:ext uri="{FF2B5EF4-FFF2-40B4-BE49-F238E27FC236}">
+                <a16:creationId xmlns:a16="http://schemas.microsoft.com/office/drawing/2014/main" id="{40A116EA-BB11-00EC-0807-488E1A2FC750}"/>
+              </a:ext>
+            </a:extLst>
+          </p:cNvPr>
+          <p:cNvPicPr>
+            <a:picLocks noChangeAspect="1"/>
+          </p:cNvPicPr>
+          <p:nvPr/>
+        </p:nvPicPr>
+        <p:blipFill>
+          <a:blip r:embed="rId5"/>
+          <a:stretch>
+            <a:fillRect/>
+          </a:stretch>
+        </p:blipFill>
+        <p:spPr>
+          <a:xfrm>
+            <a:off x="5334000" y="-9557657"/>
+            <a:ext cx="6858000" cy="6858000"/>
+          </a:xfrm>
+          <a:prstGeom prst="rect">
+            <a:avLst/>
+          </a:prstGeom>
+        </p:spPr>
+      </p:pic>
+      <p:grpSp>
+        <p:nvGrpSpPr>
+          <p:cNvPr id="7" name="群組 6">
+            <a:extLst>
+              <a:ext uri="{FF2B5EF4-FFF2-40B4-BE49-F238E27FC236}">
+                <a16:creationId xmlns:a16="http://schemas.microsoft.com/office/drawing/2014/main" id="{FE1BCAF6-41FF-4430-5F2F-90052FFF1AD6}"/>
+              </a:ext>
+            </a:extLst>
+          </p:cNvPr>
+          <p:cNvGrpSpPr/>
+          <p:nvPr/>
+        </p:nvGrpSpPr>
+        <p:grpSpPr>
+          <a:xfrm rot="10800000">
+            <a:off x="-2960755" y="-1605604"/>
+            <a:ext cx="5267020" cy="5267022"/>
+            <a:chOff x="-2960755" y="-1605604"/>
+            <a:chExt cx="5267020" cy="5267022"/>
+          </a:xfrm>
+        </p:grpSpPr>
+        <p:sp>
+          <p:nvSpPr>
+            <p:cNvPr id="8" name="橢圓 7">
+              <a:extLst>
+                <a:ext uri="{FF2B5EF4-FFF2-40B4-BE49-F238E27FC236}">
+                  <a16:creationId xmlns:a16="http://schemas.microsoft.com/office/drawing/2014/main" id="{2783275D-6477-8BC5-7E29-0725713EF2FE}"/>
+                </a:ext>
+              </a:extLst>
+            </p:cNvPr>
+            <p:cNvSpPr/>
+            <p:nvPr/>
+          </p:nvSpPr>
+          <p:spPr>
+            <a:xfrm>
+              <a:off x="-2960755" y="-1605604"/>
+              <a:ext cx="5267020" cy="5267020"/>
+            </a:xfrm>
+            <a:prstGeom prst="ellipse">
+              <a:avLst/>
+            </a:prstGeom>
+            <a:solidFill>
+              <a:srgbClr val="7881B0"/>
+            </a:solidFill>
+            <a:ln>
+              <a:noFill/>
+            </a:ln>
+          </p:spPr>
+          <p:style>
+            <a:lnRef idx="2">
+              <a:schemeClr val="accent1">
+                <a:shade val="15000"/>
+              </a:schemeClr>
+            </a:lnRef>
+            <a:fillRef idx="1">
+              <a:schemeClr val="accent1"/>
+            </a:fillRef>
+            <a:effectRef idx="0">
+              <a:schemeClr val="accent1"/>
+            </a:effectRef>
+            <a:fontRef idx="minor">
+              <a:schemeClr val="lt1"/>
+            </a:fontRef>
+          </p:style>
+          <p:txBody>
+            <a:bodyPr rtlCol="0" anchor="ctr"/>
+            <a:lstStyle/>
+            <a:p>
+              <a:pPr algn="ctr"/>
+              <a:endParaRPr lang="zh-TW" altLang="en-US" dirty="0"/>
+            </a:p>
+          </p:txBody>
+        </p:sp>
+        <p:sp>
+          <p:nvSpPr>
+            <p:cNvPr id="9" name="文字方塊 8">
+              <a:extLst>
+                <a:ext uri="{FF2B5EF4-FFF2-40B4-BE49-F238E27FC236}">
+                  <a16:creationId xmlns:a16="http://schemas.microsoft.com/office/drawing/2014/main" id="{58531E59-96FA-C1AE-C0E7-DB229E664FAB}"/>
+                </a:ext>
+              </a:extLst>
+            </p:cNvPr>
+            <p:cNvSpPr txBox="1"/>
+            <p:nvPr/>
+          </p:nvSpPr>
+          <p:spPr>
+            <a:xfrm>
+              <a:off x="686265" y="643185"/>
+              <a:ext cx="1620000" cy="769441"/>
+            </a:xfrm>
+            <a:prstGeom prst="rect">
+              <a:avLst/>
+            </a:prstGeom>
+            <a:noFill/>
+          </p:spPr>
+          <p:txBody>
+            <a:bodyPr wrap="square" rtlCol="0">
+              <a:spAutoFit/>
+            </a:bodyPr>
+            <a:lstStyle/>
+            <a:p>
+              <a:r>
+                <a:rPr lang="zh-TW" altLang="en-US" sz="4400" dirty="0">
+                  <a:latin typeface="華文宋體 Regular" panose="02020502040202010101" pitchFamily="18" charset="-122"/>
+                  <a:ea typeface="華文宋體 Regular" panose="02020502040202010101" pitchFamily="18" charset="-122"/>
+                </a:rPr>
+                <a:t>目標</a:t>
+              </a:r>
+            </a:p>
+          </p:txBody>
+        </p:sp>
+        <p:sp>
+          <p:nvSpPr>
+            <p:cNvPr id="10" name="文字方塊 9">
+              <a:extLst>
+                <a:ext uri="{FF2B5EF4-FFF2-40B4-BE49-F238E27FC236}">
+                  <a16:creationId xmlns:a16="http://schemas.microsoft.com/office/drawing/2014/main" id="{53D333AD-72B3-CAFA-7963-3747D6BCBA42}"/>
+                </a:ext>
+              </a:extLst>
+            </p:cNvPr>
+            <p:cNvSpPr txBox="1"/>
+            <p:nvPr/>
+          </p:nvSpPr>
+          <p:spPr>
+            <a:xfrm rot="16200000">
+              <a:off x="-1137245" y="-1180324"/>
+              <a:ext cx="1620000" cy="769441"/>
+            </a:xfrm>
+            <a:prstGeom prst="rect">
+              <a:avLst/>
+            </a:prstGeom>
+            <a:noFill/>
+          </p:spPr>
+          <p:txBody>
+            <a:bodyPr wrap="square" rtlCol="0">
+              <a:spAutoFit/>
+            </a:bodyPr>
+            <a:lstStyle/>
+            <a:p>
+              <a:r>
+                <a:rPr lang="zh-TW" altLang="en-US" sz="4400" dirty="0">
+                  <a:latin typeface="華文宋體 Regular" panose="02020502040202010101" pitchFamily="18" charset="-122"/>
+                  <a:ea typeface="華文宋體 Regular" panose="02020502040202010101" pitchFamily="18" charset="-122"/>
+                </a:rPr>
+                <a:t>阻礙</a:t>
+              </a:r>
+            </a:p>
+          </p:txBody>
+        </p:sp>
+        <p:sp>
+          <p:nvSpPr>
+            <p:cNvPr id="12" name="文字方塊 11">
+              <a:extLst>
+                <a:ext uri="{FF2B5EF4-FFF2-40B4-BE49-F238E27FC236}">
+                  <a16:creationId xmlns:a16="http://schemas.microsoft.com/office/drawing/2014/main" id="{253A67B2-5860-CD5E-AFD3-CC24FD96B8C5}"/>
+                </a:ext>
+              </a:extLst>
+            </p:cNvPr>
+            <p:cNvSpPr txBox="1"/>
+            <p:nvPr/>
+          </p:nvSpPr>
+          <p:spPr>
+            <a:xfrm rot="10800000">
+              <a:off x="-2960755" y="643184"/>
+              <a:ext cx="1620000" cy="769441"/>
+            </a:xfrm>
+            <a:prstGeom prst="rect">
+              <a:avLst/>
+            </a:prstGeom>
+            <a:noFill/>
+          </p:spPr>
+          <p:txBody>
+            <a:bodyPr wrap="square" rtlCol="0">
+              <a:spAutoFit/>
+            </a:bodyPr>
+            <a:lstStyle/>
+            <a:p>
+              <a:r>
+                <a:rPr lang="zh-TW" altLang="en-US" sz="4400" dirty="0">
+                  <a:latin typeface="華文宋體 Regular" panose="02020502040202010101" pitchFamily="18" charset="-122"/>
+                  <a:ea typeface="華文宋體 Regular" panose="02020502040202010101" pitchFamily="18" charset="-122"/>
+                </a:rPr>
+                <a:t>努力</a:t>
+              </a:r>
+            </a:p>
+          </p:txBody>
+        </p:sp>
+        <p:sp>
+          <p:nvSpPr>
+            <p:cNvPr id="13" name="文字方塊 12">
+              <a:extLst>
+                <a:ext uri="{FF2B5EF4-FFF2-40B4-BE49-F238E27FC236}">
+                  <a16:creationId xmlns:a16="http://schemas.microsoft.com/office/drawing/2014/main" id="{B4158B92-A06F-33F4-0350-CC3AF3075E40}"/>
+                </a:ext>
+              </a:extLst>
+            </p:cNvPr>
+            <p:cNvSpPr txBox="1"/>
+            <p:nvPr/>
+          </p:nvSpPr>
+          <p:spPr>
+            <a:xfrm rot="5400000">
+              <a:off x="-1137245" y="2466697"/>
+              <a:ext cx="1620000" cy="769441"/>
+            </a:xfrm>
+            <a:prstGeom prst="rect">
+              <a:avLst/>
+            </a:prstGeom>
+            <a:noFill/>
+          </p:spPr>
+          <p:txBody>
+            <a:bodyPr wrap="square" rtlCol="0">
+              <a:spAutoFit/>
+            </a:bodyPr>
+            <a:lstStyle/>
+            <a:p>
+              <a:r>
+                <a:rPr lang="zh-TW" altLang="en-US" sz="4400" dirty="0">
+                  <a:latin typeface="華文宋體 Regular" panose="02020502040202010101" pitchFamily="18" charset="-122"/>
+                  <a:ea typeface="華文宋體 Regular" panose="02020502040202010101" pitchFamily="18" charset="-122"/>
+                </a:rPr>
+                <a:t>結果</a:t>
+              </a:r>
+            </a:p>
+          </p:txBody>
+        </p:sp>
+      </p:grpSp>
+    </p:spTree>
+    <p:extLst>
+      <p:ext uri="{BB962C8B-B14F-4D97-AF65-F5344CB8AC3E}">
+        <p14:creationId xmlns:p14="http://schemas.microsoft.com/office/powerpoint/2010/main" val="876638751"/>
+      </p:ext>
+    </p:extLst>
+  </p:cSld>
+  <p:clrMapOvr>
+    <a:masterClrMapping/>
+  </p:clrMapOvr>
+  <mc:AlternateContent xmlns:mc="http://schemas.openxmlformats.org/markup-compatibility/2006" xmlns:p159="http://schemas.microsoft.com/office/powerpoint/2015/09/main">
+    <mc:Choice Requires="p159">
+      <p:transition spd="slow">
+        <p159:morph option="byWord"/>
+      </p:transition>
+    </mc:Choice>
+    <mc:Fallback xmlns="">
+      <p:transition spd="slow">
+        <p:fade/>
+      </p:transition>
+    </mc:Fallback>
+  </mc:AlternateContent>
+</p:sld>
+</file>
+
+<file path=ppt/slides/slide4.xml><?xml version="1.0" encoding="utf-8"?>
+<p:sld xmlns:a="http://schemas.openxmlformats.org/drawingml/2006/main" xmlns:r="http://schemas.openxmlformats.org/officeDocument/2006/relationships" xmlns:p="http://schemas.openxmlformats.org/presentationml/2006/main">
+  <p:cSld>
+    <p:spTree>
+      <p:nvGrpSpPr>
+        <p:cNvPr id="1" name="">
+          <a:extLst>
+            <a:ext uri="{FF2B5EF4-FFF2-40B4-BE49-F238E27FC236}">
+              <a16:creationId xmlns:a16="http://schemas.microsoft.com/office/drawing/2014/main" id="{916EB299-15FA-1EED-45FC-0CFCCC16E98B}"/>
+            </a:ext>
+          </a:extLst>
+        </p:cNvPr>
+        <p:cNvGrpSpPr/>
+        <p:nvPr/>
+      </p:nvGrpSpPr>
+      <p:grpSpPr>
+        <a:xfrm>
+          <a:off x="0" y="0"/>
+          <a:ext cx="0" cy="0"/>
+          <a:chOff x="0" y="0"/>
+          <a:chExt cx="0" cy="0"/>
+        </a:xfrm>
+      </p:grpSpPr>
+      <p:pic>
+        <p:nvPicPr>
+          <p:cNvPr id="4" name="圖片 3">
+            <a:extLst>
+              <a:ext uri="{FF2B5EF4-FFF2-40B4-BE49-F238E27FC236}">
+                <a16:creationId xmlns:a16="http://schemas.microsoft.com/office/drawing/2014/main" id="{8983634E-D7D9-9DDA-9990-4E496FEC1F73}"/>
+              </a:ext>
+            </a:extLst>
+          </p:cNvPr>
+          <p:cNvPicPr>
+            <a:picLocks noChangeAspect="1"/>
+          </p:cNvPicPr>
+          <p:nvPr/>
+        </p:nvPicPr>
+        <p:blipFill>
+          <a:blip r:embed="rId3"/>
+          <a:stretch>
+            <a:fillRect/>
+          </a:stretch>
+        </p:blipFill>
+        <p:spPr>
+          <a:xfrm>
+            <a:off x="5334000" y="0"/>
+            <a:ext cx="6858000" cy="6858000"/>
+          </a:xfrm>
+          <a:prstGeom prst="rect">
+            <a:avLst/>
+          </a:prstGeom>
+        </p:spPr>
+      </p:pic>
+      <p:grpSp>
+        <p:nvGrpSpPr>
+          <p:cNvPr id="5" name="群組 4">
+            <a:extLst>
+              <a:ext uri="{FF2B5EF4-FFF2-40B4-BE49-F238E27FC236}">
+                <a16:creationId xmlns:a16="http://schemas.microsoft.com/office/drawing/2014/main" id="{74B587CE-CB54-71B4-A17F-9E1166964773}"/>
+              </a:ext>
+            </a:extLst>
+          </p:cNvPr>
+          <p:cNvGrpSpPr/>
+          <p:nvPr/>
+        </p:nvGrpSpPr>
+        <p:grpSpPr>
+          <a:xfrm rot="16200000">
+            <a:off x="-2960755" y="-1605604"/>
+            <a:ext cx="5267020" cy="5267022"/>
+            <a:chOff x="-2960755" y="-1605604"/>
+            <a:chExt cx="5267020" cy="5267022"/>
+          </a:xfrm>
+        </p:grpSpPr>
+        <p:sp>
+          <p:nvSpPr>
+            <p:cNvPr id="6" name="橢圓 5">
+              <a:extLst>
+                <a:ext uri="{FF2B5EF4-FFF2-40B4-BE49-F238E27FC236}">
+                  <a16:creationId xmlns:a16="http://schemas.microsoft.com/office/drawing/2014/main" id="{07BF67FD-DE81-92A2-1CC2-FDCE69EA384C}"/>
+                </a:ext>
+              </a:extLst>
+            </p:cNvPr>
+            <p:cNvSpPr/>
+            <p:nvPr/>
+          </p:nvSpPr>
+          <p:spPr>
+            <a:xfrm>
+              <a:off x="-2960755" y="-1605604"/>
+              <a:ext cx="5267020" cy="5267020"/>
+            </a:xfrm>
+            <a:prstGeom prst="ellipse">
+              <a:avLst/>
+            </a:prstGeom>
+            <a:solidFill>
+              <a:srgbClr val="7881B0"/>
+            </a:solidFill>
+            <a:ln>
+              <a:noFill/>
+            </a:ln>
+          </p:spPr>
+          <p:style>
+            <a:lnRef idx="2">
+              <a:schemeClr val="accent1">
+                <a:shade val="15000"/>
+              </a:schemeClr>
+            </a:lnRef>
+            <a:fillRef idx="1">
+              <a:schemeClr val="accent1"/>
+            </a:fillRef>
+            <a:effectRef idx="0">
+              <a:schemeClr val="accent1"/>
+            </a:effectRef>
+            <a:fontRef idx="minor">
+              <a:schemeClr val="lt1"/>
+            </a:fontRef>
+          </p:style>
+          <p:txBody>
+            <a:bodyPr rtlCol="0" anchor="ctr"/>
+            <a:lstStyle/>
+            <a:p>
+              <a:pPr algn="ctr"/>
+              <a:endParaRPr lang="zh-TW" altLang="en-US" dirty="0"/>
+            </a:p>
+          </p:txBody>
+        </p:sp>
+        <p:sp>
+          <p:nvSpPr>
+            <p:cNvPr id="7" name="文字方塊 6">
+              <a:extLst>
+                <a:ext uri="{FF2B5EF4-FFF2-40B4-BE49-F238E27FC236}">
+                  <a16:creationId xmlns:a16="http://schemas.microsoft.com/office/drawing/2014/main" id="{3556A4F7-3E06-3DAF-099B-7D83A6100B8F}"/>
+                </a:ext>
+              </a:extLst>
+            </p:cNvPr>
+            <p:cNvSpPr txBox="1"/>
+            <p:nvPr/>
+          </p:nvSpPr>
+          <p:spPr>
+            <a:xfrm>
+              <a:off x="686265" y="643185"/>
+              <a:ext cx="1620000" cy="769441"/>
+            </a:xfrm>
+            <a:prstGeom prst="rect">
+              <a:avLst/>
+            </a:prstGeom>
+            <a:noFill/>
+          </p:spPr>
+          <p:txBody>
+            <a:bodyPr wrap="square" rtlCol="0">
+              <a:spAutoFit/>
+            </a:bodyPr>
+            <a:lstStyle/>
+            <a:p>
+              <a:r>
+                <a:rPr lang="zh-TW" altLang="en-US" sz="4400" dirty="0">
+                  <a:latin typeface="華文宋體 Regular" panose="02020502040202010101" pitchFamily="18" charset="-122"/>
+                  <a:ea typeface="華文宋體 Regular" panose="02020502040202010101" pitchFamily="18" charset="-122"/>
+                </a:rPr>
+                <a:t>目標</a:t>
+              </a:r>
+            </a:p>
+          </p:txBody>
+        </p:sp>
+        <p:sp>
+          <p:nvSpPr>
+            <p:cNvPr id="8" name="文字方塊 7">
+              <a:extLst>
+                <a:ext uri="{FF2B5EF4-FFF2-40B4-BE49-F238E27FC236}">
+                  <a16:creationId xmlns:a16="http://schemas.microsoft.com/office/drawing/2014/main" id="{31E59F0E-FB41-38D0-C229-7008C6EF3757}"/>
+                </a:ext>
+              </a:extLst>
+            </p:cNvPr>
+            <p:cNvSpPr txBox="1"/>
+            <p:nvPr/>
+          </p:nvSpPr>
+          <p:spPr>
+            <a:xfrm rot="16200000">
+              <a:off x="-1137245" y="-1180324"/>
+              <a:ext cx="1620000" cy="769441"/>
+            </a:xfrm>
+            <a:prstGeom prst="rect">
+              <a:avLst/>
+            </a:prstGeom>
+            <a:noFill/>
+          </p:spPr>
+          <p:txBody>
+            <a:bodyPr wrap="square" rtlCol="0">
+              <a:spAutoFit/>
+            </a:bodyPr>
+            <a:lstStyle/>
+            <a:p>
+              <a:r>
+                <a:rPr lang="zh-TW" altLang="en-US" sz="4400" dirty="0">
+                  <a:latin typeface="華文宋體 Regular" panose="02020502040202010101" pitchFamily="18" charset="-122"/>
+                  <a:ea typeface="華文宋體 Regular" panose="02020502040202010101" pitchFamily="18" charset="-122"/>
+                </a:rPr>
+                <a:t>阻礙</a:t>
+              </a:r>
+            </a:p>
+          </p:txBody>
+        </p:sp>
+        <p:sp>
+          <p:nvSpPr>
+            <p:cNvPr id="9" name="文字方塊 8">
+              <a:extLst>
+                <a:ext uri="{FF2B5EF4-FFF2-40B4-BE49-F238E27FC236}">
+                  <a16:creationId xmlns:a16="http://schemas.microsoft.com/office/drawing/2014/main" id="{3B321737-413B-AA94-AC40-9569A18E8C98}"/>
+                </a:ext>
+              </a:extLst>
+            </p:cNvPr>
+            <p:cNvSpPr txBox="1"/>
+            <p:nvPr/>
+          </p:nvSpPr>
+          <p:spPr>
+            <a:xfrm rot="10800000">
+              <a:off x="-2960755" y="643184"/>
+              <a:ext cx="1620000" cy="769441"/>
+            </a:xfrm>
+            <a:prstGeom prst="rect">
+              <a:avLst/>
+            </a:prstGeom>
+            <a:noFill/>
+          </p:spPr>
+          <p:txBody>
+            <a:bodyPr wrap="square" rtlCol="0">
+              <a:spAutoFit/>
+            </a:bodyPr>
+            <a:lstStyle/>
+            <a:p>
+              <a:r>
+                <a:rPr lang="zh-TW" altLang="en-US" sz="4400" dirty="0">
+                  <a:latin typeface="華文宋體 Regular" panose="02020502040202010101" pitchFamily="18" charset="-122"/>
+                  <a:ea typeface="華文宋體 Regular" panose="02020502040202010101" pitchFamily="18" charset="-122"/>
+                </a:rPr>
+                <a:t>努力</a:t>
+              </a:r>
+            </a:p>
+          </p:txBody>
+        </p:sp>
+        <p:sp>
+          <p:nvSpPr>
+            <p:cNvPr id="10" name="文字方塊 9">
+              <a:extLst>
+                <a:ext uri="{FF2B5EF4-FFF2-40B4-BE49-F238E27FC236}">
+                  <a16:creationId xmlns:a16="http://schemas.microsoft.com/office/drawing/2014/main" id="{60EFA05A-DE52-A846-7E14-A521A727036F}"/>
+                </a:ext>
+              </a:extLst>
+            </p:cNvPr>
+            <p:cNvSpPr txBox="1"/>
+            <p:nvPr/>
+          </p:nvSpPr>
+          <p:spPr>
+            <a:xfrm rot="5400000">
+              <a:off x="-1137245" y="2466697"/>
+              <a:ext cx="1620000" cy="769441"/>
+            </a:xfrm>
+            <a:prstGeom prst="rect">
+              <a:avLst/>
+            </a:prstGeom>
+            <a:noFill/>
+          </p:spPr>
+          <p:txBody>
+            <a:bodyPr wrap="square" rtlCol="0">
+              <a:spAutoFit/>
+            </a:bodyPr>
+            <a:lstStyle/>
+            <a:p>
+              <a:r>
+                <a:rPr lang="zh-TW" altLang="en-US" sz="4400" dirty="0">
+                  <a:latin typeface="華文宋體 Regular" panose="02020502040202010101" pitchFamily="18" charset="-122"/>
+                  <a:ea typeface="華文宋體 Regular" panose="02020502040202010101" pitchFamily="18" charset="-122"/>
+                </a:rPr>
+                <a:t>結果</a:t>
+              </a:r>
+            </a:p>
+          </p:txBody>
+        </p:sp>
+      </p:grpSp>
+      <p:pic>
+        <p:nvPicPr>
+          <p:cNvPr id="12" name="圖片 11">
+            <a:extLst>
+              <a:ext uri="{FF2B5EF4-FFF2-40B4-BE49-F238E27FC236}">
+                <a16:creationId xmlns:a16="http://schemas.microsoft.com/office/drawing/2014/main" id="{C61E3E23-A5D4-4103-74C6-D6CACAA687AA}"/>
+              </a:ext>
+            </a:extLst>
+          </p:cNvPr>
+          <p:cNvPicPr>
+            <a:picLocks noChangeAspect="1"/>
+          </p:cNvPicPr>
+          <p:nvPr/>
+        </p:nvPicPr>
+        <p:blipFill>
+          <a:blip r:embed="rId4"/>
+          <a:stretch>
+            <a:fillRect/>
+          </a:stretch>
+        </p:blipFill>
+        <p:spPr>
+          <a:xfrm>
+            <a:off x="5334000" y="9031325"/>
+            <a:ext cx="6858000" cy="6858000"/>
+          </a:xfrm>
+          <a:prstGeom prst="rect">
+            <a:avLst/>
+          </a:prstGeom>
+        </p:spPr>
+      </p:pic>
+      <p:pic>
+        <p:nvPicPr>
+          <p:cNvPr id="13" name="圖片 12">
+            <a:extLst>
+              <a:ext uri="{FF2B5EF4-FFF2-40B4-BE49-F238E27FC236}">
+                <a16:creationId xmlns:a16="http://schemas.microsoft.com/office/drawing/2014/main" id="{C7FC9865-858D-5028-85EB-5F0F09E123D3}"/>
+              </a:ext>
+            </a:extLst>
+          </p:cNvPr>
+          <p:cNvPicPr>
+            <a:picLocks noChangeAspect="1"/>
+          </p:cNvPicPr>
+          <p:nvPr/>
+        </p:nvPicPr>
+        <p:blipFill>
+          <a:blip r:embed="rId5"/>
+          <a:stretch>
+            <a:fillRect/>
+          </a:stretch>
+        </p:blipFill>
+        <p:spPr>
+          <a:xfrm>
+            <a:off x="5334000" y="-9031325"/>
+            <a:ext cx="6858000" cy="6858000"/>
+          </a:xfrm>
+          <a:prstGeom prst="rect">
+            <a:avLst/>
+          </a:prstGeom>
+        </p:spPr>
+      </p:pic>
+      <p:grpSp>
+        <p:nvGrpSpPr>
+          <p:cNvPr id="15" name="群組 14">
+            <a:extLst>
+              <a:ext uri="{FF2B5EF4-FFF2-40B4-BE49-F238E27FC236}">
+                <a16:creationId xmlns:a16="http://schemas.microsoft.com/office/drawing/2014/main" id="{5641FB2A-50FE-0A0E-DFB8-DB2D8D307B35}"/>
+              </a:ext>
+            </a:extLst>
+          </p:cNvPr>
+          <p:cNvGrpSpPr/>
+          <p:nvPr/>
+        </p:nvGrpSpPr>
+        <p:grpSpPr>
+          <a:xfrm rot="16200000">
+            <a:off x="-2960759" y="-1605604"/>
+            <a:ext cx="5267023" cy="5267022"/>
+            <a:chOff x="-2960757" y="-1605604"/>
+            <a:chExt cx="5267023" cy="5267022"/>
+          </a:xfrm>
+        </p:grpSpPr>
+        <p:sp>
+          <p:nvSpPr>
+            <p:cNvPr id="17" name="橢圓 16">
+              <a:extLst>
+                <a:ext uri="{FF2B5EF4-FFF2-40B4-BE49-F238E27FC236}">
+                  <a16:creationId xmlns:a16="http://schemas.microsoft.com/office/drawing/2014/main" id="{433B5AAF-2956-3C53-9591-921B84EA32DA}"/>
+                </a:ext>
+              </a:extLst>
+            </p:cNvPr>
+            <p:cNvSpPr/>
+            <p:nvPr/>
+          </p:nvSpPr>
+          <p:spPr>
+            <a:xfrm>
+              <a:off x="-2960755" y="-1605604"/>
+              <a:ext cx="5267020" cy="5267020"/>
+            </a:xfrm>
+            <a:prstGeom prst="ellipse">
+              <a:avLst/>
+            </a:prstGeom>
+            <a:solidFill>
+              <a:srgbClr val="7881B0"/>
+            </a:solidFill>
+            <a:ln>
+              <a:noFill/>
+            </a:ln>
+          </p:spPr>
+          <p:style>
+            <a:lnRef idx="2">
+              <a:schemeClr val="accent1">
+                <a:shade val="15000"/>
+              </a:schemeClr>
+            </a:lnRef>
+            <a:fillRef idx="1">
+              <a:schemeClr val="accent1"/>
+            </a:fillRef>
+            <a:effectRef idx="0">
+              <a:schemeClr val="accent1"/>
+            </a:effectRef>
+            <a:fontRef idx="minor">
+              <a:schemeClr val="lt1"/>
+            </a:fontRef>
+          </p:style>
+          <p:txBody>
+            <a:bodyPr rtlCol="0" anchor="ctr"/>
+            <a:lstStyle/>
+            <a:p>
+              <a:pPr algn="ctr"/>
+              <a:endParaRPr lang="zh-TW" altLang="en-US" dirty="0"/>
+            </a:p>
+          </p:txBody>
+        </p:sp>
+        <p:sp>
+          <p:nvSpPr>
+            <p:cNvPr id="18" name="文字方塊 17">
+              <a:extLst>
+                <a:ext uri="{FF2B5EF4-FFF2-40B4-BE49-F238E27FC236}">
+                  <a16:creationId xmlns:a16="http://schemas.microsoft.com/office/drawing/2014/main" id="{25576C2D-AC7A-91EC-4BEC-D910B696B510}"/>
+                </a:ext>
+              </a:extLst>
+            </p:cNvPr>
+            <p:cNvSpPr txBox="1"/>
+            <p:nvPr/>
+          </p:nvSpPr>
+          <p:spPr>
+            <a:xfrm>
+              <a:off x="686266" y="643185"/>
+              <a:ext cx="1620000" cy="769441"/>
+            </a:xfrm>
+            <a:prstGeom prst="rect">
+              <a:avLst/>
+            </a:prstGeom>
+            <a:noFill/>
+          </p:spPr>
+          <p:txBody>
+            <a:bodyPr wrap="square" rtlCol="0">
+              <a:spAutoFit/>
+            </a:bodyPr>
+            <a:lstStyle/>
+            <a:p>
+              <a:r>
+                <a:rPr lang="zh-TW" altLang="en-US" sz="4400" dirty="0">
+                  <a:latin typeface="華文宋體 Regular" panose="02020502040202010101" pitchFamily="18" charset="-122"/>
+                  <a:ea typeface="華文宋體 Regular" panose="02020502040202010101" pitchFamily="18" charset="-122"/>
+                </a:rPr>
+                <a:t>意外</a:t>
+              </a:r>
+            </a:p>
+          </p:txBody>
+        </p:sp>
+        <p:sp>
+          <p:nvSpPr>
+            <p:cNvPr id="19" name="文字方塊 18">
+              <a:extLst>
+                <a:ext uri="{FF2B5EF4-FFF2-40B4-BE49-F238E27FC236}">
+                  <a16:creationId xmlns:a16="http://schemas.microsoft.com/office/drawing/2014/main" id="{645823D7-1E5C-58AF-0347-332131DCDFE9}"/>
+                </a:ext>
+              </a:extLst>
+            </p:cNvPr>
+            <p:cNvSpPr txBox="1"/>
+            <p:nvPr/>
+          </p:nvSpPr>
+          <p:spPr>
+            <a:xfrm rot="16200000">
+              <a:off x="-1137245" y="-1180324"/>
+              <a:ext cx="1620000" cy="769441"/>
+            </a:xfrm>
+            <a:prstGeom prst="rect">
+              <a:avLst/>
+            </a:prstGeom>
+            <a:noFill/>
+          </p:spPr>
+          <p:txBody>
+            <a:bodyPr wrap="square" rtlCol="0">
+              <a:spAutoFit/>
+            </a:bodyPr>
+            <a:lstStyle/>
+            <a:p>
+              <a:r>
+                <a:rPr lang="zh-TW" altLang="en-US" sz="4400" dirty="0">
+                  <a:latin typeface="華文宋體 Regular" panose="02020502040202010101" pitchFamily="18" charset="-122"/>
+                  <a:ea typeface="華文宋體 Regular" panose="02020502040202010101" pitchFamily="18" charset="-122"/>
+                </a:rPr>
+                <a:t>轉彎</a:t>
+              </a:r>
+            </a:p>
+          </p:txBody>
+        </p:sp>
+        <p:sp>
+          <p:nvSpPr>
+            <p:cNvPr id="20" name="文字方塊 19">
+              <a:extLst>
+                <a:ext uri="{FF2B5EF4-FFF2-40B4-BE49-F238E27FC236}">
+                  <a16:creationId xmlns:a16="http://schemas.microsoft.com/office/drawing/2014/main" id="{83B380CC-2A23-1A3E-B78B-54EBAB80F99B}"/>
+                </a:ext>
+              </a:extLst>
+            </p:cNvPr>
+            <p:cNvSpPr txBox="1"/>
+            <p:nvPr/>
+          </p:nvSpPr>
+          <p:spPr>
+            <a:xfrm rot="10800000">
+              <a:off x="-2960757" y="643184"/>
+              <a:ext cx="1620000" cy="769441"/>
+            </a:xfrm>
+            <a:prstGeom prst="rect">
+              <a:avLst/>
+            </a:prstGeom>
+            <a:noFill/>
+          </p:spPr>
+          <p:txBody>
+            <a:bodyPr wrap="square" rtlCol="0">
+              <a:spAutoFit/>
+            </a:bodyPr>
+            <a:lstStyle/>
+            <a:p>
+              <a:r>
+                <a:rPr lang="zh-TW" altLang="en-US" sz="4400" dirty="0">
+                  <a:latin typeface="華文宋體 Regular" panose="02020502040202010101" pitchFamily="18" charset="-122"/>
+                  <a:ea typeface="華文宋體 Regular" panose="02020502040202010101" pitchFamily="18" charset="-122"/>
+                </a:rPr>
+                <a:t>結局</a:t>
+              </a:r>
+            </a:p>
+          </p:txBody>
+        </p:sp>
+        <p:sp>
+          <p:nvSpPr>
+            <p:cNvPr id="21" name="文字方塊 20">
+              <a:extLst>
+                <a:ext uri="{FF2B5EF4-FFF2-40B4-BE49-F238E27FC236}">
+                  <a16:creationId xmlns:a16="http://schemas.microsoft.com/office/drawing/2014/main" id="{BA88DFA1-9F0B-4961-2E81-959784D13FD7}"/>
+                </a:ext>
+              </a:extLst>
+            </p:cNvPr>
+            <p:cNvSpPr txBox="1"/>
+            <p:nvPr/>
+          </p:nvSpPr>
+          <p:spPr>
+            <a:xfrm rot="5400000">
+              <a:off x="-1137245" y="2466697"/>
+              <a:ext cx="1620000" cy="769441"/>
+            </a:xfrm>
+            <a:prstGeom prst="rect">
+              <a:avLst/>
+            </a:prstGeom>
+            <a:noFill/>
+          </p:spPr>
+          <p:txBody>
+            <a:bodyPr wrap="square" rtlCol="0">
+              <a:spAutoFit/>
+            </a:bodyPr>
+            <a:lstStyle/>
+            <a:p>
+              <a:r>
+                <a:rPr lang="zh-TW" altLang="en-US" sz="4400" dirty="0">
+                  <a:latin typeface="華文宋體 Regular" panose="02020502040202010101" pitchFamily="18" charset="-122"/>
+                  <a:ea typeface="華文宋體 Regular" panose="02020502040202010101" pitchFamily="18" charset="-122"/>
+                </a:rPr>
+                <a:t>結果</a:t>
+              </a:r>
+            </a:p>
+          </p:txBody>
+        </p:sp>
+      </p:grpSp>
+    </p:spTree>
+    <p:extLst>
+      <p:ext uri="{BB962C8B-B14F-4D97-AF65-F5344CB8AC3E}">
+        <p14:creationId xmlns:p14="http://schemas.microsoft.com/office/powerpoint/2010/main" val="1899457826"/>
+      </p:ext>
+    </p:extLst>
+  </p:cSld>
+  <p:clrMapOvr>
+    <a:masterClrMapping/>
+  </p:clrMapOvr>
+  <mc:AlternateContent xmlns:mc="http://schemas.openxmlformats.org/markup-compatibility/2006" xmlns:p159="http://schemas.microsoft.com/office/powerpoint/2015/09/main">
+    <mc:Choice Requires="p159">
+      <p:transition spd="slow">
+        <p159:morph option="byWord"/>
+      </p:transition>
+    </mc:Choice>
+    <mc:Fallback xmlns="">
+      <p:transition spd="slow">
+        <p:fade/>
+      </p:transition>
+    </mc:Fallback>
+  </mc:AlternateContent>
+  <p:timing>
+    <p:tnLst>
+      <p:par>
+        <p:cTn id="1" dur="indefinite" restart="never" nodeType="tmRoot">
+          <p:childTnLst>
+            <p:seq concurrent="1" nextAc="seek">
+              <p:cTn id="2" dur="indefinite" nodeType="mainSeq">
+                <p:childTnLst>
+                  <p:par>
+                    <p:cTn id="3" fill="hold">
+                      <p:stCondLst>
+                        <p:cond delay="indefinite"/>
+                        <p:cond evt="onBegin" delay="0">
+                          <p:tn val="2"/>
+                        </p:cond>
+                      </p:stCondLst>
+                      <p:childTnLst>
+                        <p:par>
+                          <p:cTn id="4" fill="hold">
+                            <p:stCondLst>
+                              <p:cond delay="0"/>
+                            </p:stCondLst>
+                            <p:childTnLst>
+                              <p:par>
+                                <p:cTn id="5" presetID="1" presetClass="entr" presetSubtype="0" fill="hold" nodeType="afterEffect">
+                                  <p:stCondLst>
+                                    <p:cond delay="0"/>
+                                  </p:stCondLst>
+                                  <p:childTnLst>
+                                    <p:set>
+                                      <p:cBhvr>
+                                        <p:cTn id="6" dur="1" fill="hold">
+                                          <p:stCondLst>
+                                            <p:cond delay="0"/>
+                                          </p:stCondLst>
+                                        </p:cTn>
+                                        <p:tgtEl>
+                                          <p:spTgt spid="15"/>
+                                        </p:tgtEl>
+                                        <p:attrNameLst>
+                                          <p:attrName>style.visibility</p:attrName>
+                                        </p:attrNameLst>
+                                      </p:cBhvr>
+                                      <p:to>
+                                        <p:strVal val="visible"/>
+                                      </p:to>
+                                    </p:set>
+                                  </p:childTnLst>
+                                </p:cTn>
+                              </p:par>
+                            </p:childTnLst>
+                          </p:cTn>
+                        </p:par>
+                      </p:childTnLst>
+                    </p:cTn>
+                  </p:par>
+                </p:childTnLst>
+              </p:cTn>
+              <p:prevCondLst>
+                <p:cond evt="onPrev" delay="0">
+                  <p:tgtEl>
+                    <p:sldTgt/>
+                  </p:tgtEl>
+                </p:cond>
+              </p:prevCondLst>
+              <p:nextCondLst>
+                <p:cond evt="onNext" delay="0">
+                  <p:tgtEl>
+                    <p:sldTgt/>
+                  </p:tgtEl>
+                </p:cond>
+              </p:nextCondLst>
+            </p:seq>
+          </p:childTnLst>
+        </p:cTn>
+      </p:par>
+    </p:tnLst>
+  </p:timing>
+</p:sld>
+</file>
+
+<file path=ppt/slides/slide5.xml><?xml version="1.0" encoding="utf-8"?>
+<p:sld xmlns:a="http://schemas.openxmlformats.org/drawingml/2006/main" xmlns:r="http://schemas.openxmlformats.org/officeDocument/2006/relationships" xmlns:p="http://schemas.openxmlformats.org/presentationml/2006/main">
+  <p:cSld>
+    <p:spTree>
+      <p:nvGrpSpPr>
+        <p:cNvPr id="1" name="">
+          <a:extLst>
+            <a:ext uri="{FF2B5EF4-FFF2-40B4-BE49-F238E27FC236}">
+              <a16:creationId xmlns:a16="http://schemas.microsoft.com/office/drawing/2014/main" id="{AD306DCE-9700-0CF4-442F-9F4C37C7DB66}"/>
+            </a:ext>
+          </a:extLst>
+        </p:cNvPr>
+        <p:cNvGrpSpPr/>
+        <p:nvPr/>
+      </p:nvGrpSpPr>
+      <p:grpSpPr>
+        <a:xfrm>
+          <a:off x="0" y="0"/>
+          <a:ext cx="0" cy="0"/>
+          <a:chOff x="0" y="0"/>
+          <a:chExt cx="0" cy="0"/>
+        </a:xfrm>
+      </p:grpSpPr>
+      <p:pic>
+        <p:nvPicPr>
+          <p:cNvPr id="6" name="圖片 5">
+            <a:extLst>
+              <a:ext uri="{FF2B5EF4-FFF2-40B4-BE49-F238E27FC236}">
+                <a16:creationId xmlns:a16="http://schemas.microsoft.com/office/drawing/2014/main" id="{482B1146-2D4C-E33D-71E3-E7D5BC5162EE}"/>
+              </a:ext>
+            </a:extLst>
+          </p:cNvPr>
+          <p:cNvPicPr>
+            <a:picLocks noChangeAspect="1"/>
+          </p:cNvPicPr>
+          <p:nvPr/>
+        </p:nvPicPr>
+        <p:blipFill>
+          <a:blip r:embed="rId3"/>
+          <a:stretch>
+            <a:fillRect/>
+          </a:stretch>
+        </p:blipFill>
+        <p:spPr>
+          <a:xfrm>
+            <a:off x="5334000" y="0"/>
+            <a:ext cx="6858000" cy="6858000"/>
+          </a:xfrm>
+          <a:prstGeom prst="rect">
+            <a:avLst/>
+          </a:prstGeom>
+        </p:spPr>
+      </p:pic>
+      <p:pic>
+        <p:nvPicPr>
+          <p:cNvPr id="15" name="圖片 14">
+            <a:extLst>
+              <a:ext uri="{FF2B5EF4-FFF2-40B4-BE49-F238E27FC236}">
+                <a16:creationId xmlns:a16="http://schemas.microsoft.com/office/drawing/2014/main" id="{EFE30BBE-1200-7DE8-6590-5437A4DB74DC}"/>
+              </a:ext>
+            </a:extLst>
+          </p:cNvPr>
+          <p:cNvPicPr>
+            <a:picLocks noChangeAspect="1"/>
+          </p:cNvPicPr>
+          <p:nvPr/>
+        </p:nvPicPr>
+        <p:blipFill>
+          <a:blip r:embed="rId4"/>
+          <a:stretch>
+            <a:fillRect/>
+          </a:stretch>
+        </p:blipFill>
+        <p:spPr>
+          <a:xfrm>
+            <a:off x="5334000" y="8969828"/>
+            <a:ext cx="6858000" cy="6858000"/>
+          </a:xfrm>
+          <a:prstGeom prst="rect">
+            <a:avLst/>
+          </a:prstGeom>
+        </p:spPr>
+      </p:pic>
+      <p:grpSp>
+        <p:nvGrpSpPr>
+          <p:cNvPr id="18" name="群組 17">
+            <a:extLst>
+              <a:ext uri="{FF2B5EF4-FFF2-40B4-BE49-F238E27FC236}">
+                <a16:creationId xmlns:a16="http://schemas.microsoft.com/office/drawing/2014/main" id="{DBAC2402-D578-48AD-6B97-C574A480331E}"/>
+              </a:ext>
+            </a:extLst>
+          </p:cNvPr>
+          <p:cNvGrpSpPr/>
+          <p:nvPr/>
+        </p:nvGrpSpPr>
+        <p:grpSpPr>
+          <a:xfrm>
+            <a:off x="-2960759" y="-1605604"/>
+            <a:ext cx="5267023" cy="5267022"/>
+            <a:chOff x="-2960757" y="-1605604"/>
+            <a:chExt cx="5267023" cy="5267022"/>
+          </a:xfrm>
+        </p:grpSpPr>
+        <p:sp>
+          <p:nvSpPr>
+            <p:cNvPr id="19" name="橢圓 18">
+              <a:extLst>
+                <a:ext uri="{FF2B5EF4-FFF2-40B4-BE49-F238E27FC236}">
+                  <a16:creationId xmlns:a16="http://schemas.microsoft.com/office/drawing/2014/main" id="{FA416DBB-99D8-A990-529A-72A7E6C288CF}"/>
+                </a:ext>
+              </a:extLst>
+            </p:cNvPr>
+            <p:cNvSpPr/>
+            <p:nvPr/>
+          </p:nvSpPr>
+          <p:spPr>
+            <a:xfrm>
+              <a:off x="-2960755" y="-1605604"/>
+              <a:ext cx="5267020" cy="5267020"/>
+            </a:xfrm>
+            <a:prstGeom prst="ellipse">
+              <a:avLst/>
+            </a:prstGeom>
+            <a:solidFill>
+              <a:srgbClr val="7881B0"/>
+            </a:solidFill>
+            <a:ln>
+              <a:noFill/>
+            </a:ln>
+          </p:spPr>
+          <p:style>
+            <a:lnRef idx="2">
+              <a:schemeClr val="accent1">
+                <a:shade val="15000"/>
+              </a:schemeClr>
+            </a:lnRef>
+            <a:fillRef idx="1">
+              <a:schemeClr val="accent1"/>
+            </a:fillRef>
+            <a:effectRef idx="0">
+              <a:schemeClr val="accent1"/>
+            </a:effectRef>
+            <a:fontRef idx="minor">
+              <a:schemeClr val="lt1"/>
+            </a:fontRef>
+          </p:style>
+          <p:txBody>
+            <a:bodyPr rtlCol="0" anchor="ctr"/>
+            <a:lstStyle/>
+            <a:p>
+              <a:pPr algn="ctr"/>
+              <a:endParaRPr lang="zh-TW" altLang="en-US" dirty="0"/>
+            </a:p>
+          </p:txBody>
+        </p:sp>
+        <p:sp>
+          <p:nvSpPr>
+            <p:cNvPr id="20" name="文字方塊 19">
+              <a:extLst>
+                <a:ext uri="{FF2B5EF4-FFF2-40B4-BE49-F238E27FC236}">
+                  <a16:creationId xmlns:a16="http://schemas.microsoft.com/office/drawing/2014/main" id="{873BA365-06E2-41D9-B74E-4AEC691C4B10}"/>
+                </a:ext>
+              </a:extLst>
+            </p:cNvPr>
+            <p:cNvSpPr txBox="1"/>
+            <p:nvPr/>
+          </p:nvSpPr>
+          <p:spPr>
+            <a:xfrm>
+              <a:off x="686266" y="643185"/>
+              <a:ext cx="1620000" cy="769441"/>
+            </a:xfrm>
+            <a:prstGeom prst="rect">
+              <a:avLst/>
+            </a:prstGeom>
+            <a:noFill/>
+          </p:spPr>
+          <p:txBody>
+            <a:bodyPr wrap="square" rtlCol="0">
+              <a:spAutoFit/>
+            </a:bodyPr>
+            <a:lstStyle/>
+            <a:p>
+              <a:r>
+                <a:rPr lang="zh-TW" altLang="en-US" sz="4400" dirty="0">
+                  <a:latin typeface="華文宋體 Regular" panose="02020502040202010101" pitchFamily="18" charset="-122"/>
+                  <a:ea typeface="華文宋體 Regular" panose="02020502040202010101" pitchFamily="18" charset="-122"/>
+                </a:rPr>
+                <a:t>意外</a:t>
+              </a:r>
+            </a:p>
+          </p:txBody>
+        </p:sp>
+        <p:sp>
+          <p:nvSpPr>
+            <p:cNvPr id="21" name="文字方塊 20">
+              <a:extLst>
+                <a:ext uri="{FF2B5EF4-FFF2-40B4-BE49-F238E27FC236}">
+                  <a16:creationId xmlns:a16="http://schemas.microsoft.com/office/drawing/2014/main" id="{7F0C1E7C-A0A6-6EA3-8961-87C39D1D5975}"/>
+                </a:ext>
+              </a:extLst>
+            </p:cNvPr>
+            <p:cNvSpPr txBox="1"/>
+            <p:nvPr/>
+          </p:nvSpPr>
+          <p:spPr>
+            <a:xfrm rot="16200000">
+              <a:off x="-1137245" y="-1180324"/>
+              <a:ext cx="1620000" cy="769441"/>
+            </a:xfrm>
+            <a:prstGeom prst="rect">
+              <a:avLst/>
+            </a:prstGeom>
+            <a:noFill/>
+          </p:spPr>
+          <p:txBody>
+            <a:bodyPr wrap="square" rtlCol="0">
+              <a:spAutoFit/>
+            </a:bodyPr>
+            <a:lstStyle/>
+            <a:p>
+              <a:r>
+                <a:rPr lang="zh-TW" altLang="en-US" sz="4400" dirty="0">
+                  <a:latin typeface="華文宋體 Regular" panose="02020502040202010101" pitchFamily="18" charset="-122"/>
+                  <a:ea typeface="華文宋體 Regular" panose="02020502040202010101" pitchFamily="18" charset="-122"/>
+                </a:rPr>
+                <a:t>轉彎</a:t>
+              </a:r>
+            </a:p>
+          </p:txBody>
+        </p:sp>
+        <p:sp>
+          <p:nvSpPr>
+            <p:cNvPr id="22" name="文字方塊 21">
+              <a:extLst>
+                <a:ext uri="{FF2B5EF4-FFF2-40B4-BE49-F238E27FC236}">
+                  <a16:creationId xmlns:a16="http://schemas.microsoft.com/office/drawing/2014/main" id="{F0C0ED30-06BF-D71C-DD7B-9DA7ABEB3CE4}"/>
+                </a:ext>
+              </a:extLst>
+            </p:cNvPr>
+            <p:cNvSpPr txBox="1"/>
+            <p:nvPr/>
+          </p:nvSpPr>
+          <p:spPr>
+            <a:xfrm rot="10800000">
+              <a:off x="-2960757" y="643184"/>
+              <a:ext cx="1620000" cy="769441"/>
+            </a:xfrm>
+            <a:prstGeom prst="rect">
+              <a:avLst/>
+            </a:prstGeom>
+            <a:noFill/>
+          </p:spPr>
+          <p:txBody>
+            <a:bodyPr wrap="square" rtlCol="0">
+              <a:spAutoFit/>
+            </a:bodyPr>
+            <a:lstStyle/>
+            <a:p>
+              <a:r>
+                <a:rPr lang="zh-TW" altLang="en-US" sz="4400" dirty="0">
+                  <a:latin typeface="華文宋體 Regular" panose="02020502040202010101" pitchFamily="18" charset="-122"/>
+                  <a:ea typeface="華文宋體 Regular" panose="02020502040202010101" pitchFamily="18" charset="-122"/>
+                </a:rPr>
+                <a:t>結局</a:t>
+              </a:r>
+            </a:p>
+          </p:txBody>
+        </p:sp>
+        <p:sp>
+          <p:nvSpPr>
+            <p:cNvPr id="23" name="文字方塊 22">
+              <a:extLst>
+                <a:ext uri="{FF2B5EF4-FFF2-40B4-BE49-F238E27FC236}">
+                  <a16:creationId xmlns:a16="http://schemas.microsoft.com/office/drawing/2014/main" id="{B8C2AE78-9DB9-ED28-7198-818C0F139C6B}"/>
+                </a:ext>
+              </a:extLst>
+            </p:cNvPr>
+            <p:cNvSpPr txBox="1"/>
+            <p:nvPr/>
+          </p:nvSpPr>
+          <p:spPr>
+            <a:xfrm rot="5400000">
+              <a:off x="-1137245" y="2466697"/>
+              <a:ext cx="1620000" cy="769441"/>
+            </a:xfrm>
+            <a:prstGeom prst="rect">
+              <a:avLst/>
+            </a:prstGeom>
+            <a:noFill/>
+          </p:spPr>
+          <p:txBody>
+            <a:bodyPr wrap="square" rtlCol="0">
+              <a:spAutoFit/>
+            </a:bodyPr>
+            <a:lstStyle/>
+            <a:p>
+              <a:r>
+                <a:rPr lang="zh-TW" altLang="en-US" sz="4400" dirty="0">
+                  <a:latin typeface="華文宋體 Regular" panose="02020502040202010101" pitchFamily="18" charset="-122"/>
+                  <a:ea typeface="華文宋體 Regular" panose="02020502040202010101" pitchFamily="18" charset="-122"/>
+                </a:rPr>
+                <a:t>結果</a:t>
+              </a:r>
+            </a:p>
+          </p:txBody>
+        </p:sp>
+      </p:grpSp>
+      <p:pic>
+        <p:nvPicPr>
+          <p:cNvPr id="24" name="圖片 23">
+            <a:extLst>
+              <a:ext uri="{FF2B5EF4-FFF2-40B4-BE49-F238E27FC236}">
+                <a16:creationId xmlns:a16="http://schemas.microsoft.com/office/drawing/2014/main" id="{03A8861D-0E79-4091-E6A1-FC980EBE235A}"/>
+              </a:ext>
+            </a:extLst>
+          </p:cNvPr>
+          <p:cNvPicPr>
+            <a:picLocks noChangeAspect="1"/>
+          </p:cNvPicPr>
+          <p:nvPr/>
+        </p:nvPicPr>
+        <p:blipFill>
+          <a:blip r:embed="rId5"/>
+          <a:srcRect l="10169" r="11676" b="21846"/>
+          <a:stretch/>
+        </p:blipFill>
+        <p:spPr>
+          <a:xfrm>
+            <a:off x="5334000" y="-8969828"/>
+            <a:ext cx="6858000" cy="6858000"/>
+          </a:xfrm>
+          <a:prstGeom prst="rect">
+            <a:avLst/>
+          </a:prstGeom>
+        </p:spPr>
+      </p:pic>
+    </p:spTree>
+    <p:extLst>
+      <p:ext uri="{BB962C8B-B14F-4D97-AF65-F5344CB8AC3E}">
+        <p14:creationId xmlns:p14="http://schemas.microsoft.com/office/powerpoint/2010/main" val="1949581216"/>
+      </p:ext>
+    </p:extLst>
+  </p:cSld>
+  <p:clrMapOvr>
+    <a:masterClrMapping/>
+  </p:clrMapOvr>
+  <mc:AlternateContent xmlns:mc="http://schemas.openxmlformats.org/markup-compatibility/2006" xmlns:p159="http://schemas.microsoft.com/office/powerpoint/2015/09/main">
+    <mc:Choice Requires="p159">
+      <p:transition spd="slow">
+        <p159:morph option="byWord"/>
+      </p:transition>
+    </mc:Choice>
+    <mc:Fallback xmlns="">
+      <p:transition spd="slow">
+        <p:fade/>
+      </p:transition>
+    </mc:Fallback>
+  </mc:AlternateContent>
+</p:sld>
+</file>
+
+<file path=ppt/slides/slide6.xml><?xml version="1.0" encoding="utf-8"?>
+<p:sld xmlns:a="http://schemas.openxmlformats.org/drawingml/2006/main" xmlns:r="http://schemas.openxmlformats.org/officeDocument/2006/relationships" xmlns:p="http://schemas.openxmlformats.org/presentationml/2006/main">
+  <p:cSld>
+    <p:spTree>
+      <p:nvGrpSpPr>
+        <p:cNvPr id="1" name="">
+          <a:extLst>
+            <a:ext uri="{FF2B5EF4-FFF2-40B4-BE49-F238E27FC236}">
+              <a16:creationId xmlns:a16="http://schemas.microsoft.com/office/drawing/2014/main" id="{78F2BF94-DADE-1761-FC66-C3A76C970086}"/>
+            </a:ext>
+          </a:extLst>
+        </p:cNvPr>
+        <p:cNvGrpSpPr/>
+        <p:nvPr/>
+      </p:nvGrpSpPr>
+      <p:grpSpPr>
+        <a:xfrm>
+          <a:off x="0" y="0"/>
+          <a:ext cx="0" cy="0"/>
+          <a:chOff x="0" y="0"/>
+          <a:chExt cx="0" cy="0"/>
+        </a:xfrm>
+      </p:grpSpPr>
+      <p:pic>
+        <p:nvPicPr>
+          <p:cNvPr id="4" name="圖片 3">
+            <a:extLst>
+              <a:ext uri="{FF2B5EF4-FFF2-40B4-BE49-F238E27FC236}">
+                <a16:creationId xmlns:a16="http://schemas.microsoft.com/office/drawing/2014/main" id="{52510AD9-561F-D926-0E02-B9DE3D21A52B}"/>
+              </a:ext>
+            </a:extLst>
+          </p:cNvPr>
+          <p:cNvPicPr>
+            <a:picLocks noChangeAspect="1"/>
+          </p:cNvPicPr>
+          <p:nvPr/>
+        </p:nvPicPr>
+        <p:blipFill>
+          <a:blip r:embed="rId3"/>
+          <a:srcRect l="10169" r="11676" b="21846"/>
+          <a:stretch/>
+        </p:blipFill>
+        <p:spPr>
+          <a:xfrm>
+            <a:off x="5334000" y="0"/>
+            <a:ext cx="6858000" cy="6858000"/>
+          </a:xfrm>
+          <a:prstGeom prst="rect">
+            <a:avLst/>
+          </a:prstGeom>
+        </p:spPr>
+      </p:pic>
+      <p:grpSp>
+        <p:nvGrpSpPr>
+          <p:cNvPr id="5" name="群組 4">
+            <a:extLst>
+              <a:ext uri="{FF2B5EF4-FFF2-40B4-BE49-F238E27FC236}">
+                <a16:creationId xmlns:a16="http://schemas.microsoft.com/office/drawing/2014/main" id="{AD5BB9F6-D59E-BC21-A39A-B103FC2018B7}"/>
+              </a:ext>
+            </a:extLst>
+          </p:cNvPr>
+          <p:cNvGrpSpPr/>
+          <p:nvPr/>
+        </p:nvGrpSpPr>
+        <p:grpSpPr>
+          <a:xfrm rot="5400000">
+            <a:off x="-2960759" y="-1605604"/>
+            <a:ext cx="5267023" cy="5267022"/>
+            <a:chOff x="-2960757" y="-1605604"/>
+            <a:chExt cx="5267023" cy="5267022"/>
+          </a:xfrm>
+        </p:grpSpPr>
+        <p:sp>
+          <p:nvSpPr>
+            <p:cNvPr id="6" name="橢圓 5">
+              <a:extLst>
+                <a:ext uri="{FF2B5EF4-FFF2-40B4-BE49-F238E27FC236}">
+                  <a16:creationId xmlns:a16="http://schemas.microsoft.com/office/drawing/2014/main" id="{B2A7BF91-5AAB-CE0A-DF24-B1C4068F5892}"/>
+                </a:ext>
+              </a:extLst>
+            </p:cNvPr>
+            <p:cNvSpPr/>
+            <p:nvPr/>
+          </p:nvSpPr>
+          <p:spPr>
+            <a:xfrm>
+              <a:off x="-2960755" y="-1605604"/>
+              <a:ext cx="5267020" cy="5267020"/>
+            </a:xfrm>
+            <a:prstGeom prst="ellipse">
+              <a:avLst/>
+            </a:prstGeom>
+            <a:solidFill>
+              <a:srgbClr val="7881B0"/>
+            </a:solidFill>
+            <a:ln>
+              <a:noFill/>
+            </a:ln>
+          </p:spPr>
+          <p:style>
+            <a:lnRef idx="2">
+              <a:schemeClr val="accent1">
+                <a:shade val="15000"/>
+              </a:schemeClr>
+            </a:lnRef>
+            <a:fillRef idx="1">
+              <a:schemeClr val="accent1"/>
+            </a:fillRef>
+            <a:effectRef idx="0">
+              <a:schemeClr val="accent1"/>
+            </a:effectRef>
+            <a:fontRef idx="minor">
+              <a:schemeClr val="lt1"/>
+            </a:fontRef>
+          </p:style>
+          <p:txBody>
+            <a:bodyPr rtlCol="0" anchor="ctr"/>
+            <a:lstStyle/>
+            <a:p>
+              <a:pPr algn="ctr"/>
+              <a:endParaRPr lang="zh-TW" altLang="en-US" dirty="0"/>
+            </a:p>
+          </p:txBody>
+        </p:sp>
+        <p:sp>
+          <p:nvSpPr>
+            <p:cNvPr id="7" name="文字方塊 6">
+              <a:extLst>
+                <a:ext uri="{FF2B5EF4-FFF2-40B4-BE49-F238E27FC236}">
+                  <a16:creationId xmlns:a16="http://schemas.microsoft.com/office/drawing/2014/main" id="{0E3A622F-3A27-9148-4E57-C25E69F28725}"/>
+                </a:ext>
+              </a:extLst>
+            </p:cNvPr>
+            <p:cNvSpPr txBox="1"/>
+            <p:nvPr/>
+          </p:nvSpPr>
+          <p:spPr>
+            <a:xfrm>
+              <a:off x="686266" y="643185"/>
+              <a:ext cx="1620000" cy="769441"/>
+            </a:xfrm>
+            <a:prstGeom prst="rect">
+              <a:avLst/>
+            </a:prstGeom>
+            <a:noFill/>
+          </p:spPr>
+          <p:txBody>
+            <a:bodyPr wrap="square" rtlCol="0">
+              <a:spAutoFit/>
+            </a:bodyPr>
+            <a:lstStyle/>
+            <a:p>
+              <a:r>
+                <a:rPr lang="zh-TW" altLang="en-US" sz="4400" dirty="0">
+                  <a:latin typeface="華文宋體 Regular" panose="02020502040202010101" pitchFamily="18" charset="-122"/>
+                  <a:ea typeface="華文宋體 Regular" panose="02020502040202010101" pitchFamily="18" charset="-122"/>
+                </a:rPr>
+                <a:t>意外</a:t>
+              </a:r>
+            </a:p>
+          </p:txBody>
+        </p:sp>
+        <p:sp>
+          <p:nvSpPr>
+            <p:cNvPr id="8" name="文字方塊 7">
+              <a:extLst>
+                <a:ext uri="{FF2B5EF4-FFF2-40B4-BE49-F238E27FC236}">
+                  <a16:creationId xmlns:a16="http://schemas.microsoft.com/office/drawing/2014/main" id="{A8633896-E270-599C-53D9-1F26A8EB7012}"/>
+                </a:ext>
+              </a:extLst>
+            </p:cNvPr>
+            <p:cNvSpPr txBox="1"/>
+            <p:nvPr/>
+          </p:nvSpPr>
+          <p:spPr>
+            <a:xfrm rot="16200000">
+              <a:off x="-1137245" y="-1180324"/>
+              <a:ext cx="1620000" cy="769441"/>
+            </a:xfrm>
+            <a:prstGeom prst="rect">
+              <a:avLst/>
+            </a:prstGeom>
+            <a:noFill/>
+          </p:spPr>
+          <p:txBody>
+            <a:bodyPr wrap="square" rtlCol="0">
+              <a:spAutoFit/>
+            </a:bodyPr>
+            <a:lstStyle/>
+            <a:p>
+              <a:r>
+                <a:rPr lang="zh-TW" altLang="en-US" sz="4400" dirty="0">
+                  <a:latin typeface="華文宋體 Regular" panose="02020502040202010101" pitchFamily="18" charset="-122"/>
+                  <a:ea typeface="華文宋體 Regular" panose="02020502040202010101" pitchFamily="18" charset="-122"/>
+                </a:rPr>
+                <a:t>轉彎</a:t>
+              </a:r>
+            </a:p>
+          </p:txBody>
+        </p:sp>
+        <p:sp>
+          <p:nvSpPr>
+            <p:cNvPr id="9" name="文字方塊 8">
+              <a:extLst>
+                <a:ext uri="{FF2B5EF4-FFF2-40B4-BE49-F238E27FC236}">
+                  <a16:creationId xmlns:a16="http://schemas.microsoft.com/office/drawing/2014/main" id="{2E765A6C-D023-0F01-4239-1691DA31D852}"/>
+                </a:ext>
+              </a:extLst>
+            </p:cNvPr>
+            <p:cNvSpPr txBox="1"/>
+            <p:nvPr/>
+          </p:nvSpPr>
+          <p:spPr>
+            <a:xfrm rot="10800000">
+              <a:off x="-2960757" y="643184"/>
+              <a:ext cx="1620000" cy="769441"/>
+            </a:xfrm>
+            <a:prstGeom prst="rect">
+              <a:avLst/>
+            </a:prstGeom>
+            <a:noFill/>
+          </p:spPr>
+          <p:txBody>
+            <a:bodyPr wrap="square" rtlCol="0">
+              <a:spAutoFit/>
+            </a:bodyPr>
+            <a:lstStyle/>
+            <a:p>
+              <a:r>
+                <a:rPr lang="zh-TW" altLang="en-US" sz="4400" dirty="0">
+                  <a:latin typeface="華文宋體 Regular" panose="02020502040202010101" pitchFamily="18" charset="-122"/>
+                  <a:ea typeface="華文宋體 Regular" panose="02020502040202010101" pitchFamily="18" charset="-122"/>
+                </a:rPr>
+                <a:t>結局</a:t>
+              </a:r>
+            </a:p>
+          </p:txBody>
+        </p:sp>
+        <p:sp>
+          <p:nvSpPr>
+            <p:cNvPr id="10" name="文字方塊 9">
+              <a:extLst>
+                <a:ext uri="{FF2B5EF4-FFF2-40B4-BE49-F238E27FC236}">
+                  <a16:creationId xmlns:a16="http://schemas.microsoft.com/office/drawing/2014/main" id="{110C7847-D1D5-4D49-A8A6-E61951BA9429}"/>
+                </a:ext>
+              </a:extLst>
+            </p:cNvPr>
+            <p:cNvSpPr txBox="1"/>
+            <p:nvPr/>
+          </p:nvSpPr>
+          <p:spPr>
+            <a:xfrm rot="5400000">
+              <a:off x="-1137245" y="2466697"/>
+              <a:ext cx="1620000" cy="769441"/>
+            </a:xfrm>
+            <a:prstGeom prst="rect">
+              <a:avLst/>
+            </a:prstGeom>
+            <a:noFill/>
+          </p:spPr>
+          <p:txBody>
+            <a:bodyPr wrap="square" rtlCol="0">
+              <a:spAutoFit/>
+            </a:bodyPr>
+            <a:lstStyle/>
+            <a:p>
+              <a:r>
+                <a:rPr lang="zh-TW" altLang="en-US" sz="4400" dirty="0">
+                  <a:latin typeface="華文宋體 Regular" panose="02020502040202010101" pitchFamily="18" charset="-122"/>
+                  <a:ea typeface="華文宋體 Regular" panose="02020502040202010101" pitchFamily="18" charset="-122"/>
+                </a:rPr>
+                <a:t>結果</a:t>
+              </a:r>
+            </a:p>
+          </p:txBody>
+        </p:sp>
+      </p:grpSp>
+      <p:pic>
+        <p:nvPicPr>
+          <p:cNvPr id="12" name="圖片 11">
+            <a:extLst>
+              <a:ext uri="{FF2B5EF4-FFF2-40B4-BE49-F238E27FC236}">
+                <a16:creationId xmlns:a16="http://schemas.microsoft.com/office/drawing/2014/main" id="{19CDE335-FEF3-6A72-5CB6-0DC8D2514270}"/>
+              </a:ext>
+            </a:extLst>
+          </p:cNvPr>
+          <p:cNvPicPr>
+            <a:picLocks noChangeAspect="1"/>
+          </p:cNvPicPr>
+          <p:nvPr/>
+        </p:nvPicPr>
+        <p:blipFill>
+          <a:blip r:embed="rId4"/>
+          <a:stretch>
+            <a:fillRect/>
+          </a:stretch>
+        </p:blipFill>
+        <p:spPr>
+          <a:xfrm>
+            <a:off x="5334000" y="9100457"/>
+            <a:ext cx="6858000" cy="6858000"/>
+          </a:xfrm>
+          <a:prstGeom prst="rect">
+            <a:avLst/>
+          </a:prstGeom>
+        </p:spPr>
+      </p:pic>
+      <p:pic>
+        <p:nvPicPr>
+          <p:cNvPr id="13" name="圖片 12">
+            <a:extLst>
+              <a:ext uri="{FF2B5EF4-FFF2-40B4-BE49-F238E27FC236}">
+                <a16:creationId xmlns:a16="http://schemas.microsoft.com/office/drawing/2014/main" id="{6AD17ED0-D8AB-5B26-4485-8C27A389B75B}"/>
+              </a:ext>
+            </a:extLst>
+          </p:cNvPr>
+          <p:cNvPicPr>
+            <a:picLocks noChangeAspect="1"/>
+          </p:cNvPicPr>
+          <p:nvPr/>
+        </p:nvPicPr>
+        <p:blipFill>
+          <a:blip r:embed="rId5"/>
+          <a:stretch>
+            <a:fillRect/>
+          </a:stretch>
+        </p:blipFill>
+        <p:spPr>
+          <a:xfrm>
+            <a:off x="5334000" y="-9100457"/>
+            <a:ext cx="6858000" cy="6858000"/>
+          </a:xfrm>
+          <a:prstGeom prst="rect">
+            <a:avLst/>
+          </a:prstGeom>
+        </p:spPr>
+      </p:pic>
+    </p:spTree>
+    <p:extLst>
+      <p:ext uri="{BB962C8B-B14F-4D97-AF65-F5344CB8AC3E}">
+        <p14:creationId xmlns:p14="http://schemas.microsoft.com/office/powerpoint/2010/main" val="695545608"/>
+      </p:ext>
+    </p:extLst>
+  </p:cSld>
+  <p:clrMapOvr>
+    <a:masterClrMapping/>
+  </p:clrMapOvr>
+  <mc:AlternateContent xmlns:mc="http://schemas.openxmlformats.org/markup-compatibility/2006" xmlns:p159="http://schemas.microsoft.com/office/powerpoint/2015/09/main">
+    <mc:Choice Requires="p159">
+      <p:transition spd="slow">
+        <p159:morph option="byWord"/>
+      </p:transition>
+    </mc:Choice>
+    <mc:Fallback xmlns="">
+      <p:transition spd="slow">
+        <p:fade/>
+      </p:transition>
+    </mc:Fallback>
+  </mc:AlternateContent>
+</p:sld>
+</file>
+
+<file path=ppt/slides/slide7.xml><?xml version="1.0" encoding="utf-8"?>
+<p:sld xmlns:a="http://schemas.openxmlformats.org/drawingml/2006/main" xmlns:r="http://schemas.openxmlformats.org/officeDocument/2006/relationships" xmlns:p="http://schemas.openxmlformats.org/presentationml/2006/main">
+  <p:cSld>
+    <p:spTree>
+      <p:nvGrpSpPr>
+        <p:cNvPr id="1" name="">
+          <a:extLst>
+            <a:ext uri="{FF2B5EF4-FFF2-40B4-BE49-F238E27FC236}">
+              <a16:creationId xmlns:a16="http://schemas.microsoft.com/office/drawing/2014/main" id="{8D33D54B-EB3B-09F3-E5D3-0A94E6022967}"/>
+            </a:ext>
+          </a:extLst>
+        </p:cNvPr>
+        <p:cNvGrpSpPr/>
+        <p:nvPr/>
+      </p:nvGrpSpPr>
+      <p:grpSpPr>
+        <a:xfrm>
+          <a:off x="0" y="0"/>
+          <a:ext cx="0" cy="0"/>
+          <a:chOff x="0" y="0"/>
+          <a:chExt cx="0" cy="0"/>
+        </a:xfrm>
+      </p:grpSpPr>
+      <p:pic>
+        <p:nvPicPr>
+          <p:cNvPr id="3" name="圖片 2">
+            <a:extLst>
+              <a:ext uri="{FF2B5EF4-FFF2-40B4-BE49-F238E27FC236}">
+                <a16:creationId xmlns:a16="http://schemas.microsoft.com/office/drawing/2014/main" id="{A2F9F596-9CE1-6D98-DC4E-C271FB4F1232}"/>
+              </a:ext>
+            </a:extLst>
+          </p:cNvPr>
+          <p:cNvPicPr>
+            <a:picLocks noChangeAspect="1"/>
+          </p:cNvPicPr>
+          <p:nvPr/>
+        </p:nvPicPr>
+        <p:blipFill>
+          <a:blip r:embed="rId3"/>
+          <a:stretch>
+            <a:fillRect/>
+          </a:stretch>
+        </p:blipFill>
+        <p:spPr>
+          <a:xfrm>
+            <a:off x="5334000" y="0"/>
+            <a:ext cx="6858000" cy="6858000"/>
+          </a:xfrm>
+          <a:prstGeom prst="rect">
+            <a:avLst/>
+          </a:prstGeom>
+        </p:spPr>
+      </p:pic>
+      <p:grpSp>
+        <p:nvGrpSpPr>
+          <p:cNvPr id="4" name="群組 3">
+            <a:extLst>
+              <a:ext uri="{FF2B5EF4-FFF2-40B4-BE49-F238E27FC236}">
+                <a16:creationId xmlns:a16="http://schemas.microsoft.com/office/drawing/2014/main" id="{6053BEFF-9ABB-7794-0583-468F077C7D52}"/>
+              </a:ext>
+            </a:extLst>
+          </p:cNvPr>
+          <p:cNvGrpSpPr/>
+          <p:nvPr/>
+        </p:nvGrpSpPr>
+        <p:grpSpPr>
+          <a:xfrm rot="10800000">
+            <a:off x="-2960759" y="-1605604"/>
+            <a:ext cx="5267023" cy="5267022"/>
+            <a:chOff x="-2960757" y="-1605604"/>
+            <a:chExt cx="5267023" cy="5267022"/>
+          </a:xfrm>
+        </p:grpSpPr>
+        <p:sp>
+          <p:nvSpPr>
+            <p:cNvPr id="5" name="橢圓 4">
+              <a:extLst>
+                <a:ext uri="{FF2B5EF4-FFF2-40B4-BE49-F238E27FC236}">
+                  <a16:creationId xmlns:a16="http://schemas.microsoft.com/office/drawing/2014/main" id="{2453C3FF-DD52-8C24-02F3-CE8A2C692A27}"/>
+                </a:ext>
+              </a:extLst>
+            </p:cNvPr>
+            <p:cNvSpPr/>
+            <p:nvPr/>
+          </p:nvSpPr>
+          <p:spPr>
+            <a:xfrm>
+              <a:off x="-2960755" y="-1605604"/>
+              <a:ext cx="5267020" cy="5267020"/>
+            </a:xfrm>
+            <a:prstGeom prst="ellipse">
+              <a:avLst/>
+            </a:prstGeom>
+            <a:solidFill>
+              <a:srgbClr val="7881B0"/>
+            </a:solidFill>
+            <a:ln>
+              <a:noFill/>
+            </a:ln>
+          </p:spPr>
+          <p:style>
+            <a:lnRef idx="2">
+              <a:schemeClr val="accent1">
+                <a:shade val="15000"/>
+              </a:schemeClr>
+            </a:lnRef>
+            <a:fillRef idx="1">
+              <a:schemeClr val="accent1"/>
+            </a:fillRef>
+            <a:effectRef idx="0">
+              <a:schemeClr val="accent1"/>
+            </a:effectRef>
+            <a:fontRef idx="minor">
+              <a:schemeClr val="lt1"/>
+            </a:fontRef>
+          </p:style>
+          <p:txBody>
+            <a:bodyPr rtlCol="0" anchor="ctr"/>
+            <a:lstStyle/>
+            <a:p>
+              <a:pPr algn="ctr"/>
+              <a:endParaRPr lang="zh-TW" altLang="en-US" dirty="0"/>
+            </a:p>
+          </p:txBody>
+        </p:sp>
+        <p:sp>
+          <p:nvSpPr>
+            <p:cNvPr id="6" name="文字方塊 5">
+              <a:extLst>
+                <a:ext uri="{FF2B5EF4-FFF2-40B4-BE49-F238E27FC236}">
+                  <a16:creationId xmlns:a16="http://schemas.microsoft.com/office/drawing/2014/main" id="{FD4DC3D7-B92E-0511-5476-29757DE454B4}"/>
+                </a:ext>
+              </a:extLst>
+            </p:cNvPr>
+            <p:cNvSpPr txBox="1"/>
+            <p:nvPr/>
+          </p:nvSpPr>
+          <p:spPr>
+            <a:xfrm>
+              <a:off x="686266" y="643185"/>
+              <a:ext cx="1620000" cy="769441"/>
+            </a:xfrm>
+            <a:prstGeom prst="rect">
+              <a:avLst/>
+            </a:prstGeom>
+            <a:noFill/>
+          </p:spPr>
+          <p:txBody>
+            <a:bodyPr wrap="square" rtlCol="0">
+              <a:spAutoFit/>
+            </a:bodyPr>
+            <a:lstStyle/>
+            <a:p>
+              <a:r>
+                <a:rPr lang="zh-TW" altLang="en-US" sz="4400" dirty="0">
+                  <a:latin typeface="華文宋體 Regular" panose="02020502040202010101" pitchFamily="18" charset="-122"/>
+                  <a:ea typeface="華文宋體 Regular" panose="02020502040202010101" pitchFamily="18" charset="-122"/>
+                </a:rPr>
+                <a:t>意外</a:t>
+              </a:r>
+            </a:p>
+          </p:txBody>
+        </p:sp>
+        <p:sp>
+          <p:nvSpPr>
+            <p:cNvPr id="7" name="文字方塊 6">
+              <a:extLst>
+                <a:ext uri="{FF2B5EF4-FFF2-40B4-BE49-F238E27FC236}">
+                  <a16:creationId xmlns:a16="http://schemas.microsoft.com/office/drawing/2014/main" id="{5D87F5E1-6934-43EB-1434-6390B9D897B1}"/>
+                </a:ext>
+              </a:extLst>
+            </p:cNvPr>
+            <p:cNvSpPr txBox="1"/>
+            <p:nvPr/>
+          </p:nvSpPr>
+          <p:spPr>
+            <a:xfrm rot="16200000">
+              <a:off x="-1137245" y="-1180324"/>
+              <a:ext cx="1620000" cy="769441"/>
+            </a:xfrm>
+            <a:prstGeom prst="rect">
+              <a:avLst/>
+            </a:prstGeom>
+            <a:noFill/>
+          </p:spPr>
+          <p:txBody>
+            <a:bodyPr wrap="square" rtlCol="0">
+              <a:spAutoFit/>
+            </a:bodyPr>
+            <a:lstStyle/>
+            <a:p>
+              <a:r>
+                <a:rPr lang="zh-TW" altLang="en-US" sz="4400" dirty="0">
+                  <a:latin typeface="華文宋體 Regular" panose="02020502040202010101" pitchFamily="18" charset="-122"/>
+                  <a:ea typeface="華文宋體 Regular" panose="02020502040202010101" pitchFamily="18" charset="-122"/>
+                </a:rPr>
+                <a:t>轉彎</a:t>
+              </a:r>
+            </a:p>
+          </p:txBody>
+        </p:sp>
+        <p:sp>
+          <p:nvSpPr>
+            <p:cNvPr id="8" name="文字方塊 7">
+              <a:extLst>
+                <a:ext uri="{FF2B5EF4-FFF2-40B4-BE49-F238E27FC236}">
+                  <a16:creationId xmlns:a16="http://schemas.microsoft.com/office/drawing/2014/main" id="{20F43213-3DD2-0FAB-72C7-21438F58D1B4}"/>
+                </a:ext>
+              </a:extLst>
+            </p:cNvPr>
+            <p:cNvSpPr txBox="1"/>
+            <p:nvPr/>
+          </p:nvSpPr>
+          <p:spPr>
+            <a:xfrm rot="10800000">
+              <a:off x="-2960757" y="643184"/>
+              <a:ext cx="1620000" cy="769441"/>
+            </a:xfrm>
+            <a:prstGeom prst="rect">
+              <a:avLst/>
+            </a:prstGeom>
+            <a:noFill/>
+          </p:spPr>
+          <p:txBody>
+            <a:bodyPr wrap="square" rtlCol="0">
+              <a:spAutoFit/>
+            </a:bodyPr>
+            <a:lstStyle/>
+            <a:p>
+              <a:r>
+                <a:rPr lang="zh-TW" altLang="en-US" sz="4400" dirty="0">
+                  <a:latin typeface="華文宋體 Regular" panose="02020502040202010101" pitchFamily="18" charset="-122"/>
+                  <a:ea typeface="華文宋體 Regular" panose="02020502040202010101" pitchFamily="18" charset="-122"/>
+                </a:rPr>
+                <a:t>結局</a:t>
+              </a:r>
+            </a:p>
+          </p:txBody>
+        </p:sp>
+        <p:sp>
+          <p:nvSpPr>
+            <p:cNvPr id="9" name="文字方塊 8">
+              <a:extLst>
+                <a:ext uri="{FF2B5EF4-FFF2-40B4-BE49-F238E27FC236}">
+                  <a16:creationId xmlns:a16="http://schemas.microsoft.com/office/drawing/2014/main" id="{81686A1B-4BEE-58C5-DF11-506EC9333BBD}"/>
+                </a:ext>
+              </a:extLst>
+            </p:cNvPr>
+            <p:cNvSpPr txBox="1"/>
+            <p:nvPr/>
+          </p:nvSpPr>
+          <p:spPr>
+            <a:xfrm rot="5400000">
+              <a:off x="-1137245" y="2466697"/>
+              <a:ext cx="1620000" cy="769441"/>
+            </a:xfrm>
+            <a:prstGeom prst="rect">
+              <a:avLst/>
+            </a:prstGeom>
+            <a:noFill/>
+          </p:spPr>
+          <p:txBody>
+            <a:bodyPr wrap="square" rtlCol="0">
+              <a:spAutoFit/>
+            </a:bodyPr>
+            <a:lstStyle/>
+            <a:p>
+              <a:r>
+                <a:rPr lang="zh-TW" altLang="en-US" sz="4400" dirty="0">
+                  <a:latin typeface="華文宋體 Regular" panose="02020502040202010101" pitchFamily="18" charset="-122"/>
+                  <a:ea typeface="華文宋體 Regular" panose="02020502040202010101" pitchFamily="18" charset="-122"/>
+                </a:rPr>
+                <a:t>結果</a:t>
+              </a:r>
+            </a:p>
+          </p:txBody>
+        </p:sp>
+      </p:grpSp>
+      <p:pic>
+        <p:nvPicPr>
+          <p:cNvPr id="10" name="圖片 9">
+            <a:extLst>
+              <a:ext uri="{FF2B5EF4-FFF2-40B4-BE49-F238E27FC236}">
+                <a16:creationId xmlns:a16="http://schemas.microsoft.com/office/drawing/2014/main" id="{F2A07014-0F6E-1E3D-8966-9065256F3375}"/>
+              </a:ext>
+            </a:extLst>
+          </p:cNvPr>
+          <p:cNvPicPr>
+            <a:picLocks noChangeAspect="1"/>
+          </p:cNvPicPr>
+          <p:nvPr/>
+        </p:nvPicPr>
+        <p:blipFill>
+          <a:blip r:embed="rId4"/>
+          <a:srcRect l="10169" r="11676" b="21846"/>
+          <a:stretch/>
+        </p:blipFill>
+        <p:spPr>
+          <a:xfrm>
+            <a:off x="5334000" y="8904515"/>
+            <a:ext cx="6858000" cy="6858000"/>
+          </a:xfrm>
+          <a:prstGeom prst="rect">
+            <a:avLst/>
+          </a:prstGeom>
+        </p:spPr>
+      </p:pic>
+    </p:spTree>
+    <p:extLst>
+      <p:ext uri="{BB962C8B-B14F-4D97-AF65-F5344CB8AC3E}">
+        <p14:creationId xmlns:p14="http://schemas.microsoft.com/office/powerpoint/2010/main" val="3632766411"/>
+      </p:ext>
+    </p:extLst>
+  </p:cSld>
+  <p:clrMapOvr>
+    <a:masterClrMapping/>
+  </p:clrMapOvr>
+  <mc:AlternateContent xmlns:mc="http://schemas.openxmlformats.org/markup-compatibility/2006" xmlns:p159="http://schemas.microsoft.com/office/powerpoint/2015/09/main">
+    <mc:Choice Requires="p159">
+      <p:transition spd="slow">
+        <p159:morph option="byWord"/>
+      </p:transition>
+    </mc:Choice>
+    <mc:Fallback xmlns="">
+      <p:transition spd="slow">
+        <p:fade/>
+      </p:transition>
+    </mc:Fallback>
+  </mc:AlternateContent>
+</p:sld>
+</file>
+
+<file path=ppt/slides/slide8.xml><?xml version="1.0" encoding="utf-8"?>
+<p:sld xmlns:a="http://schemas.openxmlformats.org/drawingml/2006/main" xmlns:r="http://schemas.openxmlformats.org/officeDocument/2006/relationships" xmlns:p="http://schemas.openxmlformats.org/presentationml/2006/main">
+  <p:cSld>
+    <p:spTree>
+      <p:nvGrpSpPr>
+        <p:cNvPr id="1" name=""/>
+        <p:cNvGrpSpPr/>
+        <p:nvPr/>
+      </p:nvGrpSpPr>
+      <p:grpSpPr>
+        <a:xfrm>
+          <a:off x="0" y="0"/>
+          <a:ext cx="0" cy="0"/>
+          <a:chOff x="0" y="0"/>
+          <a:chExt cx="0" cy="0"/>
+        </a:xfrm>
+      </p:grpSpPr>
+      <p:graphicFrame>
+        <p:nvGraphicFramePr>
+          <p:cNvPr id="2" name="表格 1">
+            <a:extLst>
+              <a:ext uri="{FF2B5EF4-FFF2-40B4-BE49-F238E27FC236}">
+                <a16:creationId xmlns:a16="http://schemas.microsoft.com/office/drawing/2014/main" id="{0272D1A9-4A33-E3D5-0BD0-079D0B313888}"/>
+              </a:ext>
+            </a:extLst>
+          </p:cNvPr>
+          <p:cNvGraphicFramePr>
+            <a:graphicFrameLocks noGrp="1"/>
+          </p:cNvGraphicFramePr>
+          <p:nvPr>
+            <p:extLst>
+              <p:ext uri="{D42A27DB-BD31-4B8C-83A1-F6EECF244321}">
+                <p14:modId xmlns:p14="http://schemas.microsoft.com/office/powerpoint/2010/main" val="3684144202"/>
+              </p:ext>
+            </p:extLst>
+          </p:nvPr>
+        </p:nvGraphicFramePr>
+        <p:xfrm>
+          <a:off x="1416000" y="343240"/>
+          <a:ext cx="9360000" cy="6120000"/>
+        </p:xfrm>
+        <a:graphic>
+          <a:graphicData uri="http://schemas.openxmlformats.org/drawingml/2006/table">
+            <a:tbl>
+              <a:tblPr firstRow="1" firstCol="1" bandRow="1">
+                <a:tableStyleId>{5C22544A-7EE6-4342-B048-85BDC9FD1C3A}</a:tableStyleId>
+              </a:tblPr>
+              <a:tblGrid>
+                <a:gridCol w="1273799">
+                  <a:extLst>
+                    <a:ext uri="{9D8B030D-6E8A-4147-A177-3AD203B41FA5}">
+                      <a16:colId xmlns:a16="http://schemas.microsoft.com/office/drawing/2014/main" val="171065394"/>
+                    </a:ext>
+                  </a:extLst>
+                </a:gridCol>
+                <a:gridCol w="8086201">
+                  <a:extLst>
+                    <a:ext uri="{9D8B030D-6E8A-4147-A177-3AD203B41FA5}">
+                      <a16:colId xmlns:a16="http://schemas.microsoft.com/office/drawing/2014/main" val="969667284"/>
+                    </a:ext>
+                  </a:extLst>
+                </a:gridCol>
+              </a:tblGrid>
+              <a:tr h="1020000">
+                <a:tc>
+                  <a:txBody>
+                    <a:bodyPr/>
+                    <a:lstStyle/>
+                    <a:p>
+                      <a:r>
+                        <a:rPr lang="zh-TW" sz="2400" kern="100" dirty="0">
+                          <a:solidFill>
+                            <a:schemeClr val="tx1"/>
+                          </a:solidFill>
+                          <a:effectLst/>
+                          <a:latin typeface="華文宋體 Regular" panose="02020502040202010101" pitchFamily="18" charset="-122"/>
+                          <a:ea typeface="華文宋體 Regular" panose="02020502040202010101" pitchFamily="18" charset="-122"/>
+                        </a:rPr>
+                        <a:t>目標</a:t>
+                      </a:r>
+                      <a:endParaRPr lang="zh-TW" sz="2400" kern="100" dirty="0">
+                        <a:solidFill>
+                          <a:schemeClr val="tx1"/>
+                        </a:solidFill>
+                        <a:effectLst/>
+                        <a:latin typeface="華文宋體 Regular" panose="02020502040202010101" pitchFamily="18" charset="-122"/>
+                        <a:ea typeface="華文宋體 Regular" panose="02020502040202010101" pitchFamily="18" charset="-122"/>
+                        <a:cs typeface="Times New Roman" panose="02020603050405020304" pitchFamily="18" charset="0"/>
+                      </a:endParaRPr>
+                    </a:p>
+                  </a:txBody>
+                  <a:tcPr marL="68580" marR="68580" marT="0" marB="0">
+                    <a:lnL w="12700" cap="flat" cmpd="sng" algn="ctr">
+                      <a:solidFill>
+                        <a:schemeClr val="tx1"/>
+                      </a:solidFill>
+                      <a:prstDash val="solid"/>
+                      <a:round/>
+                      <a:headEnd type="none" w="med" len="med"/>
+                      <a:tailEnd type="none" w="med" len="med"/>
+                    </a:lnL>
+                    <a:lnR w="12700" cap="flat" cmpd="sng" algn="ctr">
+                      <a:solidFill>
+                        <a:schemeClr val="tx1"/>
+                      </a:solidFill>
+                      <a:prstDash val="solid"/>
+                      <a:round/>
+                      <a:headEnd type="none" w="med" len="med"/>
+                      <a:tailEnd type="none" w="med" len="med"/>
+                    </a:lnR>
+                    <a:lnT w="12700" cap="flat" cmpd="sng" algn="ctr">
+                      <a:solidFill>
+                        <a:schemeClr val="tx1"/>
+                      </a:solidFill>
+                      <a:prstDash val="solid"/>
+                      <a:round/>
+                      <a:headEnd type="none" w="med" len="med"/>
+                      <a:tailEnd type="none" w="med" len="med"/>
+                    </a:lnT>
+                    <a:lnB w="12700" cap="flat" cmpd="sng" algn="ctr">
+                      <a:solidFill>
+                        <a:schemeClr val="tx1"/>
+                      </a:solidFill>
+                      <a:prstDash val="solid"/>
+                      <a:round/>
+                      <a:headEnd type="none" w="med" len="med"/>
+                      <a:tailEnd type="none" w="med" len="med"/>
+                    </a:lnB>
+                    <a:noFill/>
+                  </a:tcPr>
+                </a:tc>
+                <a:tc>
+                  <a:txBody>
+                    <a:bodyPr/>
+                    <a:lstStyle/>
+                    <a:p>
+                      <a:r>
+                        <a:rPr lang="en-US" sz="2400" b="0" kern="100" dirty="0">
+                          <a:solidFill>
+                            <a:schemeClr val="tx1"/>
+                          </a:solidFill>
+                          <a:effectLst/>
+                          <a:latin typeface="華文宋體 Regular" panose="02020502040202010101" pitchFamily="18" charset="-122"/>
+                          <a:ea typeface="華文宋體 Regular" panose="02020502040202010101" pitchFamily="18" charset="-122"/>
+                        </a:rPr>
+                        <a:t>Vivi</a:t>
+                      </a:r>
+                      <a:r>
+                        <a:rPr lang="zh-TW" sz="2400" b="0" kern="100" dirty="0">
+                          <a:solidFill>
+                            <a:schemeClr val="tx1"/>
+                          </a:solidFill>
+                          <a:effectLst/>
+                          <a:latin typeface="華文宋體 Regular" panose="02020502040202010101" pitchFamily="18" charset="-122"/>
+                          <a:ea typeface="華文宋體 Regular" panose="02020502040202010101" pitchFamily="18" charset="-122"/>
+                        </a:rPr>
+                        <a:t>在集合地點找到自己的等候區，裡頭有好多管子。他正在等工作人員出現</a:t>
+                      </a:r>
+                      <a:endParaRPr lang="zh-TW" sz="2400" b="0" kern="100" dirty="0">
+                        <a:solidFill>
+                          <a:schemeClr val="tx1"/>
+                        </a:solidFill>
+                        <a:effectLst/>
+                        <a:latin typeface="華文宋體 Regular" panose="02020502040202010101" pitchFamily="18" charset="-122"/>
+                        <a:ea typeface="華文宋體 Regular" panose="02020502040202010101" pitchFamily="18" charset="-122"/>
+                        <a:cs typeface="Times New Roman" panose="02020603050405020304" pitchFamily="18" charset="0"/>
+                      </a:endParaRPr>
+                    </a:p>
+                  </a:txBody>
+                  <a:tcPr marL="68580" marR="68580" marT="0" marB="0">
+                    <a:lnL w="12700" cap="flat" cmpd="sng" algn="ctr">
+                      <a:solidFill>
+                        <a:schemeClr val="tx1"/>
+                      </a:solidFill>
+                      <a:prstDash val="solid"/>
+                      <a:round/>
+                      <a:headEnd type="none" w="med" len="med"/>
+                      <a:tailEnd type="none" w="med" len="med"/>
+                    </a:lnL>
+                    <a:lnR w="12700" cap="flat" cmpd="sng" algn="ctr">
+                      <a:solidFill>
+                        <a:schemeClr val="tx1"/>
+                      </a:solidFill>
+                      <a:prstDash val="solid"/>
+                      <a:round/>
+                      <a:headEnd type="none" w="med" len="med"/>
+                      <a:tailEnd type="none" w="med" len="med"/>
+                    </a:lnR>
+                    <a:lnT w="12700" cap="flat" cmpd="sng" algn="ctr">
+                      <a:solidFill>
+                        <a:schemeClr val="tx1"/>
+                      </a:solidFill>
+                      <a:prstDash val="solid"/>
+                      <a:round/>
+                      <a:headEnd type="none" w="med" len="med"/>
+                      <a:tailEnd type="none" w="med" len="med"/>
+                    </a:lnT>
+                    <a:lnB w="12700" cap="flat" cmpd="sng" algn="ctr">
+                      <a:solidFill>
+                        <a:schemeClr val="tx1"/>
+                      </a:solidFill>
+                      <a:prstDash val="solid"/>
+                      <a:round/>
+                      <a:headEnd type="none" w="med" len="med"/>
+                      <a:tailEnd type="none" w="med" len="med"/>
+                    </a:lnB>
+                    <a:noFill/>
+                  </a:tcPr>
+                </a:tc>
+                <a:extLst>
+                  <a:ext uri="{0D108BD9-81ED-4DB2-BD59-A6C34878D82A}">
+                    <a16:rowId xmlns:a16="http://schemas.microsoft.com/office/drawing/2014/main" val="3956047889"/>
+                  </a:ext>
+                </a:extLst>
+              </a:tr>
+              <a:tr h="680000">
+                <a:tc>
+                  <a:txBody>
+                    <a:bodyPr/>
+                    <a:lstStyle/>
+                    <a:p>
+                      <a:r>
+                        <a:rPr lang="zh-TW" sz="2400" kern="100">
+                          <a:solidFill>
+                            <a:schemeClr val="tx1"/>
+                          </a:solidFill>
+                          <a:effectLst/>
+                          <a:latin typeface="華文宋體 Regular" panose="02020502040202010101" pitchFamily="18" charset="-122"/>
+                          <a:ea typeface="華文宋體 Regular" panose="02020502040202010101" pitchFamily="18" charset="-122"/>
+                        </a:rPr>
+                        <a:t>阻礙</a:t>
+                      </a:r>
+                      <a:endParaRPr lang="zh-TW" sz="2400" kern="100">
+                        <a:solidFill>
+                          <a:schemeClr val="tx1"/>
+                        </a:solidFill>
+                        <a:effectLst/>
+                        <a:latin typeface="華文宋體 Regular" panose="02020502040202010101" pitchFamily="18" charset="-122"/>
+                        <a:ea typeface="華文宋體 Regular" panose="02020502040202010101" pitchFamily="18" charset="-122"/>
+                        <a:cs typeface="Times New Roman" panose="02020603050405020304" pitchFamily="18" charset="0"/>
+                      </a:endParaRPr>
+                    </a:p>
+                  </a:txBody>
+                  <a:tcPr marL="68580" marR="68580" marT="0" marB="0">
+                    <a:lnL w="12700" cap="flat" cmpd="sng" algn="ctr">
+                      <a:solidFill>
+                        <a:schemeClr val="tx1"/>
+                      </a:solidFill>
+                      <a:prstDash val="solid"/>
+                      <a:round/>
+                      <a:headEnd type="none" w="med" len="med"/>
+                      <a:tailEnd type="none" w="med" len="med"/>
+                    </a:lnL>
+                    <a:lnR w="12700" cap="flat" cmpd="sng" algn="ctr">
+                      <a:solidFill>
+                        <a:schemeClr val="tx1"/>
+                      </a:solidFill>
+                      <a:prstDash val="solid"/>
+                      <a:round/>
+                      <a:headEnd type="none" w="med" len="med"/>
+                      <a:tailEnd type="none" w="med" len="med"/>
+                    </a:lnR>
+                    <a:lnT w="12700" cap="flat" cmpd="sng" algn="ctr">
+                      <a:solidFill>
+                        <a:schemeClr val="tx1"/>
+                      </a:solidFill>
+                      <a:prstDash val="solid"/>
+                      <a:round/>
+                      <a:headEnd type="none" w="med" len="med"/>
+                      <a:tailEnd type="none" w="med" len="med"/>
+                    </a:lnT>
+                    <a:lnB w="12700" cap="flat" cmpd="sng" algn="ctr">
+                      <a:solidFill>
+                        <a:schemeClr val="tx1"/>
+                      </a:solidFill>
+                      <a:prstDash val="solid"/>
+                      <a:round/>
+                      <a:headEnd type="none" w="med" len="med"/>
+                      <a:tailEnd type="none" w="med" len="med"/>
+                    </a:lnB>
+                    <a:noFill/>
+                  </a:tcPr>
+                </a:tc>
+                <a:tc>
+                  <a:txBody>
+                    <a:bodyPr/>
+                    <a:lstStyle/>
+                    <a:p>
+                      <a:r>
+                        <a:rPr lang="en-US" sz="2400" kern="100" dirty="0">
+                          <a:solidFill>
+                            <a:schemeClr val="tx1"/>
+                          </a:solidFill>
+                          <a:effectLst/>
+                          <a:latin typeface="華文宋體 Regular" panose="02020502040202010101" pitchFamily="18" charset="-122"/>
+                          <a:ea typeface="華文宋體 Regular" panose="02020502040202010101" pitchFamily="18" charset="-122"/>
+                        </a:rPr>
+                        <a:t>Vivi</a:t>
+                      </a:r>
+                      <a:r>
+                        <a:rPr lang="zh-TW" sz="2400" kern="100" dirty="0">
+                          <a:solidFill>
+                            <a:schemeClr val="tx1"/>
+                          </a:solidFill>
+                          <a:effectLst/>
+                          <a:latin typeface="華文宋體 Regular" panose="02020502040202010101" pitchFamily="18" charset="-122"/>
+                          <a:ea typeface="華文宋體 Regular" panose="02020502040202010101" pitchFamily="18" charset="-122"/>
+                        </a:rPr>
+                        <a:t>覺得很無聊</a:t>
+                      </a:r>
+                      <a:endParaRPr lang="zh-TW" sz="2400" kern="100" dirty="0">
+                        <a:solidFill>
+                          <a:schemeClr val="tx1"/>
+                        </a:solidFill>
+                        <a:effectLst/>
+                        <a:latin typeface="華文宋體 Regular" panose="02020502040202010101" pitchFamily="18" charset="-122"/>
+                        <a:ea typeface="華文宋體 Regular" panose="02020502040202010101" pitchFamily="18" charset="-122"/>
+                        <a:cs typeface="Times New Roman" panose="02020603050405020304" pitchFamily="18" charset="0"/>
+                      </a:endParaRPr>
+                    </a:p>
+                  </a:txBody>
+                  <a:tcPr marL="68580" marR="68580" marT="0" marB="0">
+                    <a:lnL w="12700" cap="flat" cmpd="sng" algn="ctr">
+                      <a:solidFill>
+                        <a:schemeClr val="tx1"/>
+                      </a:solidFill>
+                      <a:prstDash val="solid"/>
+                      <a:round/>
+                      <a:headEnd type="none" w="med" len="med"/>
+                      <a:tailEnd type="none" w="med" len="med"/>
+                    </a:lnL>
+                    <a:lnR w="12700" cap="flat" cmpd="sng" algn="ctr">
+                      <a:solidFill>
+                        <a:schemeClr val="tx1"/>
+                      </a:solidFill>
+                      <a:prstDash val="solid"/>
+                      <a:round/>
+                      <a:headEnd type="none" w="med" len="med"/>
+                      <a:tailEnd type="none" w="med" len="med"/>
+                    </a:lnR>
+                    <a:lnT w="12700" cap="flat" cmpd="sng" algn="ctr">
+                      <a:solidFill>
+                        <a:schemeClr val="tx1"/>
+                      </a:solidFill>
+                      <a:prstDash val="solid"/>
+                      <a:round/>
+                      <a:headEnd type="none" w="med" len="med"/>
+                      <a:tailEnd type="none" w="med" len="med"/>
+                    </a:lnT>
+                    <a:lnB w="12700" cap="flat" cmpd="sng" algn="ctr">
+                      <a:solidFill>
+                        <a:schemeClr val="tx1"/>
+                      </a:solidFill>
+                      <a:prstDash val="solid"/>
+                      <a:round/>
+                      <a:headEnd type="none" w="med" len="med"/>
+                      <a:tailEnd type="none" w="med" len="med"/>
+                    </a:lnB>
+                    <a:noFill/>
+                  </a:tcPr>
+                </a:tc>
+                <a:extLst>
+                  <a:ext uri="{0D108BD9-81ED-4DB2-BD59-A6C34878D82A}">
+                    <a16:rowId xmlns:a16="http://schemas.microsoft.com/office/drawing/2014/main" val="4218051846"/>
+                  </a:ext>
+                </a:extLst>
+              </a:tr>
+              <a:tr h="680000">
+                <a:tc>
+                  <a:txBody>
+                    <a:bodyPr/>
+                    <a:lstStyle/>
+                    <a:p>
+                      <a:r>
+                        <a:rPr lang="zh-TW" sz="2400" kern="100">
+                          <a:solidFill>
+                            <a:schemeClr val="tx1"/>
+                          </a:solidFill>
+                          <a:effectLst/>
+                          <a:latin typeface="華文宋體 Regular" panose="02020502040202010101" pitchFamily="18" charset="-122"/>
+                          <a:ea typeface="華文宋體 Regular" panose="02020502040202010101" pitchFamily="18" charset="-122"/>
+                        </a:rPr>
+                        <a:t>努力</a:t>
+                      </a:r>
+                      <a:endParaRPr lang="zh-TW" sz="2400" kern="100">
+                        <a:solidFill>
+                          <a:schemeClr val="tx1"/>
+                        </a:solidFill>
+                        <a:effectLst/>
+                        <a:latin typeface="華文宋體 Regular" panose="02020502040202010101" pitchFamily="18" charset="-122"/>
+                        <a:ea typeface="華文宋體 Regular" panose="02020502040202010101" pitchFamily="18" charset="-122"/>
+                        <a:cs typeface="Times New Roman" panose="02020603050405020304" pitchFamily="18" charset="0"/>
+                      </a:endParaRPr>
+                    </a:p>
+                  </a:txBody>
+                  <a:tcPr marL="68580" marR="68580" marT="0" marB="0">
+                    <a:lnL w="12700" cap="flat" cmpd="sng" algn="ctr">
+                      <a:solidFill>
+                        <a:schemeClr val="tx1"/>
+                      </a:solidFill>
+                      <a:prstDash val="solid"/>
+                      <a:round/>
+                      <a:headEnd type="none" w="med" len="med"/>
+                      <a:tailEnd type="none" w="med" len="med"/>
+                    </a:lnL>
+                    <a:lnR w="12700" cap="flat" cmpd="sng" algn="ctr">
+                      <a:solidFill>
+                        <a:schemeClr val="tx1"/>
+                      </a:solidFill>
+                      <a:prstDash val="solid"/>
+                      <a:round/>
+                      <a:headEnd type="none" w="med" len="med"/>
+                      <a:tailEnd type="none" w="med" len="med"/>
+                    </a:lnR>
+                    <a:lnT w="12700" cap="flat" cmpd="sng" algn="ctr">
+                      <a:solidFill>
+                        <a:schemeClr val="tx1"/>
+                      </a:solidFill>
+                      <a:prstDash val="solid"/>
+                      <a:round/>
+                      <a:headEnd type="none" w="med" len="med"/>
+                      <a:tailEnd type="none" w="med" len="med"/>
+                    </a:lnT>
+                    <a:lnB w="12700" cap="flat" cmpd="sng" algn="ctr">
+                      <a:solidFill>
+                        <a:schemeClr val="tx1"/>
+                      </a:solidFill>
+                      <a:prstDash val="solid"/>
+                      <a:round/>
+                      <a:headEnd type="none" w="med" len="med"/>
+                      <a:tailEnd type="none" w="med" len="med"/>
+                    </a:lnB>
+                    <a:noFill/>
+                  </a:tcPr>
+                </a:tc>
+                <a:tc>
+                  <a:txBody>
+                    <a:bodyPr/>
+                    <a:lstStyle/>
+                    <a:p>
+                      <a:r>
+                        <a:rPr lang="en-US" sz="2400" kern="100" dirty="0">
+                          <a:solidFill>
+                            <a:schemeClr val="tx1"/>
+                          </a:solidFill>
+                          <a:effectLst/>
+                          <a:latin typeface="華文宋體 Regular" panose="02020502040202010101" pitchFamily="18" charset="-122"/>
+                          <a:ea typeface="華文宋體 Regular" panose="02020502040202010101" pitchFamily="18" charset="-122"/>
+                        </a:rPr>
+                        <a:t>Vivi</a:t>
+                      </a:r>
+                      <a:r>
+                        <a:rPr lang="zh-TW" sz="2400" kern="100" dirty="0">
+                          <a:solidFill>
+                            <a:schemeClr val="tx1"/>
+                          </a:solidFill>
+                          <a:effectLst/>
+                          <a:latin typeface="華文宋體 Regular" panose="02020502040202010101" pitchFamily="18" charset="-122"/>
+                          <a:ea typeface="華文宋體 Regular" panose="02020502040202010101" pitchFamily="18" charset="-122"/>
+                        </a:rPr>
+                        <a:t>跳舞打發時間</a:t>
+                      </a:r>
+                      <a:endParaRPr lang="zh-TW" sz="2400" kern="100" dirty="0">
+                        <a:solidFill>
+                          <a:schemeClr val="tx1"/>
+                        </a:solidFill>
+                        <a:effectLst/>
+                        <a:latin typeface="華文宋體 Regular" panose="02020502040202010101" pitchFamily="18" charset="-122"/>
+                        <a:ea typeface="華文宋體 Regular" panose="02020502040202010101" pitchFamily="18" charset="-122"/>
+                        <a:cs typeface="Times New Roman" panose="02020603050405020304" pitchFamily="18" charset="0"/>
+                      </a:endParaRPr>
+                    </a:p>
+                  </a:txBody>
+                  <a:tcPr marL="68580" marR="68580" marT="0" marB="0">
+                    <a:lnL w="12700" cap="flat" cmpd="sng" algn="ctr">
+                      <a:solidFill>
+                        <a:schemeClr val="tx1"/>
+                      </a:solidFill>
+                      <a:prstDash val="solid"/>
+                      <a:round/>
+                      <a:headEnd type="none" w="med" len="med"/>
+                      <a:tailEnd type="none" w="med" len="med"/>
+                    </a:lnL>
+                    <a:lnR w="12700" cap="flat" cmpd="sng" algn="ctr">
+                      <a:solidFill>
+                        <a:schemeClr val="tx1"/>
+                      </a:solidFill>
+                      <a:prstDash val="solid"/>
+                      <a:round/>
+                      <a:headEnd type="none" w="med" len="med"/>
+                      <a:tailEnd type="none" w="med" len="med"/>
+                    </a:lnR>
+                    <a:lnT w="12700" cap="flat" cmpd="sng" algn="ctr">
+                      <a:solidFill>
+                        <a:schemeClr val="tx1"/>
+                      </a:solidFill>
+                      <a:prstDash val="solid"/>
+                      <a:round/>
+                      <a:headEnd type="none" w="med" len="med"/>
+                      <a:tailEnd type="none" w="med" len="med"/>
+                    </a:lnT>
+                    <a:lnB w="12700" cap="flat" cmpd="sng" algn="ctr">
+                      <a:solidFill>
+                        <a:schemeClr val="tx1"/>
+                      </a:solidFill>
+                      <a:prstDash val="solid"/>
+                      <a:round/>
+                      <a:headEnd type="none" w="med" len="med"/>
+                      <a:tailEnd type="none" w="med" len="med"/>
+                    </a:lnB>
+                    <a:noFill/>
+                  </a:tcPr>
+                </a:tc>
+                <a:extLst>
+                  <a:ext uri="{0D108BD9-81ED-4DB2-BD59-A6C34878D82A}">
+                    <a16:rowId xmlns:a16="http://schemas.microsoft.com/office/drawing/2014/main" val="598610140"/>
+                  </a:ext>
+                </a:extLst>
+              </a:tr>
+              <a:tr h="680000">
+                <a:tc>
+                  <a:txBody>
+                    <a:bodyPr/>
+                    <a:lstStyle/>
+                    <a:p>
+                      <a:r>
+                        <a:rPr lang="zh-TW" sz="2400" kern="100">
+                          <a:solidFill>
+                            <a:schemeClr val="tx1"/>
+                          </a:solidFill>
+                          <a:effectLst/>
+                          <a:latin typeface="華文宋體 Regular" panose="02020502040202010101" pitchFamily="18" charset="-122"/>
+                          <a:ea typeface="華文宋體 Regular" panose="02020502040202010101" pitchFamily="18" charset="-122"/>
+                        </a:rPr>
+                        <a:t>結果</a:t>
+                      </a:r>
+                      <a:endParaRPr lang="zh-TW" sz="2400" kern="100">
+                        <a:solidFill>
+                          <a:schemeClr val="tx1"/>
+                        </a:solidFill>
+                        <a:effectLst/>
+                        <a:latin typeface="華文宋體 Regular" panose="02020502040202010101" pitchFamily="18" charset="-122"/>
+                        <a:ea typeface="華文宋體 Regular" panose="02020502040202010101" pitchFamily="18" charset="-122"/>
+                        <a:cs typeface="Times New Roman" panose="02020603050405020304" pitchFamily="18" charset="0"/>
+                      </a:endParaRPr>
+                    </a:p>
+                  </a:txBody>
+                  <a:tcPr marL="68580" marR="68580" marT="0" marB="0">
+                    <a:lnL w="12700" cap="flat" cmpd="sng" algn="ctr">
+                      <a:solidFill>
+                        <a:schemeClr val="tx1"/>
+                      </a:solidFill>
+                      <a:prstDash val="solid"/>
+                      <a:round/>
+                      <a:headEnd type="none" w="med" len="med"/>
+                      <a:tailEnd type="none" w="med" len="med"/>
+                    </a:lnL>
+                    <a:lnR w="12700" cap="flat" cmpd="sng" algn="ctr">
+                      <a:solidFill>
+                        <a:schemeClr val="tx1"/>
+                      </a:solidFill>
+                      <a:prstDash val="solid"/>
+                      <a:round/>
+                      <a:headEnd type="none" w="med" len="med"/>
+                      <a:tailEnd type="none" w="med" len="med"/>
+                    </a:lnR>
+                    <a:lnT w="12700" cap="flat" cmpd="sng" algn="ctr">
+                      <a:solidFill>
+                        <a:schemeClr val="tx1"/>
+                      </a:solidFill>
+                      <a:prstDash val="solid"/>
+                      <a:round/>
+                      <a:headEnd type="none" w="med" len="med"/>
+                      <a:tailEnd type="none" w="med" len="med"/>
+                    </a:lnT>
+                    <a:lnB w="12700" cap="flat" cmpd="sng" algn="ctr">
+                      <a:solidFill>
+                        <a:schemeClr val="tx1"/>
+                      </a:solidFill>
+                      <a:prstDash val="solid"/>
+                      <a:round/>
+                      <a:headEnd type="none" w="med" len="med"/>
+                      <a:tailEnd type="none" w="med" len="med"/>
+                    </a:lnB>
+                    <a:noFill/>
+                  </a:tcPr>
+                </a:tc>
+                <a:tc>
+                  <a:txBody>
+                    <a:bodyPr/>
+                    <a:lstStyle/>
+                    <a:p>
+                      <a:r>
+                        <a:rPr lang="zh-TW" sz="2400" kern="100" dirty="0">
+                          <a:solidFill>
+                            <a:schemeClr val="tx1"/>
+                          </a:solidFill>
+                          <a:effectLst/>
+                          <a:latin typeface="華文宋體 Regular" panose="02020502040202010101" pitchFamily="18" charset="-122"/>
+                          <a:ea typeface="華文宋體 Regular" panose="02020502040202010101" pitchFamily="18" charset="-122"/>
+                        </a:rPr>
+                        <a:t>當他跳舞時，現場所有物品開始移動，</a:t>
+                      </a:r>
+                      <a:r>
+                        <a:rPr lang="en-US" sz="2400" kern="100" dirty="0">
+                          <a:solidFill>
+                            <a:schemeClr val="tx1"/>
+                          </a:solidFill>
+                          <a:effectLst/>
+                          <a:latin typeface="華文宋體 Regular" panose="02020502040202010101" pitchFamily="18" charset="-122"/>
+                          <a:ea typeface="華文宋體 Regular" panose="02020502040202010101" pitchFamily="18" charset="-122"/>
+                        </a:rPr>
+                        <a:t>Vivi</a:t>
+                      </a:r>
+                      <a:r>
+                        <a:rPr lang="zh-TW" sz="2400" kern="100" dirty="0">
+                          <a:solidFill>
+                            <a:schemeClr val="tx1"/>
+                          </a:solidFill>
+                          <a:effectLst/>
+                          <a:latin typeface="華文宋體 Regular" panose="02020502040202010101" pitchFamily="18" charset="-122"/>
+                          <a:ea typeface="華文宋體 Regular" panose="02020502040202010101" pitchFamily="18" charset="-122"/>
+                        </a:rPr>
+                        <a:t>覺得頭很暈</a:t>
+                      </a:r>
+                      <a:endParaRPr lang="zh-TW" sz="2400" kern="100" dirty="0">
+                        <a:solidFill>
+                          <a:schemeClr val="tx1"/>
+                        </a:solidFill>
+                        <a:effectLst/>
+                        <a:latin typeface="華文宋體 Regular" panose="02020502040202010101" pitchFamily="18" charset="-122"/>
+                        <a:ea typeface="華文宋體 Regular" panose="02020502040202010101" pitchFamily="18" charset="-122"/>
+                        <a:cs typeface="Times New Roman" panose="02020603050405020304" pitchFamily="18" charset="0"/>
+                      </a:endParaRPr>
+                    </a:p>
+                  </a:txBody>
+                  <a:tcPr marL="68580" marR="68580" marT="0" marB="0">
+                    <a:lnL w="12700" cap="flat" cmpd="sng" algn="ctr">
+                      <a:solidFill>
+                        <a:schemeClr val="tx1"/>
+                      </a:solidFill>
+                      <a:prstDash val="solid"/>
+                      <a:round/>
+                      <a:headEnd type="none" w="med" len="med"/>
+                      <a:tailEnd type="none" w="med" len="med"/>
+                    </a:lnL>
+                    <a:lnR w="12700" cap="flat" cmpd="sng" algn="ctr">
+                      <a:solidFill>
+                        <a:schemeClr val="tx1"/>
+                      </a:solidFill>
+                      <a:prstDash val="solid"/>
+                      <a:round/>
+                      <a:headEnd type="none" w="med" len="med"/>
+                      <a:tailEnd type="none" w="med" len="med"/>
+                    </a:lnR>
+                    <a:lnT w="12700" cap="flat" cmpd="sng" algn="ctr">
+                      <a:solidFill>
+                        <a:schemeClr val="tx1"/>
+                      </a:solidFill>
+                      <a:prstDash val="solid"/>
+                      <a:round/>
+                      <a:headEnd type="none" w="med" len="med"/>
+                      <a:tailEnd type="none" w="med" len="med"/>
+                    </a:lnT>
+                    <a:lnB w="12700" cap="flat" cmpd="sng" algn="ctr">
+                      <a:solidFill>
+                        <a:schemeClr val="tx1"/>
+                      </a:solidFill>
+                      <a:prstDash val="solid"/>
+                      <a:round/>
+                      <a:headEnd type="none" w="med" len="med"/>
+                      <a:tailEnd type="none" w="med" len="med"/>
+                    </a:lnB>
+                    <a:noFill/>
+                  </a:tcPr>
+                </a:tc>
+                <a:extLst>
+                  <a:ext uri="{0D108BD9-81ED-4DB2-BD59-A6C34878D82A}">
+                    <a16:rowId xmlns:a16="http://schemas.microsoft.com/office/drawing/2014/main" val="4284375140"/>
+                  </a:ext>
+                </a:extLst>
+              </a:tr>
+              <a:tr h="680000">
+                <a:tc>
+                  <a:txBody>
+                    <a:bodyPr/>
+                    <a:lstStyle/>
+                    <a:p>
+                      <a:r>
+                        <a:rPr lang="zh-TW" sz="2400" kern="100">
+                          <a:solidFill>
+                            <a:schemeClr val="tx1"/>
+                          </a:solidFill>
+                          <a:effectLst/>
+                          <a:latin typeface="華文宋體 Regular" panose="02020502040202010101" pitchFamily="18" charset="-122"/>
+                          <a:ea typeface="華文宋體 Regular" panose="02020502040202010101" pitchFamily="18" charset="-122"/>
+                        </a:rPr>
+                        <a:t>意外</a:t>
+                      </a:r>
+                      <a:endParaRPr lang="zh-TW" sz="2400" kern="100">
+                        <a:solidFill>
+                          <a:schemeClr val="tx1"/>
+                        </a:solidFill>
+                        <a:effectLst/>
+                        <a:latin typeface="華文宋體 Regular" panose="02020502040202010101" pitchFamily="18" charset="-122"/>
+                        <a:ea typeface="華文宋體 Regular" panose="02020502040202010101" pitchFamily="18" charset="-122"/>
+                        <a:cs typeface="Times New Roman" panose="02020603050405020304" pitchFamily="18" charset="0"/>
+                      </a:endParaRPr>
+                    </a:p>
+                  </a:txBody>
+                  <a:tcPr marL="68580" marR="68580" marT="0" marB="0">
+                    <a:lnL w="12700" cap="flat" cmpd="sng" algn="ctr">
+                      <a:solidFill>
+                        <a:schemeClr val="tx1"/>
+                      </a:solidFill>
+                      <a:prstDash val="solid"/>
+                      <a:round/>
+                      <a:headEnd type="none" w="med" len="med"/>
+                      <a:tailEnd type="none" w="med" len="med"/>
+                    </a:lnL>
+                    <a:lnR w="12700" cap="flat" cmpd="sng" algn="ctr">
+                      <a:solidFill>
+                        <a:schemeClr val="tx1"/>
+                      </a:solidFill>
+                      <a:prstDash val="solid"/>
+                      <a:round/>
+                      <a:headEnd type="none" w="med" len="med"/>
+                      <a:tailEnd type="none" w="med" len="med"/>
+                    </a:lnR>
+                    <a:lnT w="12700" cap="flat" cmpd="sng" algn="ctr">
+                      <a:solidFill>
+                        <a:schemeClr val="tx1"/>
+                      </a:solidFill>
+                      <a:prstDash val="solid"/>
+                      <a:round/>
+                      <a:headEnd type="none" w="med" len="med"/>
+                      <a:tailEnd type="none" w="med" len="med"/>
+                    </a:lnT>
+                    <a:lnB w="12700" cap="flat" cmpd="sng" algn="ctr">
+                      <a:solidFill>
+                        <a:schemeClr val="tx1"/>
+                      </a:solidFill>
+                      <a:prstDash val="solid"/>
+                      <a:round/>
+                      <a:headEnd type="none" w="med" len="med"/>
+                      <a:tailEnd type="none" w="med" len="med"/>
+                    </a:lnB>
+                    <a:noFill/>
+                  </a:tcPr>
+                </a:tc>
+                <a:tc>
+                  <a:txBody>
+                    <a:bodyPr/>
+                    <a:lstStyle/>
+                    <a:p>
+                      <a:r>
+                        <a:rPr lang="zh-TW" altLang="en-US" sz="2400" kern="100" dirty="0">
+                          <a:solidFill>
+                            <a:schemeClr val="tx1"/>
+                          </a:solidFill>
+                          <a:effectLst/>
+                          <a:latin typeface="華文宋體 Regular" panose="02020502040202010101" pitchFamily="18" charset="-122"/>
+                          <a:ea typeface="華文宋體 Regular" panose="02020502040202010101" pitchFamily="18" charset="-122"/>
+                        </a:rPr>
+                        <a:t>守衛</a:t>
+                      </a:r>
+                      <a:r>
+                        <a:rPr lang="zh-TW" sz="2400" kern="100" dirty="0">
+                          <a:solidFill>
+                            <a:schemeClr val="tx1"/>
+                          </a:solidFill>
+                          <a:effectLst/>
+                          <a:latin typeface="華文宋體 Regular" panose="02020502040202010101" pitchFamily="18" charset="-122"/>
+                          <a:ea typeface="華文宋體 Regular" panose="02020502040202010101" pitchFamily="18" charset="-122"/>
+                        </a:rPr>
+                        <a:t>衝了進來。</a:t>
+                      </a:r>
+                      <a:r>
+                        <a:rPr lang="en-US" sz="2400" kern="100" dirty="0">
+                          <a:solidFill>
+                            <a:schemeClr val="tx1"/>
+                          </a:solidFill>
+                          <a:effectLst/>
+                          <a:latin typeface="華文宋體 Regular" panose="02020502040202010101" pitchFamily="18" charset="-122"/>
+                          <a:ea typeface="華文宋體 Regular" panose="02020502040202010101" pitchFamily="18" charset="-122"/>
+                        </a:rPr>
+                        <a:t>Vivi</a:t>
+                      </a:r>
+                      <a:r>
+                        <a:rPr lang="zh-TW" sz="2400" kern="100" dirty="0">
+                          <a:solidFill>
+                            <a:schemeClr val="tx1"/>
+                          </a:solidFill>
+                          <a:effectLst/>
+                          <a:latin typeface="華文宋體 Regular" panose="02020502040202010101" pitchFamily="18" charset="-122"/>
+                          <a:ea typeface="華文宋體 Regular" panose="02020502040202010101" pitchFamily="18" charset="-122"/>
+                        </a:rPr>
+                        <a:t>開始跑，他發現</a:t>
+                      </a:r>
+                      <a:r>
+                        <a:rPr lang="zh-TW" altLang="en-US" sz="2400" kern="100" dirty="0">
+                          <a:solidFill>
+                            <a:schemeClr val="tx1"/>
+                          </a:solidFill>
+                          <a:effectLst/>
+                          <a:latin typeface="華文宋體 Regular" panose="02020502040202010101" pitchFamily="18" charset="-122"/>
+                          <a:ea typeface="華文宋體 Regular" panose="02020502040202010101" pitchFamily="18" charset="-122"/>
+                        </a:rPr>
+                        <a:t>有些</a:t>
+                      </a:r>
+                      <a:r>
+                        <a:rPr lang="zh-TW" sz="2400" kern="100" dirty="0">
+                          <a:solidFill>
+                            <a:schemeClr val="tx1"/>
+                          </a:solidFill>
+                          <a:effectLst/>
+                          <a:latin typeface="華文宋體 Regular" panose="02020502040202010101" pitchFamily="18" charset="-122"/>
+                          <a:ea typeface="華文宋體 Regular" panose="02020502040202010101" pitchFamily="18" charset="-122"/>
+                        </a:rPr>
+                        <a:t>電視壞了</a:t>
+                      </a:r>
+                      <a:endParaRPr lang="zh-TW" sz="2400" kern="100" dirty="0">
+                        <a:solidFill>
+                          <a:schemeClr val="tx1"/>
+                        </a:solidFill>
+                        <a:effectLst/>
+                        <a:latin typeface="華文宋體 Regular" panose="02020502040202010101" pitchFamily="18" charset="-122"/>
+                        <a:ea typeface="華文宋體 Regular" panose="02020502040202010101" pitchFamily="18" charset="-122"/>
+                        <a:cs typeface="Times New Roman" panose="02020603050405020304" pitchFamily="18" charset="0"/>
+                      </a:endParaRPr>
+                    </a:p>
+                  </a:txBody>
+                  <a:tcPr marL="68580" marR="68580" marT="0" marB="0">
+                    <a:lnL w="12700" cap="flat" cmpd="sng" algn="ctr">
+                      <a:solidFill>
+                        <a:schemeClr val="tx1"/>
+                      </a:solidFill>
+                      <a:prstDash val="solid"/>
+                      <a:round/>
+                      <a:headEnd type="none" w="med" len="med"/>
+                      <a:tailEnd type="none" w="med" len="med"/>
+                    </a:lnL>
+                    <a:lnR w="12700" cap="flat" cmpd="sng" algn="ctr">
+                      <a:solidFill>
+                        <a:schemeClr val="tx1"/>
+                      </a:solidFill>
+                      <a:prstDash val="solid"/>
+                      <a:round/>
+                      <a:headEnd type="none" w="med" len="med"/>
+                      <a:tailEnd type="none" w="med" len="med"/>
+                    </a:lnR>
+                    <a:lnT w="12700" cap="flat" cmpd="sng" algn="ctr">
+                      <a:solidFill>
+                        <a:schemeClr val="tx1"/>
+                      </a:solidFill>
+                      <a:prstDash val="solid"/>
+                      <a:round/>
+                      <a:headEnd type="none" w="med" len="med"/>
+                      <a:tailEnd type="none" w="med" len="med"/>
+                    </a:lnT>
+                    <a:lnB w="12700" cap="flat" cmpd="sng" algn="ctr">
+                      <a:solidFill>
+                        <a:schemeClr val="tx1"/>
+                      </a:solidFill>
+                      <a:prstDash val="solid"/>
+                      <a:round/>
+                      <a:headEnd type="none" w="med" len="med"/>
+                      <a:tailEnd type="none" w="med" len="med"/>
+                    </a:lnB>
+                    <a:noFill/>
+                  </a:tcPr>
+                </a:tc>
+                <a:extLst>
+                  <a:ext uri="{0D108BD9-81ED-4DB2-BD59-A6C34878D82A}">
+                    <a16:rowId xmlns:a16="http://schemas.microsoft.com/office/drawing/2014/main" val="476404402"/>
+                  </a:ext>
+                </a:extLst>
+              </a:tr>
+              <a:tr h="1700000">
+                <a:tc>
+                  <a:txBody>
+                    <a:bodyPr/>
+                    <a:lstStyle/>
+                    <a:p>
+                      <a:r>
+                        <a:rPr lang="zh-TW" sz="2400" kern="100">
+                          <a:solidFill>
+                            <a:schemeClr val="tx1"/>
+                          </a:solidFill>
+                          <a:effectLst/>
+                          <a:latin typeface="華文宋體 Regular" panose="02020502040202010101" pitchFamily="18" charset="-122"/>
+                          <a:ea typeface="華文宋體 Regular" panose="02020502040202010101" pitchFamily="18" charset="-122"/>
+                        </a:rPr>
+                        <a:t>轉彎</a:t>
+                      </a:r>
+                      <a:endParaRPr lang="zh-TW" sz="2400" kern="100">
+                        <a:solidFill>
+                          <a:schemeClr val="tx1"/>
+                        </a:solidFill>
+                        <a:effectLst/>
+                        <a:latin typeface="華文宋體 Regular" panose="02020502040202010101" pitchFamily="18" charset="-122"/>
+                        <a:ea typeface="華文宋體 Regular" panose="02020502040202010101" pitchFamily="18" charset="-122"/>
+                        <a:cs typeface="Times New Roman" panose="02020603050405020304" pitchFamily="18" charset="0"/>
+                      </a:endParaRPr>
+                    </a:p>
+                  </a:txBody>
+                  <a:tcPr marL="68580" marR="68580" marT="0" marB="0">
+                    <a:lnL w="12700" cap="flat" cmpd="sng" algn="ctr">
+                      <a:solidFill>
+                        <a:schemeClr val="tx1"/>
+                      </a:solidFill>
+                      <a:prstDash val="solid"/>
+                      <a:round/>
+                      <a:headEnd type="none" w="med" len="med"/>
+                      <a:tailEnd type="none" w="med" len="med"/>
+                    </a:lnL>
+                    <a:lnR w="12700" cap="flat" cmpd="sng" algn="ctr">
+                      <a:solidFill>
+                        <a:schemeClr val="tx1"/>
+                      </a:solidFill>
+                      <a:prstDash val="solid"/>
+                      <a:round/>
+                      <a:headEnd type="none" w="med" len="med"/>
+                      <a:tailEnd type="none" w="med" len="med"/>
+                    </a:lnR>
+                    <a:lnT w="12700" cap="flat" cmpd="sng" algn="ctr">
+                      <a:solidFill>
+                        <a:schemeClr val="tx1"/>
+                      </a:solidFill>
+                      <a:prstDash val="solid"/>
+                      <a:round/>
+                      <a:headEnd type="none" w="med" len="med"/>
+                      <a:tailEnd type="none" w="med" len="med"/>
+                    </a:lnT>
+                    <a:lnB w="12700" cap="flat" cmpd="sng" algn="ctr">
+                      <a:solidFill>
+                        <a:schemeClr val="tx1"/>
+                      </a:solidFill>
+                      <a:prstDash val="solid"/>
+                      <a:round/>
+                      <a:headEnd type="none" w="med" len="med"/>
+                      <a:tailEnd type="none" w="med" len="med"/>
+                    </a:lnB>
+                    <a:noFill/>
+                  </a:tcPr>
+                </a:tc>
+                <a:tc>
+                  <a:txBody>
+                    <a:bodyPr/>
+                    <a:lstStyle/>
+                    <a:p>
+                      <a:r>
+                        <a:rPr lang="en-US" sz="2400" kern="100" dirty="0">
+                          <a:solidFill>
+                            <a:schemeClr val="tx1"/>
+                          </a:solidFill>
+                          <a:effectLst/>
+                          <a:latin typeface="華文宋體 Regular" panose="02020502040202010101" pitchFamily="18" charset="-122"/>
+                          <a:ea typeface="華文宋體 Regular" panose="02020502040202010101" pitchFamily="18" charset="-122"/>
+                        </a:rPr>
+                        <a:t>Vivi</a:t>
+                      </a:r>
+                      <a:r>
+                        <a:rPr lang="zh-TW" sz="2400" kern="100" dirty="0">
+                          <a:solidFill>
+                            <a:schemeClr val="tx1"/>
+                          </a:solidFill>
+                          <a:effectLst/>
+                          <a:latin typeface="華文宋體 Regular" panose="02020502040202010101" pitchFamily="18" charset="-122"/>
+                          <a:ea typeface="華文宋體 Regular" panose="02020502040202010101" pitchFamily="18" charset="-122"/>
+                        </a:rPr>
+                        <a:t>想起這裡的人喜歡盯著電視螢幕的雜亂線條看，但他沒有塑膠珠啟動電視，於是他隨手畫了些線在牆上。警察果然開始盯著</a:t>
+                      </a:r>
+                      <a:r>
+                        <a:rPr lang="en-US" sz="2400" kern="100" dirty="0">
+                          <a:solidFill>
+                            <a:schemeClr val="tx1"/>
+                          </a:solidFill>
+                          <a:effectLst/>
+                          <a:latin typeface="華文宋體 Regular" panose="02020502040202010101" pitchFamily="18" charset="-122"/>
+                          <a:ea typeface="華文宋體 Regular" panose="02020502040202010101" pitchFamily="18" charset="-122"/>
+                        </a:rPr>
+                        <a:t>Vivi</a:t>
+                      </a:r>
+                      <a:r>
+                        <a:rPr lang="zh-TW" sz="2400" kern="100" dirty="0">
+                          <a:solidFill>
+                            <a:schemeClr val="tx1"/>
+                          </a:solidFill>
+                          <a:effectLst/>
+                          <a:latin typeface="華文宋體 Regular" panose="02020502040202010101" pitchFamily="18" charset="-122"/>
+                          <a:ea typeface="華文宋體 Regular" panose="02020502040202010101" pitchFamily="18" charset="-122"/>
+                        </a:rPr>
+                        <a:t>畫的線條看</a:t>
+                      </a:r>
+                      <a:endParaRPr lang="zh-TW" sz="2400" kern="100" dirty="0">
+                        <a:solidFill>
+                          <a:schemeClr val="tx1"/>
+                        </a:solidFill>
+                        <a:effectLst/>
+                        <a:latin typeface="華文宋體 Regular" panose="02020502040202010101" pitchFamily="18" charset="-122"/>
+                        <a:ea typeface="華文宋體 Regular" panose="02020502040202010101" pitchFamily="18" charset="-122"/>
+                        <a:cs typeface="Times New Roman" panose="02020603050405020304" pitchFamily="18" charset="0"/>
+                      </a:endParaRPr>
+                    </a:p>
+                  </a:txBody>
+                  <a:tcPr marL="68580" marR="68580" marT="0" marB="0">
+                    <a:lnL w="12700" cap="flat" cmpd="sng" algn="ctr">
+                      <a:solidFill>
+                        <a:schemeClr val="tx1"/>
+                      </a:solidFill>
+                      <a:prstDash val="solid"/>
+                      <a:round/>
+                      <a:headEnd type="none" w="med" len="med"/>
+                      <a:tailEnd type="none" w="med" len="med"/>
+                    </a:lnL>
+                    <a:lnR w="12700" cap="flat" cmpd="sng" algn="ctr">
+                      <a:solidFill>
+                        <a:schemeClr val="tx1"/>
+                      </a:solidFill>
+                      <a:prstDash val="solid"/>
+                      <a:round/>
+                      <a:headEnd type="none" w="med" len="med"/>
+                      <a:tailEnd type="none" w="med" len="med"/>
+                    </a:lnR>
+                    <a:lnT w="12700" cap="flat" cmpd="sng" algn="ctr">
+                      <a:solidFill>
+                        <a:schemeClr val="tx1"/>
+                      </a:solidFill>
+                      <a:prstDash val="solid"/>
+                      <a:round/>
+                      <a:headEnd type="none" w="med" len="med"/>
+                      <a:tailEnd type="none" w="med" len="med"/>
+                    </a:lnT>
+                    <a:lnB w="12700" cap="flat" cmpd="sng" algn="ctr">
+                      <a:solidFill>
+                        <a:schemeClr val="tx1"/>
+                      </a:solidFill>
+                      <a:prstDash val="solid"/>
+                      <a:round/>
+                      <a:headEnd type="none" w="med" len="med"/>
+                      <a:tailEnd type="none" w="med" len="med"/>
+                    </a:lnB>
+                    <a:noFill/>
+                  </a:tcPr>
+                </a:tc>
+                <a:extLst>
+                  <a:ext uri="{0D108BD9-81ED-4DB2-BD59-A6C34878D82A}">
+                    <a16:rowId xmlns:a16="http://schemas.microsoft.com/office/drawing/2014/main" val="1189122487"/>
+                  </a:ext>
+                </a:extLst>
+              </a:tr>
+              <a:tr h="680000">
+                <a:tc>
+                  <a:txBody>
+                    <a:bodyPr/>
+                    <a:lstStyle/>
+                    <a:p>
+                      <a:r>
+                        <a:rPr lang="zh-TW" sz="2400" kern="100">
+                          <a:solidFill>
+                            <a:schemeClr val="tx1"/>
+                          </a:solidFill>
+                          <a:effectLst/>
+                          <a:latin typeface="華文宋體 Regular" panose="02020502040202010101" pitchFamily="18" charset="-122"/>
+                          <a:ea typeface="華文宋體 Regular" panose="02020502040202010101" pitchFamily="18" charset="-122"/>
+                        </a:rPr>
+                        <a:t>結局</a:t>
+                      </a:r>
+                      <a:endParaRPr lang="zh-TW" sz="2400" kern="100">
+                        <a:solidFill>
+                          <a:schemeClr val="tx1"/>
+                        </a:solidFill>
+                        <a:effectLst/>
+                        <a:latin typeface="華文宋體 Regular" panose="02020502040202010101" pitchFamily="18" charset="-122"/>
+                        <a:ea typeface="華文宋體 Regular" panose="02020502040202010101" pitchFamily="18" charset="-122"/>
+                        <a:cs typeface="Times New Roman" panose="02020603050405020304" pitchFamily="18" charset="0"/>
+                      </a:endParaRPr>
+                    </a:p>
+                  </a:txBody>
+                  <a:tcPr marL="68580" marR="68580" marT="0" marB="0">
+                    <a:lnL w="12700" cap="flat" cmpd="sng" algn="ctr">
+                      <a:solidFill>
+                        <a:schemeClr val="tx1"/>
+                      </a:solidFill>
+                      <a:prstDash val="solid"/>
+                      <a:round/>
+                      <a:headEnd type="none" w="med" len="med"/>
+                      <a:tailEnd type="none" w="med" len="med"/>
+                    </a:lnL>
+                    <a:lnR w="12700" cap="flat" cmpd="sng" algn="ctr">
+                      <a:solidFill>
+                        <a:schemeClr val="tx1"/>
+                      </a:solidFill>
+                      <a:prstDash val="solid"/>
+                      <a:round/>
+                      <a:headEnd type="none" w="med" len="med"/>
+                      <a:tailEnd type="none" w="med" len="med"/>
+                    </a:lnR>
+                    <a:lnT w="12700" cap="flat" cmpd="sng" algn="ctr">
+                      <a:solidFill>
+                        <a:schemeClr val="tx1"/>
+                      </a:solidFill>
+                      <a:prstDash val="solid"/>
+                      <a:round/>
+                      <a:headEnd type="none" w="med" len="med"/>
+                      <a:tailEnd type="none" w="med" len="med"/>
+                    </a:lnT>
+                    <a:lnB w="12700" cap="flat" cmpd="sng" algn="ctr">
+                      <a:solidFill>
+                        <a:schemeClr val="tx1"/>
+                      </a:solidFill>
+                      <a:prstDash val="solid"/>
+                      <a:round/>
+                      <a:headEnd type="none" w="med" len="med"/>
+                      <a:tailEnd type="none" w="med" len="med"/>
+                    </a:lnB>
+                    <a:noFill/>
+                  </a:tcPr>
+                </a:tc>
+                <a:tc>
+                  <a:txBody>
+                    <a:bodyPr/>
+                    <a:lstStyle/>
+                    <a:p>
+                      <a:r>
+                        <a:rPr lang="zh-TW" sz="2400" kern="100" dirty="0">
+                          <a:solidFill>
+                            <a:schemeClr val="tx1"/>
+                          </a:solidFill>
+                          <a:effectLst/>
+                          <a:latin typeface="華文宋體 Regular" panose="02020502040202010101" pitchFamily="18" charset="-122"/>
+                          <a:ea typeface="華文宋體 Regular" panose="02020502040202010101" pitchFamily="18" charset="-122"/>
+                        </a:rPr>
+                        <a:t>趁警察分心時</a:t>
+                      </a:r>
+                      <a:r>
+                        <a:rPr lang="en-US" sz="2400" kern="100" dirty="0">
+                          <a:solidFill>
+                            <a:schemeClr val="tx1"/>
+                          </a:solidFill>
+                          <a:effectLst/>
+                          <a:latin typeface="華文宋體 Regular" panose="02020502040202010101" pitchFamily="18" charset="-122"/>
+                          <a:ea typeface="華文宋體 Regular" panose="02020502040202010101" pitchFamily="18" charset="-122"/>
+                        </a:rPr>
+                        <a:t>Vivi</a:t>
+                      </a:r>
+                      <a:r>
+                        <a:rPr lang="zh-TW" sz="2400" kern="100" dirty="0">
+                          <a:solidFill>
+                            <a:schemeClr val="tx1"/>
+                          </a:solidFill>
+                          <a:effectLst/>
+                          <a:latin typeface="華文宋體 Regular" panose="02020502040202010101" pitchFamily="18" charset="-122"/>
+                          <a:ea typeface="華文宋體 Regular" panose="02020502040202010101" pitchFamily="18" charset="-122"/>
+                        </a:rPr>
+                        <a:t>趕快跑。最後他跑到一扇漂亮的大門前</a:t>
+                      </a:r>
+                      <a:endParaRPr lang="zh-TW" sz="2400" kern="100" dirty="0">
+                        <a:solidFill>
+                          <a:schemeClr val="tx1"/>
+                        </a:solidFill>
+                        <a:effectLst/>
+                        <a:latin typeface="華文宋體 Regular" panose="02020502040202010101" pitchFamily="18" charset="-122"/>
+                        <a:ea typeface="華文宋體 Regular" panose="02020502040202010101" pitchFamily="18" charset="-122"/>
+                        <a:cs typeface="Times New Roman" panose="02020603050405020304" pitchFamily="18" charset="0"/>
+                      </a:endParaRPr>
+                    </a:p>
+                  </a:txBody>
+                  <a:tcPr marL="68580" marR="68580" marT="0" marB="0">
+                    <a:lnL w="12700" cap="flat" cmpd="sng" algn="ctr">
+                      <a:solidFill>
+                        <a:schemeClr val="tx1"/>
+                      </a:solidFill>
+                      <a:prstDash val="solid"/>
+                      <a:round/>
+                      <a:headEnd type="none" w="med" len="med"/>
+                      <a:tailEnd type="none" w="med" len="med"/>
+                    </a:lnL>
+                    <a:lnR w="12700" cap="flat" cmpd="sng" algn="ctr">
+                      <a:solidFill>
+                        <a:schemeClr val="tx1"/>
+                      </a:solidFill>
+                      <a:prstDash val="solid"/>
+                      <a:round/>
+                      <a:headEnd type="none" w="med" len="med"/>
+                      <a:tailEnd type="none" w="med" len="med"/>
+                    </a:lnR>
+                    <a:lnT w="12700" cap="flat" cmpd="sng" algn="ctr">
+                      <a:solidFill>
+                        <a:schemeClr val="tx1"/>
+                      </a:solidFill>
+                      <a:prstDash val="solid"/>
+                      <a:round/>
+                      <a:headEnd type="none" w="med" len="med"/>
+                      <a:tailEnd type="none" w="med" len="med"/>
+                    </a:lnT>
+                    <a:lnB w="12700" cap="flat" cmpd="sng" algn="ctr">
+                      <a:solidFill>
+                        <a:schemeClr val="tx1"/>
+                      </a:solidFill>
+                      <a:prstDash val="solid"/>
+                      <a:round/>
+                      <a:headEnd type="none" w="med" len="med"/>
+                      <a:tailEnd type="none" w="med" len="med"/>
+                    </a:lnB>
+                    <a:noFill/>
+                  </a:tcPr>
+                </a:tc>
+                <a:extLst>
+                  <a:ext uri="{0D108BD9-81ED-4DB2-BD59-A6C34878D82A}">
+                    <a16:rowId xmlns:a16="http://schemas.microsoft.com/office/drawing/2014/main" val="1680403140"/>
+                  </a:ext>
+                </a:extLst>
+              </a:tr>
+            </a:tbl>
+          </a:graphicData>
+        </a:graphic>
+      </p:graphicFrame>
+    </p:spTree>
+    <p:extLst>
+      <p:ext uri="{BB962C8B-B14F-4D97-AF65-F5344CB8AC3E}">
+        <p14:creationId xmlns:p14="http://schemas.microsoft.com/office/powerpoint/2010/main" val="1343481642"/>
+      </p:ext>
+    </p:extLst>
+  </p:cSld>
+  <p:clrMapOvr>
+    <a:masterClrMapping/>
+  </p:clrMapOvr>
+  <p:transition spd="slow"/>
 </p:sld>
 </file>
 
@@ -3677,4 +8626,299 @@
     </a:ext>
   </a:extLst>
 </a:theme>
+</file>
+
+<file path=ppt/theme/theme2.xml><?xml version="1.0" encoding="utf-8"?>
+<a:theme xmlns:a="http://schemas.openxmlformats.org/drawingml/2006/main" name="Office 佈景主題">
+  <a:themeElements>
+    <a:clrScheme name="Office">
+      <a:dk1>
+        <a:sysClr val="windowText" lastClr="000000"/>
+      </a:dk1>
+      <a:lt1>
+        <a:sysClr val="window" lastClr="FFFFFF"/>
+      </a:lt1>
+      <a:dk2>
+        <a:srgbClr val="44546A"/>
+      </a:dk2>
+      <a:lt2>
+        <a:srgbClr val="E7E6E6"/>
+      </a:lt2>
+      <a:accent1>
+        <a:srgbClr val="4472C4"/>
+      </a:accent1>
+      <a:accent2>
+        <a:srgbClr val="ED7D31"/>
+      </a:accent2>
+      <a:accent3>
+        <a:srgbClr val="A5A5A5"/>
+      </a:accent3>
+      <a:accent4>
+        <a:srgbClr val="FFC000"/>
+      </a:accent4>
+      <a:accent5>
+        <a:srgbClr val="5B9BD5"/>
+      </a:accent5>
+      <a:accent6>
+        <a:srgbClr val="70AD47"/>
+      </a:accent6>
+      <a:hlink>
+        <a:srgbClr val="0563C1"/>
+      </a:hlink>
+      <a:folHlink>
+        <a:srgbClr val="954F72"/>
+      </a:folHlink>
+    </a:clrScheme>
+    <a:fontScheme name="Office">
+      <a:majorFont>
+        <a:latin typeface="Calibri Light" panose="020F0302020204030204"/>
+        <a:ea typeface=""/>
+        <a:cs typeface=""/>
+        <a:font script="Jpan" typeface="游ゴシック Light"/>
+        <a:font script="Hang" typeface="맑은 고딕"/>
+        <a:font script="Hans" typeface="等线 Light"/>
+        <a:font script="Hant" typeface="新細明體"/>
+        <a:font script="Arab" typeface="Times New Roman"/>
+        <a:font script="Hebr" typeface="Times New Roman"/>
+        <a:font script="Thai" typeface="Angsana New"/>
+        <a:font script="Ethi" typeface="Nyala"/>
+        <a:font script="Beng" typeface="Vrinda"/>
+        <a:font script="Gujr" typeface="Shruti"/>
+        <a:font script="Khmr" typeface="MoolBoran"/>
+        <a:font script="Knda" typeface="Tunga"/>
+        <a:font script="Guru" typeface="Raavi"/>
+        <a:font script="Cans" typeface="Euphemia"/>
+        <a:font script="Cher" typeface="Plantagenet Cherokee"/>
+        <a:font script="Yiii" typeface="Microsoft Yi Baiti"/>
+        <a:font script="Tibt" typeface="Microsoft Himalaya"/>
+        <a:font script="Thaa" typeface="MV Boli"/>
+        <a:font script="Deva" typeface="Mangal"/>
+        <a:font script="Telu" typeface="Gautami"/>
+        <a:font script="Taml" typeface="Latha"/>
+        <a:font script="Syrc" typeface="Estrangelo Edessa"/>
+        <a:font script="Orya" typeface="Kalinga"/>
+        <a:font script="Mlym" typeface="Kartika"/>
+        <a:font script="Laoo" typeface="DokChampa"/>
+        <a:font script="Sinh" typeface="Iskoola Pota"/>
+        <a:font script="Mong" typeface="Mongolian Baiti"/>
+        <a:font script="Viet" typeface="Times New Roman"/>
+        <a:font script="Uigh" typeface="Microsoft Uighur"/>
+        <a:font script="Geor" typeface="Sylfaen"/>
+        <a:font script="Armn" typeface="Arial"/>
+        <a:font script="Bugi" typeface="Leelawadee UI"/>
+        <a:font script="Bopo" typeface="Microsoft JhengHei"/>
+        <a:font script="Java" typeface="Javanese Text"/>
+        <a:font script="Lisu" typeface="Segoe UI"/>
+        <a:font script="Mymr" typeface="Myanmar Text"/>
+        <a:font script="Nkoo" typeface="Ebrima"/>
+        <a:font script="Olck" typeface="Nirmala UI"/>
+        <a:font script="Osma" typeface="Ebrima"/>
+        <a:font script="Phag" typeface="Phagspa"/>
+        <a:font script="Syrn" typeface="Estrangelo Edessa"/>
+        <a:font script="Syrj" typeface="Estrangelo Edessa"/>
+        <a:font script="Syre" typeface="Estrangelo Edessa"/>
+        <a:font script="Sora" typeface="Nirmala UI"/>
+        <a:font script="Tale" typeface="Microsoft Tai Le"/>
+        <a:font script="Talu" typeface="Microsoft New Tai Lue"/>
+        <a:font script="Tfng" typeface="Ebrima"/>
+      </a:majorFont>
+      <a:minorFont>
+        <a:latin typeface="Calibri" panose="020F0502020204030204"/>
+        <a:ea typeface=""/>
+        <a:cs typeface=""/>
+        <a:font script="Jpan" typeface="游ゴシック"/>
+        <a:font script="Hang" typeface="맑은 고딕"/>
+        <a:font script="Hans" typeface="等线"/>
+        <a:font script="Hant" typeface="新細明體"/>
+        <a:font script="Arab" typeface="Arial"/>
+        <a:font script="Hebr" typeface="Arial"/>
+        <a:font script="Thai" typeface="Cordia New"/>
+        <a:font script="Ethi" typeface="Nyala"/>
+        <a:font script="Beng" typeface="Vrinda"/>
+        <a:font script="Gujr" typeface="Shruti"/>
+        <a:font script="Khmr" typeface="DaunPenh"/>
+        <a:font script="Knda" typeface="Tunga"/>
+        <a:font script="Guru" typeface="Raavi"/>
+        <a:font script="Cans" typeface="Euphemia"/>
+        <a:font script="Cher" typeface="Plantagenet Cherokee"/>
+        <a:font script="Yiii" typeface="Microsoft Yi Baiti"/>
+        <a:font script="Tibt" typeface="Microsoft Himalaya"/>
+        <a:font script="Thaa" typeface="MV Boli"/>
+        <a:font script="Deva" typeface="Mangal"/>
+        <a:font script="Telu" typeface="Gautami"/>
+        <a:font script="Taml" typeface="Latha"/>
+        <a:font script="Syrc" typeface="Estrangelo Edessa"/>
+        <a:font script="Orya" typeface="Kalinga"/>
+        <a:font script="Mlym" typeface="Kartika"/>
+        <a:font script="Laoo" typeface="DokChampa"/>
+        <a:font script="Sinh" typeface="Iskoola Pota"/>
+        <a:font script="Mong" typeface="Mongolian Baiti"/>
+        <a:font script="Viet" typeface="Arial"/>
+        <a:font script="Uigh" typeface="Microsoft Uighur"/>
+        <a:font script="Geor" typeface="Sylfaen"/>
+        <a:font script="Armn" typeface="Arial"/>
+        <a:font script="Bugi" typeface="Leelawadee UI"/>
+        <a:font script="Bopo" typeface="Microsoft JhengHei"/>
+        <a:font script="Java" typeface="Javanese Text"/>
+        <a:font script="Lisu" typeface="Segoe UI"/>
+        <a:font script="Mymr" typeface="Myanmar Text"/>
+        <a:font script="Nkoo" typeface="Ebrima"/>
+        <a:font script="Olck" typeface="Nirmala UI"/>
+        <a:font script="Osma" typeface="Ebrima"/>
+        <a:font script="Phag" typeface="Phagspa"/>
+        <a:font script="Syrn" typeface="Estrangelo Edessa"/>
+        <a:font script="Syrj" typeface="Estrangelo Edessa"/>
+        <a:font script="Syre" typeface="Estrangelo Edessa"/>
+        <a:font script="Sora" typeface="Nirmala UI"/>
+        <a:font script="Tale" typeface="Microsoft Tai Le"/>
+        <a:font script="Talu" typeface="Microsoft New Tai Lue"/>
+        <a:font script="Tfng" typeface="Ebrima"/>
+      </a:minorFont>
+    </a:fontScheme>
+    <a:fmtScheme name="Office">
+      <a:fillStyleLst>
+        <a:solidFill>
+          <a:schemeClr val="phClr"/>
+        </a:solidFill>
+        <a:gradFill rotWithShape="1">
+          <a:gsLst>
+            <a:gs pos="0">
+              <a:schemeClr val="phClr">
+                <a:lumMod val="110000"/>
+                <a:satMod val="105000"/>
+                <a:tint val="67000"/>
+              </a:schemeClr>
+            </a:gs>
+            <a:gs pos="50000">
+              <a:schemeClr val="phClr">
+                <a:lumMod val="105000"/>
+                <a:satMod val="103000"/>
+                <a:tint val="73000"/>
+              </a:schemeClr>
+            </a:gs>
+            <a:gs pos="100000">
+              <a:schemeClr val="phClr">
+                <a:lumMod val="105000"/>
+                <a:satMod val="109000"/>
+                <a:tint val="81000"/>
+              </a:schemeClr>
+            </a:gs>
+          </a:gsLst>
+          <a:lin ang="5400000" scaled="0"/>
+        </a:gradFill>
+        <a:gradFill rotWithShape="1">
+          <a:gsLst>
+            <a:gs pos="0">
+              <a:schemeClr val="phClr">
+                <a:satMod val="103000"/>
+                <a:lumMod val="102000"/>
+                <a:tint val="94000"/>
+              </a:schemeClr>
+            </a:gs>
+            <a:gs pos="50000">
+              <a:schemeClr val="phClr">
+                <a:satMod val="110000"/>
+                <a:lumMod val="100000"/>
+                <a:shade val="100000"/>
+              </a:schemeClr>
+            </a:gs>
+            <a:gs pos="100000">
+              <a:schemeClr val="phClr">
+                <a:lumMod val="99000"/>
+                <a:satMod val="120000"/>
+                <a:shade val="78000"/>
+              </a:schemeClr>
+            </a:gs>
+          </a:gsLst>
+          <a:lin ang="5400000" scaled="0"/>
+        </a:gradFill>
+      </a:fillStyleLst>
+      <a:lnStyleLst>
+        <a:ln w="6350" cap="flat" cmpd="sng" algn="ctr">
+          <a:solidFill>
+            <a:schemeClr val="phClr"/>
+          </a:solidFill>
+          <a:prstDash val="solid"/>
+          <a:miter lim="800000"/>
+        </a:ln>
+        <a:ln w="12700" cap="flat" cmpd="sng" algn="ctr">
+          <a:solidFill>
+            <a:schemeClr val="phClr"/>
+          </a:solidFill>
+          <a:prstDash val="solid"/>
+          <a:miter lim="800000"/>
+        </a:ln>
+        <a:ln w="19050" cap="flat" cmpd="sng" algn="ctr">
+          <a:solidFill>
+            <a:schemeClr val="phClr"/>
+          </a:solidFill>
+          <a:prstDash val="solid"/>
+          <a:miter lim="800000"/>
+        </a:ln>
+      </a:lnStyleLst>
+      <a:effectStyleLst>
+        <a:effectStyle>
+          <a:effectLst/>
+        </a:effectStyle>
+        <a:effectStyle>
+          <a:effectLst/>
+        </a:effectStyle>
+        <a:effectStyle>
+          <a:effectLst>
+            <a:outerShdw blurRad="57150" dist="19050" dir="5400000" algn="ctr" rotWithShape="0">
+              <a:srgbClr val="000000">
+                <a:alpha val="63000"/>
+              </a:srgbClr>
+            </a:outerShdw>
+          </a:effectLst>
+        </a:effectStyle>
+      </a:effectStyleLst>
+      <a:bgFillStyleLst>
+        <a:solidFill>
+          <a:schemeClr val="phClr"/>
+        </a:solidFill>
+        <a:solidFill>
+          <a:schemeClr val="phClr">
+            <a:tint val="95000"/>
+            <a:satMod val="170000"/>
+          </a:schemeClr>
+        </a:solidFill>
+        <a:gradFill rotWithShape="1">
+          <a:gsLst>
+            <a:gs pos="0">
+              <a:schemeClr val="phClr">
+                <a:tint val="93000"/>
+                <a:satMod val="150000"/>
+                <a:shade val="98000"/>
+                <a:lumMod val="102000"/>
+              </a:schemeClr>
+            </a:gs>
+            <a:gs pos="50000">
+              <a:schemeClr val="phClr">
+                <a:tint val="98000"/>
+                <a:satMod val="130000"/>
+                <a:shade val="90000"/>
+                <a:lumMod val="103000"/>
+              </a:schemeClr>
+            </a:gs>
+            <a:gs pos="100000">
+              <a:schemeClr val="phClr">
+                <a:shade val="63000"/>
+                <a:satMod val="120000"/>
+              </a:schemeClr>
+            </a:gs>
+          </a:gsLst>
+          <a:lin ang="5400000" scaled="0"/>
+        </a:gradFill>
+      </a:bgFillStyleLst>
+    </a:fmtScheme>
+  </a:themeElements>
+  <a:objectDefaults/>
+  <a:extraClrSchemeLst/>
+  <a:extLst>
+    <a:ext uri="{05A4C25C-085E-4340-85A3-A5531E510DB2}">
+      <thm15:themeFamily xmlns:thm15="http://schemas.microsoft.com/office/thememl/2012/main" name="Office Theme" id="{62F939B6-93AF-4DB8-9C6B-D6C7DFDC589F}" vid="{4A3C46E8-61CC-4603-A589-7422A47A8E4A}"/>
+    </a:ext>
+  </a:extLst>
+</a:theme>
 </file>
--- a/hw02.pptx
+++ b/hw02.pptx
@@ -516,16 +516,18 @@
           <a:lstStyle/>
           <a:p>
             <a:r>
-              <a:rPr lang="en-US" altLang="zh-TW" dirty="0"/>
-              <a:t>Please draw this picture: A dark blue-eyed 16 year-old girl with low-pigtails brown hair, wearing a black top hat, and wearing a dark blue high collar long sleeve thick sweater and black pants, standing in a white room with two black sofa, there are many pipes in the </a:t>
+              <a:rPr lang="zh-TW" altLang="en-US" dirty="0"/>
+              <a:t>我來到集合地點，房間裡沒有其他人，只有家具和牆上怪異的管子。也許工作人員晚點才會到。</a:t>
             </a:r>
-            <a:r>
-              <a:rPr lang="en-US" altLang="zh-TW" dirty="0" err="1"/>
-              <a:t>wall.The</a:t>
-            </a:r>
+            <a:endParaRPr lang="en-US" altLang="zh-TW" dirty="0"/>
+          </a:p>
+          <a:p>
+            <a:endParaRPr lang="en-US" altLang="zh-TW" dirty="0"/>
+          </a:p>
+          <a:p>
             <a:r>
               <a:rPr lang="en-US" altLang="zh-TW" dirty="0"/>
-              <a:t> scene is in a Japanese anime style.</a:t>
+              <a:t>Please draw this picture: A dark blue-eyed 16 year-old girl with low-pigtails brown hair, wearing a black top hat, and wearing a dark blue high collar long sleeve thick sweater and black pants, standing in a white room with two black sofa, there are many pipes in the wall. The scene is in a Japanese anime style.</a:t>
             </a:r>
             <a:endParaRPr lang="zh-TW" altLang="en-US" dirty="0"/>
           </a:p>
@@ -612,16 +614,18 @@
           <a:lstStyle/>
           <a:p>
             <a:r>
-              <a:rPr lang="en-GB" altLang="zh-TW" dirty="0"/>
-              <a:t>Please draw this picture: A dark blue-eyed 16 year-old girl with low-pigtails brown hair, wearing a black top hat, and wearing a dark blue high collar long sleeve thick sweater and black pants, looking bored, sitting in the sofa in a white room with two black sofa, there are many large pipes in the </a:t>
+              <a:rPr lang="zh-TW" altLang="en-US" dirty="0"/>
+              <a:t>但我等了快五分鐘，還是沒人來，外頭也空蕩蕩。</a:t>
             </a:r>
-            <a:r>
-              <a:rPr lang="en-GB" altLang="zh-TW" dirty="0" err="1"/>
-              <a:t>wall.The</a:t>
-            </a:r>
+            <a:endParaRPr lang="en-US" altLang="zh-TW" dirty="0"/>
+          </a:p>
+          <a:p>
+            <a:endParaRPr lang="en-GB" altLang="zh-TW" dirty="0"/>
+          </a:p>
+          <a:p>
             <a:r>
               <a:rPr lang="en-GB" altLang="zh-TW" dirty="0"/>
-              <a:t> scene is in a Japanese anime style.</a:t>
+              <a:t>Please draw this picture: A dark blue-eyed 16 year-old girl with low-pigtails brown hair, wearing a black top hat, and wearing a dark blue high collar long sleeve thick sweater and black pants, looking bored, sitting in the sofa in a white room with two black sofa, there are many large pipes in the wall. The scene is in a Japanese anime style.</a:t>
             </a:r>
           </a:p>
           <a:p>
@@ -710,6 +714,16 @@
           <a:lstStyle/>
           <a:p>
             <a:r>
+              <a:rPr lang="zh-TW" altLang="en-US" dirty="0"/>
+              <a:t>我決定試試在車上想到的新舞步。我抓到大致方向了，但細部還要修。我在心裡數著節拍，開始跳舞。</a:t>
+            </a:r>
+            <a:endParaRPr lang="en-US" altLang="zh-TW" dirty="0"/>
+          </a:p>
+          <a:p>
+            <a:endParaRPr lang="en-US" altLang="zh-TW" dirty="0"/>
+          </a:p>
+          <a:p>
+            <a:r>
               <a:rPr lang="en-US" altLang="zh-TW" dirty="0"/>
               <a:t>Please draw this picture: A dark blue-eyed 16 year-old girl with low-pigtails brown hair, wearing a black top hat, and wearing a dark blue high collar long sleeve thick sweater and black pants, standing and looking cheerful, in a white room with two black sofa, there are many large pipes in the wall. The scene is in a Japanese anime style.</a:t>
             </a:r>
@@ -798,6 +812,24 @@
           <a:lstStyle/>
           <a:p>
             <a:r>
+              <a:rPr lang="zh-TW" altLang="en-US" dirty="0"/>
+              <a:t>我有種怪異的感覺。我踩了頭兩步，卻發現自己已經穿過整個房間，我只好轉向繼續跳。然後，我看見所東西都在移動。沙發、桌子、椅子，還有我，全往同個方向前進。我頭好暈，於是停了下來，所有東西又都靜止不動。房間盡頭的管子破了，我剛剛怎麼沒注意到？也許我太累了，身體不協調，才會有東西在動的錯覺。我挑了最簡單的舞步─走位，然後定點</a:t>
+            </a:r>
+            <a:r>
+              <a:rPr lang="en-US" altLang="zh-TW" dirty="0"/>
+              <a:t>POSE─</a:t>
+            </a:r>
+            <a:r>
+              <a:rPr lang="zh-TW" altLang="en-US" dirty="0"/>
+              <a:t>再跳一次。但還是一樣，當我跳舞時，所有東西又開始移動，但這次我無論怎麼走，我都在原地。</a:t>
+            </a:r>
+            <a:endParaRPr lang="en-US" altLang="zh-TW" dirty="0"/>
+          </a:p>
+          <a:p>
+            <a:endParaRPr lang="en-US" altLang="zh-TW" dirty="0"/>
+          </a:p>
+          <a:p>
+            <a:r>
               <a:rPr lang="en-US" altLang="zh-TW" dirty="0"/>
               <a:t>Please draw this picture: A dark blue-eyed 16 year-old girl with low-pigtails brown hair, wearing a black top hat, and wearing a dark blue high collar long sleeve thick sweater and black pants, dancing and looking scared , in a white room with two black sofa, the sofa is moving, there are many large pipes in the wall. The scene is in a Japanese anime style.</a:t>
             </a:r>
@@ -886,6 +918,16 @@
           <a:lstStyle/>
           <a:p>
             <a:r>
+              <a:rPr lang="zh-TW" altLang="en-US" dirty="0"/>
+              <a:t>這是主辦單位的考驗嗎？他們想測試我的舞蹈能耐，於是裝了會動的地板讓我跳舞？除此之外，我想不到其他可能。這時有人進來了，但不是工作人員，是四個守衛。他們一看見我，就向我丟網子。</a:t>
+            </a:r>
+            <a:endParaRPr lang="en-GB" altLang="zh-TW" dirty="0"/>
+          </a:p>
+          <a:p>
+            <a:endParaRPr lang="en-GB" altLang="zh-TW" dirty="0"/>
+          </a:p>
+          <a:p>
+            <a:r>
               <a:rPr lang="en-GB" altLang="zh-TW" dirty="0"/>
               <a:t>Please draw this picture: A dark blue-eyed 16 year-old girl with low-pigtails brown hair, wearing a black top hat, and wearing a dark blue high collar long sleeve thick sweater and loose black pants, looking surprised. Behind her are four men wearing experiment goggles and white shirt and white pants. in a white room with two black sofa, there are many large pipes in the wall. The scene is in a Japanese anime style.</a:t>
             </a:r>
@@ -990,6 +1032,65 @@
               <a:defRPr/>
             </a:pPr>
             <a:r>
+              <a:rPr lang="zh-TW" altLang="en-US" sz="1800" kern="100" dirty="0">
+                <a:effectLst/>
+                <a:latin typeface="Calibri" panose="020F0502020204030204" pitchFamily="34" charset="0"/>
+                <a:ea typeface="新細明體" panose="02020500000000000000" pitchFamily="18" charset="-120"/>
+                <a:cs typeface="Times New Roman" panose="02020603050405020304" pitchFamily="18" charset="0"/>
+              </a:rPr>
+              <a:t>我不知道這是什麼情況，但我知道被抓到肯定後果嚴重，於是我趕快跑。我穿過大廳，裡頭有些電視壞了，但我記得進來時電視全是好的。守衛離我越來越近，他們要丟第二次網子了，這時電視機讓我想起一件事：這裡的人喜歡看電視。我沒有啟動電視的塑膠珠，但我會畫螢幕裡的那些東西。我抓起大廳服務台的麥克筆，隨手在牆上畫些線條。果然，那些守衛聚到牆壁前，緊盯著那些線看。</a:t>
+            </a:r>
+            <a:endParaRPr lang="en-US" altLang="zh-TW" sz="1800" kern="100" dirty="0">
+              <a:effectLst/>
+              <a:latin typeface="Calibri" panose="020F0502020204030204" pitchFamily="34" charset="0"/>
+              <a:ea typeface="新細明體" panose="02020500000000000000" pitchFamily="18" charset="-120"/>
+              <a:cs typeface="Times New Roman" panose="02020603050405020304" pitchFamily="18" charset="0"/>
+            </a:endParaRPr>
+          </a:p>
+          <a:p>
+            <a:pPr marL="0" marR="0" lvl="0" indent="0" algn="l" defTabSz="914400" rtl="0" eaLnBrk="1" fontAlgn="auto" latinLnBrk="0" hangingPunct="1">
+              <a:lnSpc>
+                <a:spcPct val="100000"/>
+              </a:lnSpc>
+              <a:spcBef>
+                <a:spcPts val="0"/>
+              </a:spcBef>
+              <a:spcAft>
+                <a:spcPts val="0"/>
+              </a:spcAft>
+              <a:buClrTx/>
+              <a:buSzTx/>
+              <a:buFontTx/>
+              <a:buNone/>
+              <a:tabLst/>
+              <a:defRPr/>
+            </a:pPr>
+            <a:endParaRPr lang="en-US" altLang="zh-TW" sz="1800" kern="100" dirty="0">
+              <a:effectLst/>
+              <a:latin typeface="Calibri" panose="020F0502020204030204" pitchFamily="34" charset="0"/>
+              <a:ea typeface="新細明體" panose="02020500000000000000" pitchFamily="18" charset="-120"/>
+              <a:cs typeface="Times New Roman" panose="02020603050405020304" pitchFamily="18" charset="0"/>
+            </a:endParaRPr>
+          </a:p>
+          <a:p>
+            <a:pPr marL="0" marR="0" lvl="0" indent="0" algn="l" defTabSz="914400" rtl="0" eaLnBrk="1" fontAlgn="auto" latinLnBrk="0" hangingPunct="1">
+              <a:lnSpc>
+                <a:spcPct val="100000"/>
+              </a:lnSpc>
+              <a:spcBef>
+                <a:spcPts val="0"/>
+              </a:spcBef>
+              <a:spcAft>
+                <a:spcPts val="0"/>
+              </a:spcAft>
+              <a:buClrTx/>
+              <a:buSzTx/>
+              <a:buFontTx/>
+              <a:buNone/>
+              <a:tabLst/>
+              <a:defRPr/>
+            </a:pPr>
+            <a:r>
               <a:rPr lang="en-US" altLang="zh-TW" sz="1800" kern="100" dirty="0">
                 <a:effectLst/>
                 <a:latin typeface="Calibri" panose="020F0502020204030204" pitchFamily="34" charset="0"/>
@@ -1086,6 +1187,16 @@
         <p:txBody>
           <a:bodyPr/>
           <a:lstStyle/>
+          <a:p>
+            <a:r>
+              <a:rPr lang="zh-TW" altLang="en-US"/>
+              <a:t>趁守衛分心時我逃離大廳。我找不到進來的入口，但應該能從其他地方離開。我一直跑，眼前出現一扇漂亮的門，也許是大樓的出口。</a:t>
+            </a:r>
+            <a:endParaRPr lang="en-GB" altLang="zh-TW" dirty="0"/>
+          </a:p>
+          <a:p>
+            <a:endParaRPr lang="en-GB" altLang="zh-TW" dirty="0"/>
+          </a:p>
           <a:p>
             <a:r>
               <a:rPr lang="en-GB" altLang="zh-TW" dirty="0"/>
